--- a/Rekayasa Kebutuhan Perangkat Lunak - A11.4601/1. Pendahuluan - Software Requirement Engineering - Teknik Informatika S1.pptx
+++ b/Rekayasa Kebutuhan Perangkat Lunak - A11.4601/1. Pendahuluan - Software Requirement Engineering - Teknik Informatika S1.pptx
@@ -5,30 +5,27 @@
     <p:sldMasterId id="2147483876" r:id="rId1"/>
   </p:sldMasterIdLst>
   <p:notesMasterIdLst>
-    <p:notesMasterId r:id="rId23"/>
+    <p:notesMasterId r:id="rId20"/>
   </p:notesMasterIdLst>
   <p:sldIdLst>
     <p:sldId id="256" r:id="rId2"/>
     <p:sldId id="389" r:id="rId3"/>
-    <p:sldId id="409" r:id="rId4"/>
+    <p:sldId id="391" r:id="rId4"/>
     <p:sldId id="392" r:id="rId5"/>
     <p:sldId id="393" r:id="rId6"/>
     <p:sldId id="394" r:id="rId7"/>
     <p:sldId id="395" r:id="rId8"/>
-    <p:sldId id="408" r:id="rId9"/>
-    <p:sldId id="396" r:id="rId10"/>
-    <p:sldId id="397" r:id="rId11"/>
-    <p:sldId id="398" r:id="rId12"/>
-    <p:sldId id="399" r:id="rId13"/>
-    <p:sldId id="400" r:id="rId14"/>
-    <p:sldId id="401" r:id="rId15"/>
-    <p:sldId id="402" r:id="rId16"/>
-    <p:sldId id="403" r:id="rId17"/>
-    <p:sldId id="404" r:id="rId18"/>
-    <p:sldId id="405" r:id="rId19"/>
-    <p:sldId id="406" r:id="rId20"/>
-    <p:sldId id="407" r:id="rId21"/>
-    <p:sldId id="388" r:id="rId22"/>
+    <p:sldId id="397" r:id="rId9"/>
+    <p:sldId id="398" r:id="rId10"/>
+    <p:sldId id="399" r:id="rId11"/>
+    <p:sldId id="400" r:id="rId12"/>
+    <p:sldId id="401" r:id="rId13"/>
+    <p:sldId id="402" r:id="rId14"/>
+    <p:sldId id="404" r:id="rId15"/>
+    <p:sldId id="405" r:id="rId16"/>
+    <p:sldId id="406" r:id="rId17"/>
+    <p:sldId id="407" r:id="rId18"/>
+    <p:sldId id="388" r:id="rId19"/>
   </p:sldIdLst>
   <p:sldSz cx="9144000" cy="6858000" type="screen4x3"/>
   <p:notesSz cx="6858000" cy="9144000"/>
@@ -129,7 +126,7 @@
   </p:defaultTextStyle>
   <p:extLst>
     <p:ext uri="{EFAFB233-063F-42B5-8137-9DF3F51BA10A}">
-      <p15:sldGuideLst xmlns:p15="http://schemas.microsoft.com/office/powerpoint/2012/main">
+      <p15:sldGuideLst xmlns="" xmlns:p15="http://schemas.microsoft.com/office/powerpoint/2012/main">
         <p15:guide id="1" orient="horz" pos="2160">
           <p15:clr>
             <a:srgbClr val="A4A3A4"/>
@@ -228,7 +225,7 @@
           <a:p>
             <a:fld id="{FCB68DAB-7320-458B-B939-EF8098742320}" type="datetimeFigureOut">
               <a:rPr lang="en-US" smtClean="0"/>
-              <a:t>4/24/2024</a:t>
+              <a:t>2/28/2021</a:t>
             </a:fld>
             <a:endParaRPr lang="en-US"/>
           </a:p>
@@ -687,7 +684,7 @@
           <a:p>
             <a:fld id="{55CB5D86-C893-4966-9211-771754B3E3A1}" type="datetimeFigureOut">
               <a:rPr lang="en-US" smtClean="0"/>
-              <a:t>4/24/2024</a:t>
+              <a:t>2/28/2021</a:t>
             </a:fld>
             <a:endParaRPr lang="en-US"/>
           </a:p>
@@ -851,7 +848,7 @@
           <a:p>
             <a:fld id="{55CB5D86-C893-4966-9211-771754B3E3A1}" type="datetimeFigureOut">
               <a:rPr lang="en-US" smtClean="0"/>
-              <a:t>4/24/2024</a:t>
+              <a:t>2/28/2021</a:t>
             </a:fld>
             <a:endParaRPr lang="en-US"/>
           </a:p>
@@ -1025,7 +1022,7 @@
           <a:p>
             <a:fld id="{55CB5D86-C893-4966-9211-771754B3E3A1}" type="datetimeFigureOut">
               <a:rPr lang="en-US" smtClean="0"/>
-              <a:t>4/24/2024</a:t>
+              <a:t>2/28/2021</a:t>
             </a:fld>
             <a:endParaRPr lang="en-US"/>
           </a:p>
@@ -1208,7 +1205,7 @@
           <a:p>
             <a:fld id="{55CB5D86-C893-4966-9211-771754B3E3A1}" type="datetimeFigureOut">
               <a:rPr lang="en-US" smtClean="0"/>
-              <a:t>4/24/2024</a:t>
+              <a:t>2/28/2021</a:t>
             </a:fld>
             <a:endParaRPr lang="en-US"/>
           </a:p>
@@ -1470,7 +1467,7 @@
           <a:p>
             <a:fld id="{55CB5D86-C893-4966-9211-771754B3E3A1}" type="datetimeFigureOut">
               <a:rPr lang="en-US" smtClean="0"/>
-              <a:t>4/24/2024</a:t>
+              <a:t>2/28/2021</a:t>
             </a:fld>
             <a:endParaRPr lang="en-US"/>
           </a:p>
@@ -1817,7 +1814,7 @@
           <a:p>
             <a:fld id="{55CB5D86-C893-4966-9211-771754B3E3A1}" type="datetimeFigureOut">
               <a:rPr lang="en-US" smtClean="0"/>
-              <a:t>4/24/2024</a:t>
+              <a:t>2/28/2021</a:t>
             </a:fld>
             <a:endParaRPr lang="en-US"/>
           </a:p>
@@ -2123,7 +2120,7 @@
           <a:p>
             <a:fld id="{55CB5D86-C893-4966-9211-771754B3E3A1}" type="datetimeFigureOut">
               <a:rPr lang="en-US" smtClean="0"/>
-              <a:t>4/24/2024</a:t>
+              <a:t>2/28/2021</a:t>
             </a:fld>
             <a:endParaRPr lang="en-US"/>
           </a:p>
@@ -2350,7 +2347,7 @@
           <a:p>
             <a:fld id="{55CB5D86-C893-4966-9211-771754B3E3A1}" type="datetimeFigureOut">
               <a:rPr lang="en-US" smtClean="0"/>
-              <a:t>4/24/2024</a:t>
+              <a:t>2/28/2021</a:t>
             </a:fld>
             <a:endParaRPr lang="en-US"/>
           </a:p>
@@ -2440,7 +2437,7 @@
           <a:p>
             <a:fld id="{55CB5D86-C893-4966-9211-771754B3E3A1}" type="datetimeFigureOut">
               <a:rPr lang="en-US" smtClean="0"/>
-              <a:t>4/24/2024</a:t>
+              <a:t>2/28/2021</a:t>
             </a:fld>
             <a:endParaRPr lang="en-US"/>
           </a:p>
@@ -2728,7 +2725,7 @@
           <a:p>
             <a:fld id="{55CB5D86-C893-4966-9211-771754B3E3A1}" type="datetimeFigureOut">
               <a:rPr lang="en-US" smtClean="0"/>
-              <a:t>4/24/2024</a:t>
+              <a:t>2/28/2021</a:t>
             </a:fld>
             <a:endParaRPr lang="en-US"/>
           </a:p>
@@ -2997,7 +2994,7 @@
           <a:p>
             <a:fld id="{55CB5D86-C893-4966-9211-771754B3E3A1}" type="datetimeFigureOut">
               <a:rPr lang="en-US" smtClean="0"/>
-              <a:t>4/24/2024</a:t>
+              <a:t>2/28/2021</a:t>
             </a:fld>
             <a:endParaRPr lang="en-US"/>
           </a:p>
@@ -3207,7 +3204,7 @@
           <a:p>
             <a:fld id="{55CB5D86-C893-4966-9211-771754B3E3A1}" type="datetimeFigureOut">
               <a:rPr lang="en-US" smtClean="0"/>
-              <a:t>4/24/2024</a:t>
+              <a:t>2/28/2021</a:t>
             </a:fld>
             <a:endParaRPr lang="en-US"/>
           </a:p>
@@ -3848,15 +3845,22 @@
           <a:p>
             <a:pPr algn="l"/>
             <a:r>
-              <a:rPr lang="en-US" dirty="0">
+              <a:rPr lang="en-US" dirty="0" smtClean="0">
                 <a:solidFill>
                   <a:schemeClr val="tx1"/>
                 </a:solidFill>
                 <a:latin typeface="Comic Sans MS" pitchFamily="66" charset="0"/>
                 <a:cs typeface="Times New Roman" pitchFamily="18" charset="0"/>
               </a:rPr>
-              <a:t>TIM SRE </a:t>
-            </a:r>
+              <a:t>Tim SRE</a:t>
+            </a:r>
+            <a:endParaRPr lang="en-US" dirty="0">
+              <a:solidFill>
+                <a:schemeClr val="tx1"/>
+              </a:solidFill>
+              <a:latin typeface="Comic Sans MS" pitchFamily="66" charset="0"/>
+              <a:cs typeface="Times New Roman" pitchFamily="18" charset="0"/>
+            </a:endParaRPr>
           </a:p>
         </p:txBody>
       </p:sp>
@@ -4224,6 +4228,13 @@
   <p:clrMapOvr>
     <a:masterClrMapping/>
   </p:clrMapOvr>
+  <p:timing>
+    <p:tnLst>
+      <p:par>
+        <p:cTn id="1" dur="indefinite" restart="never" nodeType="tmRoot"/>
+      </p:par>
+    </p:tnLst>
+  </p:timing>
 </p:sld>
 </file>
 
@@ -4273,7 +4284,7 @@
             </a:r>
             <a:r>
               <a:rPr lang="en-US" sz="3200" dirty="0"/>
-              <a:t> Requirement</a:t>
+              <a:t> Requirement Engineering</a:t>
             </a:r>
           </a:p>
         </p:txBody>
@@ -4290,8 +4301,8 @@
         </p:nvSpPr>
         <p:spPr>
           <a:xfrm>
-            <a:off x="228600" y="1600200"/>
-            <a:ext cx="8534400" cy="4724400"/>
+            <a:off x="457200" y="1600200"/>
+            <a:ext cx="8153400" cy="3474720"/>
           </a:xfrm>
           <a:prstGeom prst="rect">
             <a:avLst/>
@@ -4304,80 +4315,362 @@
           <a:lstStyle/>
           <a:p>
             <a:pPr marL="45720" indent="0" algn="just">
+              <a:lnSpc>
+                <a:spcPct val="150000"/>
+              </a:lnSpc>
               <a:buNone/>
             </a:pPr>
-            <a:endParaRPr lang="en-US" i="1" dirty="0">
-              <a:solidFill>
-                <a:schemeClr val="tx1"/>
-              </a:solidFill>
-              <a:latin typeface="Comic Sans MS" pitchFamily="66" charset="0"/>
-              <a:cs typeface="Times New Roman" pitchFamily="18" charset="0"/>
-            </a:endParaRPr>
-          </a:p>
-          <a:p>
-            <a:pPr algn="just">
-              <a:buFont typeface="Arial" charset="0"/>
-              <a:buChar char="•"/>
+            <a:r>
+              <a:rPr lang="en-US" sz="2400" dirty="0">
+                <a:solidFill>
+                  <a:schemeClr val="tx1"/>
+                </a:solidFill>
+                <a:latin typeface="Comic Sans MS" pitchFamily="66" charset="0"/>
+              </a:rPr>
+              <a:t>“</a:t>
+            </a:r>
+            <a:r>
+              <a:rPr lang="en-US" sz="2400" b="1" dirty="0">
+                <a:solidFill>
+                  <a:schemeClr val="tx1"/>
+                </a:solidFill>
+                <a:latin typeface="Comic Sans MS" pitchFamily="66" charset="0"/>
+              </a:rPr>
+              <a:t>Requirement Engineering </a:t>
+            </a:r>
+            <a:r>
+              <a:rPr lang="en-US" sz="2400" dirty="0" err="1">
+                <a:solidFill>
+                  <a:schemeClr val="tx1"/>
+                </a:solidFill>
+                <a:latin typeface="Comic Sans MS" pitchFamily="66" charset="0"/>
+              </a:rPr>
+              <a:t>adalah</a:t>
+            </a:r>
+            <a:r>
+              <a:rPr lang="en-US" sz="2400" dirty="0">
+                <a:solidFill>
+                  <a:schemeClr val="tx1"/>
+                </a:solidFill>
+                <a:latin typeface="Comic Sans MS" pitchFamily="66" charset="0"/>
+              </a:rPr>
+              <a:t> Proses </a:t>
+            </a:r>
+            <a:r>
+              <a:rPr lang="en-US" sz="2400" dirty="0" err="1">
+                <a:solidFill>
+                  <a:schemeClr val="tx1"/>
+                </a:solidFill>
+                <a:latin typeface="Comic Sans MS" pitchFamily="66" charset="0"/>
+              </a:rPr>
+              <a:t>dimana</a:t>
+            </a:r>
+            <a:r>
+              <a:rPr lang="en-US" sz="2400" dirty="0">
+                <a:solidFill>
+                  <a:schemeClr val="tx1"/>
+                </a:solidFill>
+                <a:latin typeface="Comic Sans MS" pitchFamily="66" charset="0"/>
+              </a:rPr>
+              <a:t> </a:t>
+            </a:r>
+            <a:r>
+              <a:rPr lang="en-US" sz="2400" dirty="0" err="1">
+                <a:solidFill>
+                  <a:schemeClr val="tx1"/>
+                </a:solidFill>
+                <a:latin typeface="Comic Sans MS" pitchFamily="66" charset="0"/>
+              </a:rPr>
+              <a:t>persyaratan</a:t>
+            </a:r>
+            <a:r>
+              <a:rPr lang="en-US" sz="2400" dirty="0">
+                <a:solidFill>
+                  <a:schemeClr val="tx1"/>
+                </a:solidFill>
+                <a:latin typeface="Comic Sans MS" pitchFamily="66" charset="0"/>
+              </a:rPr>
+              <a:t> </a:t>
+            </a:r>
+            <a:r>
+              <a:rPr lang="en-US" sz="2400" dirty="0" err="1">
+                <a:solidFill>
+                  <a:schemeClr val="tx1"/>
+                </a:solidFill>
+                <a:latin typeface="Comic Sans MS" pitchFamily="66" charset="0"/>
+              </a:rPr>
+              <a:t>untuk</a:t>
+            </a:r>
+            <a:r>
+              <a:rPr lang="en-US" sz="2400" dirty="0">
+                <a:solidFill>
+                  <a:schemeClr val="tx1"/>
+                </a:solidFill>
+                <a:latin typeface="Comic Sans MS" pitchFamily="66" charset="0"/>
+              </a:rPr>
+              <a:t> </a:t>
+            </a:r>
+            <a:r>
+              <a:rPr lang="en-US" sz="2400" dirty="0" err="1">
+                <a:solidFill>
+                  <a:schemeClr val="tx1"/>
+                </a:solidFill>
+                <a:latin typeface="Comic Sans MS" pitchFamily="66" charset="0"/>
+              </a:rPr>
+              <a:t>produk</a:t>
+            </a:r>
+            <a:r>
+              <a:rPr lang="en-US" sz="2400" dirty="0">
+                <a:solidFill>
+                  <a:schemeClr val="tx1"/>
+                </a:solidFill>
+                <a:latin typeface="Comic Sans MS" pitchFamily="66" charset="0"/>
+              </a:rPr>
+              <a:t> </a:t>
+            </a:r>
+            <a:r>
+              <a:rPr lang="en-US" sz="2400" dirty="0" err="1">
+                <a:solidFill>
+                  <a:schemeClr val="tx1"/>
+                </a:solidFill>
+                <a:latin typeface="Comic Sans MS" pitchFamily="66" charset="0"/>
+              </a:rPr>
+              <a:t>perangkat</a:t>
+            </a:r>
+            <a:r>
+              <a:rPr lang="en-US" sz="2400" dirty="0">
+                <a:solidFill>
+                  <a:schemeClr val="tx1"/>
+                </a:solidFill>
+                <a:latin typeface="Comic Sans MS" pitchFamily="66" charset="0"/>
+              </a:rPr>
+              <a:t> </a:t>
+            </a:r>
+            <a:r>
+              <a:rPr lang="en-US" sz="2400" dirty="0" err="1">
+                <a:solidFill>
+                  <a:schemeClr val="tx1"/>
+                </a:solidFill>
+                <a:latin typeface="Comic Sans MS" pitchFamily="66" charset="0"/>
+              </a:rPr>
+              <a:t>lunak</a:t>
+            </a:r>
+            <a:r>
+              <a:rPr lang="en-US" sz="2400" dirty="0">
+                <a:solidFill>
+                  <a:schemeClr val="tx1"/>
+                </a:solidFill>
+                <a:latin typeface="Comic Sans MS" pitchFamily="66" charset="0"/>
+              </a:rPr>
+              <a:t> </a:t>
+            </a:r>
+            <a:r>
+              <a:rPr lang="en-US" sz="2400" dirty="0" err="1">
+                <a:solidFill>
+                  <a:schemeClr val="tx1"/>
+                </a:solidFill>
+                <a:latin typeface="Comic Sans MS" pitchFamily="66" charset="0"/>
+              </a:rPr>
+              <a:t>dikumpulkan</a:t>
+            </a:r>
+            <a:r>
+              <a:rPr lang="en-US" sz="2400" dirty="0">
+                <a:solidFill>
+                  <a:schemeClr val="tx1"/>
+                </a:solidFill>
+                <a:latin typeface="Comic Sans MS" pitchFamily="66" charset="0"/>
+              </a:rPr>
+              <a:t>, </a:t>
+            </a:r>
+            <a:r>
+              <a:rPr lang="en-US" sz="2400" dirty="0" err="1">
+                <a:solidFill>
+                  <a:schemeClr val="tx1"/>
+                </a:solidFill>
+                <a:latin typeface="Comic Sans MS" pitchFamily="66" charset="0"/>
+              </a:rPr>
+              <a:t>dianalisis</a:t>
+            </a:r>
+            <a:r>
+              <a:rPr lang="en-US" sz="2400" dirty="0">
+                <a:solidFill>
+                  <a:schemeClr val="tx1"/>
+                </a:solidFill>
+                <a:latin typeface="Comic Sans MS" pitchFamily="66" charset="0"/>
+              </a:rPr>
+              <a:t>, </a:t>
+            </a:r>
+            <a:r>
+              <a:rPr lang="en-US" sz="2400" dirty="0" err="1">
+                <a:solidFill>
+                  <a:schemeClr val="tx1"/>
+                </a:solidFill>
+                <a:latin typeface="Comic Sans MS" pitchFamily="66" charset="0"/>
+              </a:rPr>
+              <a:t>didokumentasikan</a:t>
+            </a:r>
+            <a:r>
+              <a:rPr lang="en-US" sz="2400" dirty="0">
+                <a:solidFill>
+                  <a:schemeClr val="tx1"/>
+                </a:solidFill>
+                <a:latin typeface="Comic Sans MS" pitchFamily="66" charset="0"/>
+              </a:rPr>
+              <a:t>, </a:t>
+            </a:r>
+            <a:r>
+              <a:rPr lang="en-US" sz="2400" dirty="0" err="1">
+                <a:solidFill>
+                  <a:schemeClr val="tx1"/>
+                </a:solidFill>
+                <a:latin typeface="Comic Sans MS" pitchFamily="66" charset="0"/>
+              </a:rPr>
+              <a:t>dan</a:t>
+            </a:r>
+            <a:r>
+              <a:rPr lang="en-US" sz="2400" dirty="0">
+                <a:solidFill>
+                  <a:schemeClr val="tx1"/>
+                </a:solidFill>
+                <a:latin typeface="Comic Sans MS" pitchFamily="66" charset="0"/>
+              </a:rPr>
+              <a:t> </a:t>
+            </a:r>
+            <a:r>
+              <a:rPr lang="en-US" sz="2400" dirty="0" err="1">
+                <a:solidFill>
+                  <a:schemeClr val="tx1"/>
+                </a:solidFill>
+                <a:latin typeface="Comic Sans MS" pitchFamily="66" charset="0"/>
+              </a:rPr>
+              <a:t>dikelola</a:t>
+            </a:r>
+            <a:r>
+              <a:rPr lang="en-US" sz="2400" dirty="0">
+                <a:solidFill>
+                  <a:schemeClr val="tx1"/>
+                </a:solidFill>
+                <a:latin typeface="Comic Sans MS" pitchFamily="66" charset="0"/>
+              </a:rPr>
+              <a:t> di </a:t>
+            </a:r>
+            <a:r>
+              <a:rPr lang="en-US" sz="2400" dirty="0" err="1">
+                <a:solidFill>
+                  <a:schemeClr val="tx1"/>
+                </a:solidFill>
+                <a:latin typeface="Comic Sans MS" pitchFamily="66" charset="0"/>
+              </a:rPr>
+              <a:t>seluruh</a:t>
+            </a:r>
+            <a:r>
+              <a:rPr lang="en-US" sz="2400" dirty="0">
+                <a:solidFill>
+                  <a:schemeClr val="tx1"/>
+                </a:solidFill>
+                <a:latin typeface="Comic Sans MS" pitchFamily="66" charset="0"/>
+              </a:rPr>
+              <a:t> </a:t>
+            </a:r>
+            <a:r>
+              <a:rPr lang="en-US" sz="2400" dirty="0" err="1">
+                <a:solidFill>
+                  <a:schemeClr val="tx1"/>
+                </a:solidFill>
+                <a:latin typeface="Comic Sans MS" pitchFamily="66" charset="0"/>
+              </a:rPr>
+              <a:t>siklus</a:t>
+            </a:r>
+            <a:r>
+              <a:rPr lang="en-US" sz="2400" dirty="0">
+                <a:solidFill>
+                  <a:schemeClr val="tx1"/>
+                </a:solidFill>
+                <a:latin typeface="Comic Sans MS" pitchFamily="66" charset="0"/>
+              </a:rPr>
+              <a:t> </a:t>
+            </a:r>
+            <a:r>
+              <a:rPr lang="en-US" sz="2400" dirty="0" err="1">
+                <a:solidFill>
+                  <a:schemeClr val="tx1"/>
+                </a:solidFill>
+                <a:latin typeface="Comic Sans MS" pitchFamily="66" charset="0"/>
+              </a:rPr>
+              <a:t>hidup</a:t>
+            </a:r>
+            <a:r>
+              <a:rPr lang="en-US" sz="2400" dirty="0">
+                <a:solidFill>
+                  <a:schemeClr val="tx1"/>
+                </a:solidFill>
+                <a:latin typeface="Comic Sans MS" pitchFamily="66" charset="0"/>
+              </a:rPr>
+              <a:t> </a:t>
+            </a:r>
+            <a:r>
+              <a:rPr lang="en-US" sz="2400" dirty="0" err="1">
+                <a:solidFill>
+                  <a:schemeClr val="tx1"/>
+                </a:solidFill>
+                <a:latin typeface="Comic Sans MS" pitchFamily="66" charset="0"/>
+              </a:rPr>
+              <a:t>rekayasa</a:t>
+            </a:r>
+            <a:r>
+              <a:rPr lang="en-US" sz="2400" dirty="0">
+                <a:solidFill>
+                  <a:schemeClr val="tx1"/>
+                </a:solidFill>
+                <a:latin typeface="Comic Sans MS" pitchFamily="66" charset="0"/>
+              </a:rPr>
+              <a:t> </a:t>
+            </a:r>
+            <a:r>
+              <a:rPr lang="en-US" sz="2400" dirty="0" err="1">
+                <a:solidFill>
+                  <a:schemeClr val="tx1"/>
+                </a:solidFill>
+                <a:latin typeface="Comic Sans MS" pitchFamily="66" charset="0"/>
+              </a:rPr>
+              <a:t>perangkat</a:t>
+            </a:r>
+            <a:r>
+              <a:rPr lang="en-US" sz="2400" dirty="0">
+                <a:solidFill>
+                  <a:schemeClr val="tx1"/>
+                </a:solidFill>
+                <a:latin typeface="Comic Sans MS" pitchFamily="66" charset="0"/>
+              </a:rPr>
+              <a:t> </a:t>
+            </a:r>
+            <a:r>
+              <a:rPr lang="en-US" sz="2400" dirty="0" err="1">
+                <a:solidFill>
+                  <a:schemeClr val="tx1"/>
+                </a:solidFill>
+                <a:latin typeface="Comic Sans MS" pitchFamily="66" charset="0"/>
+              </a:rPr>
+              <a:t>lunak</a:t>
+            </a:r>
+            <a:r>
+              <a:rPr lang="en-US" sz="2400" dirty="0">
+                <a:solidFill>
+                  <a:schemeClr val="tx1"/>
+                </a:solidFill>
+                <a:latin typeface="Comic Sans MS" pitchFamily="66" charset="0"/>
+              </a:rPr>
+              <a:t>”.</a:t>
+            </a:r>
+          </a:p>
+          <a:p>
+            <a:pPr marL="45720" indent="0" algn="just">
+              <a:lnSpc>
+                <a:spcPct val="150000"/>
+              </a:lnSpc>
+              <a:buNone/>
             </a:pPr>
-            <a:r>
-              <a:rPr lang="en-US" dirty="0">
-                <a:solidFill>
-                  <a:schemeClr val="tx1"/>
-                </a:solidFill>
-                <a:latin typeface="Comic Sans MS" pitchFamily="66" charset="0"/>
-                <a:cs typeface="Times New Roman" pitchFamily="18" charset="0"/>
-              </a:rPr>
-              <a:t> All project begin with a statement of requirements.</a:t>
-            </a:r>
-          </a:p>
-          <a:p>
-            <a:pPr algn="just">
-              <a:buFont typeface="Arial" charset="0"/>
-              <a:buChar char="•"/>
-            </a:pPr>
-            <a:endParaRPr lang="en-US" dirty="0">
-              <a:solidFill>
-                <a:schemeClr val="tx1"/>
-              </a:solidFill>
-              <a:latin typeface="Comic Sans MS" pitchFamily="66" charset="0"/>
-              <a:cs typeface="Times New Roman" pitchFamily="18" charset="0"/>
-            </a:endParaRPr>
-          </a:p>
-          <a:p>
-            <a:pPr algn="just">
-              <a:buFont typeface="Arial" charset="0"/>
-              <a:buChar char="•"/>
-            </a:pPr>
-            <a:r>
-              <a:rPr lang="en-US" dirty="0">
-                <a:solidFill>
-                  <a:schemeClr val="tx1"/>
-                </a:solidFill>
-                <a:latin typeface="Comic Sans MS" pitchFamily="66" charset="0"/>
-                <a:cs typeface="Times New Roman" pitchFamily="18" charset="0"/>
-              </a:rPr>
-              <a:t> Requirements are descriptions of how a software product should perform.</a:t>
-            </a:r>
-          </a:p>
-          <a:p>
-            <a:pPr algn="just">
-              <a:buFont typeface="Arial" charset="0"/>
-              <a:buChar char="•"/>
-            </a:pPr>
-            <a:endParaRPr lang="en-US" dirty="0">
-              <a:solidFill>
-                <a:schemeClr val="tx1"/>
-              </a:solidFill>
-              <a:latin typeface="Comic Sans MS" pitchFamily="66" charset="0"/>
-              <a:cs typeface="Times New Roman" pitchFamily="18" charset="0"/>
-            </a:endParaRPr>
-          </a:p>
-          <a:p>
-            <a:pPr algn="just">
-              <a:buFont typeface="Arial" charset="0"/>
-              <a:buChar char="•"/>
-            </a:pPr>
-            <a:endParaRPr lang="en-US" sz="2000" i="1" dirty="0">
+            <a:endParaRPr lang="en-US" sz="2400" dirty="0">
               <a:solidFill>
                 <a:schemeClr val="tx1"/>
               </a:solidFill>
@@ -4389,13 +4682,20 @@
     </p:spTree>
     <p:extLst>
       <p:ext uri="{BB962C8B-B14F-4D97-AF65-F5344CB8AC3E}">
-        <p14:creationId xmlns:p14="http://schemas.microsoft.com/office/powerpoint/2010/main" val="3218233636"/>
+        <p14:creationId xmlns:p14="http://schemas.microsoft.com/office/powerpoint/2010/main" val="132804189"/>
       </p:ext>
     </p:extLst>
   </p:cSld>
   <p:clrMapOvr>
     <a:masterClrMapping/>
   </p:clrMapOvr>
+  <p:timing>
+    <p:tnLst>
+      <p:par>
+        <p:cTn id="1" dur="indefinite" restart="never" nodeType="tmRoot"/>
+      </p:par>
+    </p:tnLst>
+  </p:timing>
 </p:sld>
 </file>
 
@@ -4445,7 +4745,7 @@
             </a:r>
             <a:r>
               <a:rPr lang="en-US" sz="3200" dirty="0"/>
-              <a:t> Requirement</a:t>
+              <a:t> Requirement Engineering</a:t>
             </a:r>
           </a:p>
         </p:txBody>
@@ -4462,8 +4762,8 @@
         </p:nvSpPr>
         <p:spPr>
           <a:xfrm>
-            <a:off x="228600" y="1600200"/>
-            <a:ext cx="8534400" cy="3474720"/>
+            <a:off x="457200" y="1600200"/>
+            <a:ext cx="8153400" cy="3474720"/>
           </a:xfrm>
           <a:prstGeom prst="rect">
             <a:avLst/>
@@ -4471,262 +4771,17 @@
         </p:spPr>
         <p:txBody>
           <a:bodyPr>
-            <a:normAutofit/>
+            <a:noAutofit/>
           </a:bodyPr>
           <a:lstStyle/>
           <a:p>
             <a:pPr marL="45720" indent="0" algn="just">
+              <a:lnSpc>
+                <a:spcPct val="160000"/>
+              </a:lnSpc>
               <a:buNone/>
             </a:pPr>
-            <a:r>
-              <a:rPr lang="en-US" sz="2400" i="1" dirty="0">
-                <a:solidFill>
-                  <a:schemeClr val="tx1"/>
-                </a:solidFill>
-                <a:latin typeface="Comic Sans MS" pitchFamily="66" charset="0"/>
-              </a:rPr>
-              <a:t>“</a:t>
-            </a:r>
-            <a:r>
-              <a:rPr lang="en-US" sz="2400" i="1" dirty="0" err="1">
-                <a:solidFill>
-                  <a:schemeClr val="tx1"/>
-                </a:solidFill>
-                <a:latin typeface="Comic Sans MS" pitchFamily="66" charset="0"/>
-              </a:rPr>
-              <a:t>Sesuatu</a:t>
-            </a:r>
-            <a:r>
-              <a:rPr lang="en-US" sz="2400" i="1" dirty="0">
-                <a:solidFill>
-                  <a:schemeClr val="tx1"/>
-                </a:solidFill>
-                <a:latin typeface="Comic Sans MS" pitchFamily="66" charset="0"/>
-              </a:rPr>
-              <a:t> </a:t>
-            </a:r>
-            <a:r>
-              <a:rPr lang="en-US" sz="2400" i="1" dirty="0" err="1">
-                <a:solidFill>
-                  <a:schemeClr val="tx1"/>
-                </a:solidFill>
-                <a:latin typeface="Comic Sans MS" pitchFamily="66" charset="0"/>
-              </a:rPr>
-              <a:t>pada</a:t>
-            </a:r>
-            <a:r>
-              <a:rPr lang="en-US" sz="2400" i="1" dirty="0">
-                <a:solidFill>
-                  <a:schemeClr val="tx1"/>
-                </a:solidFill>
-                <a:latin typeface="Comic Sans MS" pitchFamily="66" charset="0"/>
-              </a:rPr>
-              <a:t> </a:t>
-            </a:r>
-            <a:r>
-              <a:rPr lang="en-US" sz="2400" i="1" dirty="0" err="1">
-                <a:solidFill>
-                  <a:schemeClr val="tx1"/>
-                </a:solidFill>
-                <a:latin typeface="Comic Sans MS" pitchFamily="66" charset="0"/>
-              </a:rPr>
-              <a:t>produk</a:t>
-            </a:r>
-            <a:r>
-              <a:rPr lang="en-US" sz="2400" i="1" dirty="0">
-                <a:solidFill>
-                  <a:schemeClr val="tx1"/>
-                </a:solidFill>
-                <a:latin typeface="Comic Sans MS" pitchFamily="66" charset="0"/>
-              </a:rPr>
-              <a:t> yang </a:t>
-            </a:r>
-            <a:r>
-              <a:rPr lang="en-US" sz="2400" i="1" dirty="0" err="1">
-                <a:solidFill>
-                  <a:schemeClr val="tx1"/>
-                </a:solidFill>
-                <a:latin typeface="Comic Sans MS" pitchFamily="66" charset="0"/>
-              </a:rPr>
-              <a:t>harus</a:t>
-            </a:r>
-            <a:r>
-              <a:rPr lang="en-US" sz="2400" i="1" dirty="0">
-                <a:solidFill>
-                  <a:schemeClr val="tx1"/>
-                </a:solidFill>
-                <a:latin typeface="Comic Sans MS" pitchFamily="66" charset="0"/>
-              </a:rPr>
-              <a:t> </a:t>
-            </a:r>
-            <a:r>
-              <a:rPr lang="en-US" sz="2400" i="1" dirty="0" err="1">
-                <a:solidFill>
-                  <a:schemeClr val="tx1"/>
-                </a:solidFill>
-                <a:latin typeface="Comic Sans MS" pitchFamily="66" charset="0"/>
-              </a:rPr>
-              <a:t>dilakukan</a:t>
-            </a:r>
-            <a:r>
-              <a:rPr lang="en-US" sz="2400" i="1" dirty="0">
-                <a:solidFill>
-                  <a:schemeClr val="tx1"/>
-                </a:solidFill>
-                <a:latin typeface="Comic Sans MS" pitchFamily="66" charset="0"/>
-              </a:rPr>
-              <a:t> </a:t>
-            </a:r>
-            <a:r>
-              <a:rPr lang="en-US" sz="2400" i="1" dirty="0" err="1">
-                <a:solidFill>
-                  <a:schemeClr val="tx1"/>
-                </a:solidFill>
-                <a:latin typeface="Comic Sans MS" pitchFamily="66" charset="0"/>
-              </a:rPr>
-              <a:t>atau</a:t>
-            </a:r>
-            <a:r>
-              <a:rPr lang="en-US" sz="2400" i="1" dirty="0">
-                <a:solidFill>
-                  <a:schemeClr val="tx1"/>
-                </a:solidFill>
-                <a:latin typeface="Comic Sans MS" pitchFamily="66" charset="0"/>
-              </a:rPr>
-              <a:t> </a:t>
-            </a:r>
-            <a:r>
-              <a:rPr lang="en-US" sz="2400" i="1" dirty="0" err="1">
-                <a:solidFill>
-                  <a:schemeClr val="tx1"/>
-                </a:solidFill>
-                <a:latin typeface="Comic Sans MS" pitchFamily="66" charset="0"/>
-              </a:rPr>
-              <a:t>sebuah</a:t>
-            </a:r>
-            <a:r>
-              <a:rPr lang="en-US" sz="2400" i="1" dirty="0">
-                <a:solidFill>
-                  <a:schemeClr val="tx1"/>
-                </a:solidFill>
-                <a:latin typeface="Comic Sans MS" pitchFamily="66" charset="0"/>
-              </a:rPr>
-              <a:t> </a:t>
-            </a:r>
-            <a:r>
-              <a:rPr lang="en-US" sz="2400" i="1" dirty="0" err="1">
-                <a:solidFill>
-                  <a:schemeClr val="tx1"/>
-                </a:solidFill>
-                <a:latin typeface="Comic Sans MS" pitchFamily="66" charset="0"/>
-              </a:rPr>
-              <a:t>kualitas</a:t>
-            </a:r>
-            <a:r>
-              <a:rPr lang="en-US" sz="2400" i="1" dirty="0">
-                <a:solidFill>
-                  <a:schemeClr val="tx1"/>
-                </a:solidFill>
-                <a:latin typeface="Comic Sans MS" pitchFamily="66" charset="0"/>
-              </a:rPr>
-              <a:t> yang </a:t>
-            </a:r>
-            <a:r>
-              <a:rPr lang="en-US" sz="2400" i="1" dirty="0" err="1">
-                <a:solidFill>
-                  <a:schemeClr val="tx1"/>
-                </a:solidFill>
-                <a:latin typeface="Comic Sans MS" pitchFamily="66" charset="0"/>
-              </a:rPr>
-              <a:t>harus</a:t>
-            </a:r>
-            <a:r>
-              <a:rPr lang="en-US" sz="2400" i="1" dirty="0">
-                <a:solidFill>
-                  <a:schemeClr val="tx1"/>
-                </a:solidFill>
-                <a:latin typeface="Comic Sans MS" pitchFamily="66" charset="0"/>
-              </a:rPr>
-              <a:t> </a:t>
-            </a:r>
-            <a:r>
-              <a:rPr lang="en-US" sz="2400" i="1" dirty="0" err="1">
-                <a:solidFill>
-                  <a:schemeClr val="tx1"/>
-                </a:solidFill>
-                <a:latin typeface="Comic Sans MS" pitchFamily="66" charset="0"/>
-              </a:rPr>
-              <a:t>dimiliki</a:t>
-            </a:r>
-            <a:r>
-              <a:rPr lang="en-US" sz="2400" i="1" dirty="0">
-                <a:solidFill>
-                  <a:schemeClr val="tx1"/>
-                </a:solidFill>
-                <a:latin typeface="Comic Sans MS" pitchFamily="66" charset="0"/>
-              </a:rPr>
-              <a:t> </a:t>
-            </a:r>
-            <a:r>
-              <a:rPr lang="en-US" sz="2400" i="1" dirty="0" err="1">
-                <a:solidFill>
-                  <a:schemeClr val="tx1"/>
-                </a:solidFill>
-                <a:latin typeface="Comic Sans MS" pitchFamily="66" charset="0"/>
-              </a:rPr>
-              <a:t>produk</a:t>
-            </a:r>
-            <a:r>
-              <a:rPr lang="en-US" sz="2400" i="1" dirty="0">
-                <a:solidFill>
-                  <a:schemeClr val="tx1"/>
-                </a:solidFill>
-                <a:latin typeface="Comic Sans MS" pitchFamily="66" charset="0"/>
-              </a:rPr>
-              <a:t> </a:t>
-            </a:r>
-            <a:r>
-              <a:rPr lang="en-US" sz="2400" i="1" dirty="0" err="1">
-                <a:solidFill>
-                  <a:schemeClr val="tx1"/>
-                </a:solidFill>
-                <a:latin typeface="Comic Sans MS" pitchFamily="66" charset="0"/>
-              </a:rPr>
-              <a:t>tersebut</a:t>
-            </a:r>
-            <a:r>
-              <a:rPr lang="en-US" sz="2400" i="1" dirty="0">
-                <a:solidFill>
-                  <a:schemeClr val="tx1"/>
-                </a:solidFill>
-                <a:latin typeface="Comic Sans MS" pitchFamily="66" charset="0"/>
-              </a:rPr>
-              <a:t>” </a:t>
-            </a:r>
-            <a:r>
-              <a:rPr lang="en-US" sz="2400" dirty="0">
-                <a:solidFill>
-                  <a:schemeClr val="tx1"/>
-                </a:solidFill>
-                <a:latin typeface="Comic Sans MS" pitchFamily="66" charset="0"/>
-              </a:rPr>
-              <a:t>(Robertson99)</a:t>
-            </a:r>
-            <a:r>
-              <a:rPr lang="en-US" sz="2400" i="1" dirty="0">
-                <a:solidFill>
-                  <a:schemeClr val="tx1"/>
-                </a:solidFill>
-                <a:latin typeface="Comic Sans MS" pitchFamily="66" charset="0"/>
-              </a:rPr>
-              <a:t>.</a:t>
-            </a:r>
-          </a:p>
-          <a:p>
-            <a:pPr marL="45720" indent="0" algn="just">
-              <a:buNone/>
-            </a:pPr>
-            <a:endParaRPr lang="en-US" sz="2400" i="1" dirty="0">
+            <a:endParaRPr lang="en-US" dirty="0">
               <a:solidFill>
                 <a:schemeClr val="tx1"/>
               </a:solidFill>
@@ -4735,28 +4790,31 @@
           </a:p>
           <a:p>
             <a:pPr marL="45720" indent="0" algn="just">
+              <a:lnSpc>
+                <a:spcPct val="160000"/>
+              </a:lnSpc>
               <a:buNone/>
             </a:pPr>
             <a:r>
-              <a:rPr lang="en-US" sz="2400" i="1" dirty="0">
-                <a:solidFill>
-                  <a:schemeClr val="tx1"/>
-                </a:solidFill>
-                <a:latin typeface="Comic Sans MS" pitchFamily="66" charset="0"/>
-              </a:rPr>
-              <a:t>“</a:t>
-            </a:r>
-            <a:r>
-              <a:rPr lang="en-US" sz="2400" i="1" dirty="0" err="1">
-                <a:solidFill>
-                  <a:schemeClr val="tx1"/>
-                </a:solidFill>
-                <a:latin typeface="Comic Sans MS" pitchFamily="66" charset="0"/>
-              </a:rPr>
-              <a:t>Sebuah</a:t>
-            </a:r>
-            <a:r>
-              <a:rPr lang="en-US" sz="2400" i="1" dirty="0">
+              <a:rPr lang="en-US" dirty="0">
+                <a:solidFill>
+                  <a:schemeClr val="tx1"/>
+                </a:solidFill>
+                <a:latin typeface="Comic Sans MS" pitchFamily="66" charset="0"/>
+              </a:rPr>
+              <a:t>Requirement Engineering </a:t>
+            </a:r>
+            <a:r>
+              <a:rPr lang="en-US" dirty="0" err="1">
+                <a:solidFill>
+                  <a:schemeClr val="tx1"/>
+                </a:solidFill>
+                <a:latin typeface="Comic Sans MS" pitchFamily="66" charset="0"/>
+              </a:rPr>
+              <a:t>berkaitan</a:t>
+            </a:r>
+            <a:r>
+              <a:rPr lang="en-US" dirty="0">
                 <a:solidFill>
                   <a:schemeClr val="tx1"/>
                 </a:solidFill>
@@ -4765,16 +4823,16 @@
               <a:t> </a:t>
             </a:r>
             <a:r>
-              <a:rPr lang="en-US" sz="2400" i="1" dirty="0" err="1">
-                <a:solidFill>
-                  <a:schemeClr val="tx1"/>
-                </a:solidFill>
-                <a:latin typeface="Comic Sans MS" pitchFamily="66" charset="0"/>
-              </a:rPr>
-              <a:t>spesifikasi</a:t>
-            </a:r>
-            <a:r>
-              <a:rPr lang="en-US" sz="2400" i="1" dirty="0">
+              <a:rPr lang="en-US" dirty="0" err="1">
+                <a:solidFill>
+                  <a:schemeClr val="tx1"/>
+                </a:solidFill>
+                <a:latin typeface="Comic Sans MS" pitchFamily="66" charset="0"/>
+              </a:rPr>
+              <a:t>dengan</a:t>
+            </a:r>
+            <a:r>
+              <a:rPr lang="en-US" dirty="0">
                 <a:solidFill>
                   <a:schemeClr val="tx1"/>
                 </a:solidFill>
@@ -4783,7 +4841,79 @@
               <a:t> </a:t>
             </a:r>
             <a:r>
-              <a:rPr lang="en-US" sz="2400" i="1" dirty="0" err="1">
+              <a:rPr lang="en-US" dirty="0" err="1">
+                <a:solidFill>
+                  <a:schemeClr val="tx1"/>
+                </a:solidFill>
+                <a:latin typeface="Comic Sans MS" pitchFamily="66" charset="0"/>
+              </a:rPr>
+              <a:t>menafsirkan</a:t>
+            </a:r>
+            <a:r>
+              <a:rPr lang="en-US" dirty="0">
+                <a:solidFill>
+                  <a:schemeClr val="tx1"/>
+                </a:solidFill>
+                <a:latin typeface="Comic Sans MS" pitchFamily="66" charset="0"/>
+              </a:rPr>
+              <a:t> </a:t>
+            </a:r>
+            <a:r>
+              <a:rPr lang="en-US" dirty="0" err="1">
+                <a:solidFill>
+                  <a:schemeClr val="tx1"/>
+                </a:solidFill>
+                <a:latin typeface="Comic Sans MS" pitchFamily="66" charset="0"/>
+              </a:rPr>
+              <a:t>dan</a:t>
+            </a:r>
+            <a:r>
+              <a:rPr lang="en-US" dirty="0">
+                <a:solidFill>
+                  <a:schemeClr val="tx1"/>
+                </a:solidFill>
+                <a:latin typeface="Comic Sans MS" pitchFamily="66" charset="0"/>
+              </a:rPr>
+              <a:t> </a:t>
+            </a:r>
+            <a:r>
+              <a:rPr lang="en-US" dirty="0" err="1">
+                <a:solidFill>
+                  <a:schemeClr val="tx1"/>
+                </a:solidFill>
+                <a:latin typeface="Comic Sans MS" pitchFamily="66" charset="0"/>
+              </a:rPr>
+              <a:t>memahami</a:t>
+            </a:r>
+            <a:r>
+              <a:rPr lang="en-US" dirty="0">
+                <a:solidFill>
+                  <a:schemeClr val="tx1"/>
+                </a:solidFill>
+                <a:latin typeface="Comic Sans MS" pitchFamily="66" charset="0"/>
+              </a:rPr>
+              <a:t> </a:t>
+            </a:r>
+            <a:r>
+              <a:rPr lang="en-US" dirty="0" err="1">
+                <a:solidFill>
+                  <a:schemeClr val="tx1"/>
+                </a:solidFill>
+                <a:latin typeface="Comic Sans MS" pitchFamily="66" charset="0"/>
+              </a:rPr>
+              <a:t>tujuan</a:t>
+            </a:r>
+            <a:r>
+              <a:rPr lang="en-US" dirty="0">
+                <a:solidFill>
+                  <a:schemeClr val="tx1"/>
+                </a:solidFill>
+                <a:latin typeface="Comic Sans MS" pitchFamily="66" charset="0"/>
+              </a:rPr>
+              <a:t>, </a:t>
+            </a:r>
+            <a:r>
+              <a:rPr lang="en-US" dirty="0" err="1">
                 <a:solidFill>
                   <a:schemeClr val="tx1"/>
                 </a:solidFill>
@@ -4792,7 +4922,25 @@
               <a:t>kebutuhan</a:t>
             </a:r>
             <a:r>
-              <a:rPr lang="en-US" sz="2400" i="1" dirty="0">
+              <a:rPr lang="en-US" dirty="0">
+                <a:solidFill>
+                  <a:schemeClr val="tx1"/>
+                </a:solidFill>
+                <a:latin typeface="Comic Sans MS" pitchFamily="66" charset="0"/>
+              </a:rPr>
+              <a:t>, </a:t>
+            </a:r>
+            <a:r>
+              <a:rPr lang="en-US" dirty="0" err="1">
+                <a:solidFill>
+                  <a:schemeClr val="tx1"/>
+                </a:solidFill>
+                <a:latin typeface="Comic Sans MS" pitchFamily="66" charset="0"/>
+              </a:rPr>
+              <a:t>dan</a:t>
+            </a:r>
+            <a:r>
+              <a:rPr lang="en-US" dirty="0">
                 <a:solidFill>
                   <a:schemeClr val="tx1"/>
                 </a:solidFill>
@@ -4801,16 +4949,16 @@
               <a:t> </a:t>
             </a:r>
             <a:r>
-              <a:rPr lang="en-US" sz="2400" i="1" dirty="0" err="1">
-                <a:solidFill>
-                  <a:schemeClr val="tx1"/>
-                </a:solidFill>
-                <a:latin typeface="Comic Sans MS" pitchFamily="66" charset="0"/>
-              </a:rPr>
-              <a:t>adalah</a:t>
-            </a:r>
-            <a:r>
-              <a:rPr lang="en-US" sz="2400" i="1" dirty="0">
+              <a:rPr lang="en-US" dirty="0" err="1">
+                <a:solidFill>
+                  <a:schemeClr val="tx1"/>
+                </a:solidFill>
+                <a:latin typeface="Comic Sans MS" pitchFamily="66" charset="0"/>
+              </a:rPr>
+              <a:t>keyakinan</a:t>
+            </a:r>
+            <a:r>
+              <a:rPr lang="en-US" dirty="0">
                 <a:solidFill>
                   <a:schemeClr val="tx1"/>
                 </a:solidFill>
@@ -4819,16 +4967,16 @@
               <a:t> </a:t>
             </a:r>
             <a:r>
-              <a:rPr lang="en-US" sz="2400" i="1" dirty="0" err="1">
-                <a:solidFill>
-                  <a:schemeClr val="tx1"/>
-                </a:solidFill>
-                <a:latin typeface="Comic Sans MS" pitchFamily="66" charset="0"/>
-              </a:rPr>
-              <a:t>bagaimana</a:t>
-            </a:r>
-            <a:r>
-              <a:rPr lang="en-US" sz="2400" i="1" dirty="0">
+              <a:rPr lang="en-US" dirty="0" err="1">
+                <a:solidFill>
+                  <a:schemeClr val="tx1"/>
+                </a:solidFill>
+                <a:latin typeface="Comic Sans MS" pitchFamily="66" charset="0"/>
+              </a:rPr>
+              <a:t>dari</a:t>
+            </a:r>
+            <a:r>
+              <a:rPr lang="en-US" dirty="0">
                 <a:solidFill>
                   <a:schemeClr val="tx1"/>
                 </a:solidFill>
@@ -4837,88 +4985,16 @@
               <a:t> </a:t>
             </a:r>
             <a:r>
-              <a:rPr lang="en-US" sz="2400" i="1" dirty="0" err="1">
-                <a:solidFill>
-                  <a:schemeClr val="tx1"/>
-                </a:solidFill>
-                <a:latin typeface="Comic Sans MS" pitchFamily="66" charset="0"/>
-              </a:rPr>
-              <a:t>tujuan</a:t>
-            </a:r>
-            <a:r>
-              <a:rPr lang="en-US" sz="2400" i="1" dirty="0">
-                <a:solidFill>
-                  <a:schemeClr val="tx1"/>
-                </a:solidFill>
-                <a:latin typeface="Comic Sans MS" pitchFamily="66" charset="0"/>
-              </a:rPr>
-              <a:t> </a:t>
-            </a:r>
-            <a:r>
-              <a:rPr lang="en-US" sz="2400" i="1" dirty="0" err="1">
-                <a:solidFill>
-                  <a:schemeClr val="tx1"/>
-                </a:solidFill>
-                <a:latin typeface="Comic Sans MS" pitchFamily="66" charset="0"/>
-              </a:rPr>
-              <a:t>harus</a:t>
-            </a:r>
-            <a:r>
-              <a:rPr lang="en-US" sz="2400" i="1" dirty="0">
-                <a:solidFill>
-                  <a:schemeClr val="tx1"/>
-                </a:solidFill>
-                <a:latin typeface="Comic Sans MS" pitchFamily="66" charset="0"/>
-              </a:rPr>
-              <a:t> </a:t>
-            </a:r>
-            <a:r>
-              <a:rPr lang="en-US" sz="2400" i="1" dirty="0" err="1">
-                <a:solidFill>
-                  <a:schemeClr val="tx1"/>
-                </a:solidFill>
-                <a:latin typeface="Comic Sans MS" pitchFamily="66" charset="0"/>
-              </a:rPr>
-              <a:t>sesuai</a:t>
-            </a:r>
-            <a:r>
-              <a:rPr lang="en-US" sz="2400" i="1" dirty="0">
-                <a:solidFill>
-                  <a:schemeClr val="tx1"/>
-                </a:solidFill>
-                <a:latin typeface="Comic Sans MS" pitchFamily="66" charset="0"/>
-              </a:rPr>
-              <a:t> </a:t>
-            </a:r>
-            <a:r>
-              <a:rPr lang="en-US" sz="2400" i="1" dirty="0" err="1">
-                <a:solidFill>
-                  <a:schemeClr val="tx1"/>
-                </a:solidFill>
-                <a:latin typeface="Comic Sans MS" pitchFamily="66" charset="0"/>
-              </a:rPr>
-              <a:t>dengan</a:t>
-            </a:r>
-            <a:r>
-              <a:rPr lang="en-US" sz="2400" i="1" dirty="0">
-                <a:solidFill>
-                  <a:schemeClr val="tx1"/>
-                </a:solidFill>
-                <a:latin typeface="Comic Sans MS" pitchFamily="66" charset="0"/>
-              </a:rPr>
-              <a:t> </a:t>
-            </a:r>
-            <a:r>
-              <a:rPr lang="en-US" sz="2400" i="1" dirty="0" err="1">
-                <a:solidFill>
-                  <a:schemeClr val="tx1"/>
-                </a:solidFill>
-                <a:latin typeface="Comic Sans MS" pitchFamily="66" charset="0"/>
-              </a:rPr>
-              <a:t>sistem</a:t>
-            </a:r>
-            <a:r>
-              <a:rPr lang="en-US" sz="2400" i="1" dirty="0">
+              <a:rPr lang="en-US" dirty="0" err="1">
+                <a:solidFill>
+                  <a:schemeClr val="tx1"/>
+                </a:solidFill>
+                <a:latin typeface="Comic Sans MS" pitchFamily="66" charset="0"/>
+              </a:rPr>
+              <a:t>pihak</a:t>
+            </a:r>
+            <a:r>
+              <a:rPr lang="en-US" dirty="0">
                 <a:solidFill>
                   <a:schemeClr val="tx1"/>
                 </a:solidFill>
@@ -4927,45 +5003,40 @@
               <a:t> yang </a:t>
             </a:r>
             <a:r>
-              <a:rPr lang="en-US" sz="2400" i="1" dirty="0" err="1">
-                <a:solidFill>
-                  <a:schemeClr val="tx1"/>
-                </a:solidFill>
-                <a:latin typeface="Comic Sans MS" pitchFamily="66" charset="0"/>
-              </a:rPr>
-              <a:t>diusulkan</a:t>
-            </a:r>
-            <a:r>
-              <a:rPr lang="en-US" sz="2400" i="1" dirty="0">
-                <a:solidFill>
-                  <a:schemeClr val="tx1"/>
-                </a:solidFill>
-                <a:latin typeface="Comic Sans MS" pitchFamily="66" charset="0"/>
-              </a:rPr>
-              <a:t>” </a:t>
-            </a:r>
-            <a:r>
-              <a:rPr lang="en-US" sz="2400" dirty="0">
-                <a:solidFill>
-                  <a:schemeClr val="tx1"/>
-                </a:solidFill>
-                <a:latin typeface="Comic Sans MS" pitchFamily="66" charset="0"/>
-              </a:rPr>
-              <a:t>(Anton96).</a:t>
-            </a:r>
+              <a:rPr lang="en-US" dirty="0" err="1">
+                <a:solidFill>
+                  <a:schemeClr val="tx1"/>
+                </a:solidFill>
+                <a:latin typeface="Comic Sans MS" pitchFamily="66" charset="0"/>
+              </a:rPr>
+              <a:t>berkepentingan</a:t>
+            </a:r>
+            <a:endParaRPr lang="en-US" dirty="0">
+              <a:solidFill>
+                <a:schemeClr val="tx1"/>
+              </a:solidFill>
+              <a:latin typeface="Comic Sans MS" pitchFamily="66" charset="0"/>
+            </a:endParaRPr>
           </a:p>
         </p:txBody>
       </p:sp>
     </p:spTree>
     <p:extLst>
       <p:ext uri="{BB962C8B-B14F-4D97-AF65-F5344CB8AC3E}">
-        <p14:creationId xmlns:p14="http://schemas.microsoft.com/office/powerpoint/2010/main" val="2979336302"/>
+        <p14:creationId xmlns:p14="http://schemas.microsoft.com/office/powerpoint/2010/main" val="3720142178"/>
       </p:ext>
     </p:extLst>
   </p:cSld>
   <p:clrMapOvr>
     <a:masterClrMapping/>
   </p:clrMapOvr>
+  <p:timing>
+    <p:tnLst>
+      <p:par>
+        <p:cTn id="1" dur="indefinite" restart="never" nodeType="tmRoot"/>
+      </p:par>
+    </p:tnLst>
+  </p:timing>
 </p:sld>
 </file>
 
@@ -5010,794 +5081,6 @@
               <a:buNone/>
             </a:pPr>
             <a:r>
-              <a:rPr lang="en-US" sz="3200" dirty="0" err="1"/>
-              <a:t>Pengertian</a:t>
-            </a:r>
-            <a:r>
-              <a:rPr lang="en-US" sz="3200" dirty="0"/>
-              <a:t> Requirement Engineering</a:t>
-            </a:r>
-          </a:p>
-        </p:txBody>
-      </p:sp>
-      <p:sp>
-        <p:nvSpPr>
-          <p:cNvPr id="4" name="Content Placeholder 3"/>
-          <p:cNvSpPr>
-            <a:spLocks noGrp="1"/>
-          </p:cNvSpPr>
-          <p:nvPr>
-            <p:ph sz="quarter" idx="4294967295"/>
-          </p:nvPr>
-        </p:nvSpPr>
-        <p:spPr>
-          <a:xfrm>
-            <a:off x="457200" y="1600200"/>
-            <a:ext cx="8153400" cy="3474720"/>
-          </a:xfrm>
-          <a:prstGeom prst="rect">
-            <a:avLst/>
-          </a:prstGeom>
-        </p:spPr>
-        <p:txBody>
-          <a:bodyPr>
-            <a:normAutofit/>
-          </a:bodyPr>
-          <a:lstStyle/>
-          <a:p>
-            <a:pPr marL="45720" indent="0" algn="just">
-              <a:lnSpc>
-                <a:spcPct val="150000"/>
-              </a:lnSpc>
-              <a:buNone/>
-            </a:pPr>
-            <a:r>
-              <a:rPr lang="en-US" sz="2400" dirty="0">
-                <a:solidFill>
-                  <a:schemeClr val="tx1"/>
-                </a:solidFill>
-                <a:latin typeface="Comic Sans MS" pitchFamily="66" charset="0"/>
-              </a:rPr>
-              <a:t>“</a:t>
-            </a:r>
-            <a:r>
-              <a:rPr lang="en-US" sz="2400" b="1" dirty="0">
-                <a:solidFill>
-                  <a:schemeClr val="tx1"/>
-                </a:solidFill>
-                <a:latin typeface="Comic Sans MS" pitchFamily="66" charset="0"/>
-              </a:rPr>
-              <a:t>Requirement Engineering </a:t>
-            </a:r>
-            <a:r>
-              <a:rPr lang="en-US" sz="2400" dirty="0" err="1">
-                <a:solidFill>
-                  <a:schemeClr val="tx1"/>
-                </a:solidFill>
-                <a:latin typeface="Comic Sans MS" pitchFamily="66" charset="0"/>
-              </a:rPr>
-              <a:t>adalah</a:t>
-            </a:r>
-            <a:r>
-              <a:rPr lang="en-US" sz="2400" dirty="0">
-                <a:solidFill>
-                  <a:schemeClr val="tx1"/>
-                </a:solidFill>
-                <a:latin typeface="Comic Sans MS" pitchFamily="66" charset="0"/>
-              </a:rPr>
-              <a:t> Proses </a:t>
-            </a:r>
-            <a:r>
-              <a:rPr lang="en-US" sz="2400" dirty="0" err="1">
-                <a:solidFill>
-                  <a:schemeClr val="tx1"/>
-                </a:solidFill>
-                <a:latin typeface="Comic Sans MS" pitchFamily="66" charset="0"/>
-              </a:rPr>
-              <a:t>dimana</a:t>
-            </a:r>
-            <a:r>
-              <a:rPr lang="en-US" sz="2400" dirty="0">
-                <a:solidFill>
-                  <a:schemeClr val="tx1"/>
-                </a:solidFill>
-                <a:latin typeface="Comic Sans MS" pitchFamily="66" charset="0"/>
-              </a:rPr>
-              <a:t> </a:t>
-            </a:r>
-            <a:r>
-              <a:rPr lang="en-US" sz="2400" dirty="0" err="1">
-                <a:solidFill>
-                  <a:schemeClr val="tx1"/>
-                </a:solidFill>
-                <a:latin typeface="Comic Sans MS" pitchFamily="66" charset="0"/>
-              </a:rPr>
-              <a:t>persyaratan</a:t>
-            </a:r>
-            <a:r>
-              <a:rPr lang="en-US" sz="2400" dirty="0">
-                <a:solidFill>
-                  <a:schemeClr val="tx1"/>
-                </a:solidFill>
-                <a:latin typeface="Comic Sans MS" pitchFamily="66" charset="0"/>
-              </a:rPr>
-              <a:t> </a:t>
-            </a:r>
-            <a:r>
-              <a:rPr lang="en-US" sz="2400" dirty="0" err="1">
-                <a:solidFill>
-                  <a:schemeClr val="tx1"/>
-                </a:solidFill>
-                <a:latin typeface="Comic Sans MS" pitchFamily="66" charset="0"/>
-              </a:rPr>
-              <a:t>untuk</a:t>
-            </a:r>
-            <a:r>
-              <a:rPr lang="en-US" sz="2400" dirty="0">
-                <a:solidFill>
-                  <a:schemeClr val="tx1"/>
-                </a:solidFill>
-                <a:latin typeface="Comic Sans MS" pitchFamily="66" charset="0"/>
-              </a:rPr>
-              <a:t> </a:t>
-            </a:r>
-            <a:r>
-              <a:rPr lang="en-US" sz="2400" dirty="0" err="1">
-                <a:solidFill>
-                  <a:schemeClr val="tx1"/>
-                </a:solidFill>
-                <a:latin typeface="Comic Sans MS" pitchFamily="66" charset="0"/>
-              </a:rPr>
-              <a:t>produk</a:t>
-            </a:r>
-            <a:r>
-              <a:rPr lang="en-US" sz="2400" dirty="0">
-                <a:solidFill>
-                  <a:schemeClr val="tx1"/>
-                </a:solidFill>
-                <a:latin typeface="Comic Sans MS" pitchFamily="66" charset="0"/>
-              </a:rPr>
-              <a:t> </a:t>
-            </a:r>
-            <a:r>
-              <a:rPr lang="en-US" sz="2400" dirty="0" err="1">
-                <a:solidFill>
-                  <a:schemeClr val="tx1"/>
-                </a:solidFill>
-                <a:latin typeface="Comic Sans MS" pitchFamily="66" charset="0"/>
-              </a:rPr>
-              <a:t>perangkat</a:t>
-            </a:r>
-            <a:r>
-              <a:rPr lang="en-US" sz="2400" dirty="0">
-                <a:solidFill>
-                  <a:schemeClr val="tx1"/>
-                </a:solidFill>
-                <a:latin typeface="Comic Sans MS" pitchFamily="66" charset="0"/>
-              </a:rPr>
-              <a:t> </a:t>
-            </a:r>
-            <a:r>
-              <a:rPr lang="en-US" sz="2400" dirty="0" err="1">
-                <a:solidFill>
-                  <a:schemeClr val="tx1"/>
-                </a:solidFill>
-                <a:latin typeface="Comic Sans MS" pitchFamily="66" charset="0"/>
-              </a:rPr>
-              <a:t>lunak</a:t>
-            </a:r>
-            <a:r>
-              <a:rPr lang="en-US" sz="2400" dirty="0">
-                <a:solidFill>
-                  <a:schemeClr val="tx1"/>
-                </a:solidFill>
-                <a:latin typeface="Comic Sans MS" pitchFamily="66" charset="0"/>
-              </a:rPr>
-              <a:t> </a:t>
-            </a:r>
-            <a:r>
-              <a:rPr lang="en-US" sz="2400" dirty="0" err="1">
-                <a:solidFill>
-                  <a:schemeClr val="tx1"/>
-                </a:solidFill>
-                <a:latin typeface="Comic Sans MS" pitchFamily="66" charset="0"/>
-              </a:rPr>
-              <a:t>dikumpulkan</a:t>
-            </a:r>
-            <a:r>
-              <a:rPr lang="en-US" sz="2400" dirty="0">
-                <a:solidFill>
-                  <a:schemeClr val="tx1"/>
-                </a:solidFill>
-                <a:latin typeface="Comic Sans MS" pitchFamily="66" charset="0"/>
-              </a:rPr>
-              <a:t>, </a:t>
-            </a:r>
-            <a:r>
-              <a:rPr lang="en-US" sz="2400" dirty="0" err="1">
-                <a:solidFill>
-                  <a:schemeClr val="tx1"/>
-                </a:solidFill>
-                <a:latin typeface="Comic Sans MS" pitchFamily="66" charset="0"/>
-              </a:rPr>
-              <a:t>dianalisis</a:t>
-            </a:r>
-            <a:r>
-              <a:rPr lang="en-US" sz="2400" dirty="0">
-                <a:solidFill>
-                  <a:schemeClr val="tx1"/>
-                </a:solidFill>
-                <a:latin typeface="Comic Sans MS" pitchFamily="66" charset="0"/>
-              </a:rPr>
-              <a:t>, </a:t>
-            </a:r>
-            <a:r>
-              <a:rPr lang="en-US" sz="2400" dirty="0" err="1">
-                <a:solidFill>
-                  <a:schemeClr val="tx1"/>
-                </a:solidFill>
-                <a:latin typeface="Comic Sans MS" pitchFamily="66" charset="0"/>
-              </a:rPr>
-              <a:t>didokumentasikan</a:t>
-            </a:r>
-            <a:r>
-              <a:rPr lang="en-US" sz="2400" dirty="0">
-                <a:solidFill>
-                  <a:schemeClr val="tx1"/>
-                </a:solidFill>
-                <a:latin typeface="Comic Sans MS" pitchFamily="66" charset="0"/>
-              </a:rPr>
-              <a:t>, </a:t>
-            </a:r>
-            <a:r>
-              <a:rPr lang="en-US" sz="2400" dirty="0" err="1">
-                <a:solidFill>
-                  <a:schemeClr val="tx1"/>
-                </a:solidFill>
-                <a:latin typeface="Comic Sans MS" pitchFamily="66" charset="0"/>
-              </a:rPr>
-              <a:t>dan</a:t>
-            </a:r>
-            <a:r>
-              <a:rPr lang="en-US" sz="2400" dirty="0">
-                <a:solidFill>
-                  <a:schemeClr val="tx1"/>
-                </a:solidFill>
-                <a:latin typeface="Comic Sans MS" pitchFamily="66" charset="0"/>
-              </a:rPr>
-              <a:t> </a:t>
-            </a:r>
-            <a:r>
-              <a:rPr lang="en-US" sz="2400" dirty="0" err="1">
-                <a:solidFill>
-                  <a:schemeClr val="tx1"/>
-                </a:solidFill>
-                <a:latin typeface="Comic Sans MS" pitchFamily="66" charset="0"/>
-              </a:rPr>
-              <a:t>dikelola</a:t>
-            </a:r>
-            <a:r>
-              <a:rPr lang="en-US" sz="2400" dirty="0">
-                <a:solidFill>
-                  <a:schemeClr val="tx1"/>
-                </a:solidFill>
-                <a:latin typeface="Comic Sans MS" pitchFamily="66" charset="0"/>
-              </a:rPr>
-              <a:t> di </a:t>
-            </a:r>
-            <a:r>
-              <a:rPr lang="en-US" sz="2400" dirty="0" err="1">
-                <a:solidFill>
-                  <a:schemeClr val="tx1"/>
-                </a:solidFill>
-                <a:latin typeface="Comic Sans MS" pitchFamily="66" charset="0"/>
-              </a:rPr>
-              <a:t>seluruh</a:t>
-            </a:r>
-            <a:r>
-              <a:rPr lang="en-US" sz="2400" dirty="0">
-                <a:solidFill>
-                  <a:schemeClr val="tx1"/>
-                </a:solidFill>
-                <a:latin typeface="Comic Sans MS" pitchFamily="66" charset="0"/>
-              </a:rPr>
-              <a:t> </a:t>
-            </a:r>
-            <a:r>
-              <a:rPr lang="en-US" sz="2400" dirty="0" err="1">
-                <a:solidFill>
-                  <a:schemeClr val="tx1"/>
-                </a:solidFill>
-                <a:latin typeface="Comic Sans MS" pitchFamily="66" charset="0"/>
-              </a:rPr>
-              <a:t>siklus</a:t>
-            </a:r>
-            <a:r>
-              <a:rPr lang="en-US" sz="2400" dirty="0">
-                <a:solidFill>
-                  <a:schemeClr val="tx1"/>
-                </a:solidFill>
-                <a:latin typeface="Comic Sans MS" pitchFamily="66" charset="0"/>
-              </a:rPr>
-              <a:t> </a:t>
-            </a:r>
-            <a:r>
-              <a:rPr lang="en-US" sz="2400" dirty="0" err="1">
-                <a:solidFill>
-                  <a:schemeClr val="tx1"/>
-                </a:solidFill>
-                <a:latin typeface="Comic Sans MS" pitchFamily="66" charset="0"/>
-              </a:rPr>
-              <a:t>hidup</a:t>
-            </a:r>
-            <a:r>
-              <a:rPr lang="en-US" sz="2400" dirty="0">
-                <a:solidFill>
-                  <a:schemeClr val="tx1"/>
-                </a:solidFill>
-                <a:latin typeface="Comic Sans MS" pitchFamily="66" charset="0"/>
-              </a:rPr>
-              <a:t> </a:t>
-            </a:r>
-            <a:r>
-              <a:rPr lang="en-US" sz="2400" dirty="0" err="1">
-                <a:solidFill>
-                  <a:schemeClr val="tx1"/>
-                </a:solidFill>
-                <a:latin typeface="Comic Sans MS" pitchFamily="66" charset="0"/>
-              </a:rPr>
-              <a:t>rekayasa</a:t>
-            </a:r>
-            <a:r>
-              <a:rPr lang="en-US" sz="2400" dirty="0">
-                <a:solidFill>
-                  <a:schemeClr val="tx1"/>
-                </a:solidFill>
-                <a:latin typeface="Comic Sans MS" pitchFamily="66" charset="0"/>
-              </a:rPr>
-              <a:t> </a:t>
-            </a:r>
-            <a:r>
-              <a:rPr lang="en-US" sz="2400" dirty="0" err="1">
-                <a:solidFill>
-                  <a:schemeClr val="tx1"/>
-                </a:solidFill>
-                <a:latin typeface="Comic Sans MS" pitchFamily="66" charset="0"/>
-              </a:rPr>
-              <a:t>perangkat</a:t>
-            </a:r>
-            <a:r>
-              <a:rPr lang="en-US" sz="2400" dirty="0">
-                <a:solidFill>
-                  <a:schemeClr val="tx1"/>
-                </a:solidFill>
-                <a:latin typeface="Comic Sans MS" pitchFamily="66" charset="0"/>
-              </a:rPr>
-              <a:t> </a:t>
-            </a:r>
-            <a:r>
-              <a:rPr lang="en-US" sz="2400" dirty="0" err="1">
-                <a:solidFill>
-                  <a:schemeClr val="tx1"/>
-                </a:solidFill>
-                <a:latin typeface="Comic Sans MS" pitchFamily="66" charset="0"/>
-              </a:rPr>
-              <a:t>lunak</a:t>
-            </a:r>
-            <a:r>
-              <a:rPr lang="en-US" sz="2400" dirty="0">
-                <a:solidFill>
-                  <a:schemeClr val="tx1"/>
-                </a:solidFill>
-                <a:latin typeface="Comic Sans MS" pitchFamily="66" charset="0"/>
-              </a:rPr>
-              <a:t>”.</a:t>
-            </a:r>
-          </a:p>
-          <a:p>
-            <a:pPr marL="45720" indent="0" algn="just">
-              <a:lnSpc>
-                <a:spcPct val="150000"/>
-              </a:lnSpc>
-              <a:buNone/>
-            </a:pPr>
-            <a:endParaRPr lang="en-US" sz="2400" dirty="0">
-              <a:solidFill>
-                <a:schemeClr val="tx1"/>
-              </a:solidFill>
-              <a:latin typeface="Comic Sans MS" pitchFamily="66" charset="0"/>
-            </a:endParaRPr>
-          </a:p>
-        </p:txBody>
-      </p:sp>
-    </p:spTree>
-    <p:extLst>
-      <p:ext uri="{BB962C8B-B14F-4D97-AF65-F5344CB8AC3E}">
-        <p14:creationId xmlns:p14="http://schemas.microsoft.com/office/powerpoint/2010/main" val="132804189"/>
-      </p:ext>
-    </p:extLst>
-  </p:cSld>
-  <p:clrMapOvr>
-    <a:masterClrMapping/>
-  </p:clrMapOvr>
-</p:sld>
-</file>
-
-<file path=ppt/slides/slide13.xml><?xml version="1.0" encoding="utf-8"?>
-<p:sld xmlns:a="http://schemas.openxmlformats.org/drawingml/2006/main" xmlns:r="http://schemas.openxmlformats.org/officeDocument/2006/relationships" xmlns:p="http://schemas.openxmlformats.org/presentationml/2006/main">
-  <p:cSld>
-    <p:spTree>
-      <p:nvGrpSpPr>
-        <p:cNvPr id="1" name=""/>
-        <p:cNvGrpSpPr/>
-        <p:nvPr/>
-      </p:nvGrpSpPr>
-      <p:grpSpPr>
-        <a:xfrm>
-          <a:off x="0" y="0"/>
-          <a:ext cx="0" cy="0"/>
-          <a:chOff x="0" y="0"/>
-          <a:chExt cx="0" cy="0"/>
-        </a:xfrm>
-      </p:grpSpPr>
-      <p:sp>
-        <p:nvSpPr>
-          <p:cNvPr id="2" name="Title 1"/>
-          <p:cNvSpPr>
-            <a:spLocks noGrp="1"/>
-          </p:cNvSpPr>
-          <p:nvPr>
-            <p:ph type="title"/>
-          </p:nvPr>
-        </p:nvSpPr>
-        <p:spPr>
-          <a:xfrm>
-            <a:off x="304800" y="304800"/>
-            <a:ext cx="8686800" cy="1143000"/>
-          </a:xfrm>
-        </p:spPr>
-        <p:txBody>
-          <a:bodyPr/>
-          <a:lstStyle/>
-          <a:p>
-            <a:pPr marL="0" indent="0" algn="ctr">
-              <a:buNone/>
-            </a:pPr>
-            <a:r>
-              <a:rPr lang="en-US" sz="3200" dirty="0" err="1"/>
-              <a:t>Pengertian</a:t>
-            </a:r>
-            <a:r>
-              <a:rPr lang="en-US" sz="3200" dirty="0"/>
-              <a:t> Requirement Engineering</a:t>
-            </a:r>
-          </a:p>
-        </p:txBody>
-      </p:sp>
-      <p:sp>
-        <p:nvSpPr>
-          <p:cNvPr id="4" name="Content Placeholder 3"/>
-          <p:cNvSpPr>
-            <a:spLocks noGrp="1"/>
-          </p:cNvSpPr>
-          <p:nvPr>
-            <p:ph sz="quarter" idx="4294967295"/>
-          </p:nvPr>
-        </p:nvSpPr>
-        <p:spPr>
-          <a:xfrm>
-            <a:off x="457200" y="1600200"/>
-            <a:ext cx="8153400" cy="3474720"/>
-          </a:xfrm>
-          <a:prstGeom prst="rect">
-            <a:avLst/>
-          </a:prstGeom>
-        </p:spPr>
-        <p:txBody>
-          <a:bodyPr>
-            <a:noAutofit/>
-          </a:bodyPr>
-          <a:lstStyle/>
-          <a:p>
-            <a:pPr marL="45720" indent="0" algn="just">
-              <a:lnSpc>
-                <a:spcPct val="160000"/>
-              </a:lnSpc>
-              <a:buNone/>
-            </a:pPr>
-            <a:endParaRPr lang="en-US" dirty="0">
-              <a:solidFill>
-                <a:schemeClr val="tx1"/>
-              </a:solidFill>
-              <a:latin typeface="Comic Sans MS" pitchFamily="66" charset="0"/>
-            </a:endParaRPr>
-          </a:p>
-          <a:p>
-            <a:pPr marL="45720" indent="0" algn="just">
-              <a:lnSpc>
-                <a:spcPct val="160000"/>
-              </a:lnSpc>
-              <a:buNone/>
-            </a:pPr>
-            <a:r>
-              <a:rPr lang="en-US" dirty="0">
-                <a:solidFill>
-                  <a:schemeClr val="tx1"/>
-                </a:solidFill>
-                <a:latin typeface="Comic Sans MS" pitchFamily="66" charset="0"/>
-              </a:rPr>
-              <a:t>Requirement Engineering </a:t>
-            </a:r>
-            <a:r>
-              <a:rPr lang="en-US" dirty="0" err="1">
-                <a:solidFill>
-                  <a:schemeClr val="tx1"/>
-                </a:solidFill>
-                <a:latin typeface="Comic Sans MS" pitchFamily="66" charset="0"/>
-              </a:rPr>
-              <a:t>berkaitan</a:t>
-            </a:r>
-            <a:r>
-              <a:rPr lang="en-US" dirty="0">
-                <a:solidFill>
-                  <a:schemeClr val="tx1"/>
-                </a:solidFill>
-                <a:latin typeface="Comic Sans MS" pitchFamily="66" charset="0"/>
-              </a:rPr>
-              <a:t> </a:t>
-            </a:r>
-            <a:r>
-              <a:rPr lang="en-US" dirty="0" err="1">
-                <a:solidFill>
-                  <a:schemeClr val="tx1"/>
-                </a:solidFill>
-                <a:latin typeface="Comic Sans MS" pitchFamily="66" charset="0"/>
-              </a:rPr>
-              <a:t>dengan</a:t>
-            </a:r>
-            <a:r>
-              <a:rPr lang="en-US" dirty="0">
-                <a:solidFill>
-                  <a:schemeClr val="tx1"/>
-                </a:solidFill>
-                <a:latin typeface="Comic Sans MS" pitchFamily="66" charset="0"/>
-              </a:rPr>
-              <a:t> </a:t>
-            </a:r>
-            <a:r>
-              <a:rPr lang="en-US" dirty="0" err="1">
-                <a:solidFill>
-                  <a:schemeClr val="tx1"/>
-                </a:solidFill>
-                <a:latin typeface="Comic Sans MS" pitchFamily="66" charset="0"/>
-              </a:rPr>
-              <a:t>menafsirkan</a:t>
-            </a:r>
-            <a:r>
-              <a:rPr lang="en-US" dirty="0">
-                <a:solidFill>
-                  <a:schemeClr val="tx1"/>
-                </a:solidFill>
-                <a:latin typeface="Comic Sans MS" pitchFamily="66" charset="0"/>
-              </a:rPr>
-              <a:t> </a:t>
-            </a:r>
-            <a:r>
-              <a:rPr lang="en-US" dirty="0" err="1">
-                <a:solidFill>
-                  <a:schemeClr val="tx1"/>
-                </a:solidFill>
-                <a:latin typeface="Comic Sans MS" pitchFamily="66" charset="0"/>
-              </a:rPr>
-              <a:t>dan</a:t>
-            </a:r>
-            <a:r>
-              <a:rPr lang="en-US" dirty="0">
-                <a:solidFill>
-                  <a:schemeClr val="tx1"/>
-                </a:solidFill>
-                <a:latin typeface="Comic Sans MS" pitchFamily="66" charset="0"/>
-              </a:rPr>
-              <a:t> </a:t>
-            </a:r>
-            <a:r>
-              <a:rPr lang="en-US" dirty="0" err="1">
-                <a:solidFill>
-                  <a:schemeClr val="tx1"/>
-                </a:solidFill>
-                <a:latin typeface="Comic Sans MS" pitchFamily="66" charset="0"/>
-              </a:rPr>
-              <a:t>memahami</a:t>
-            </a:r>
-            <a:r>
-              <a:rPr lang="en-US" dirty="0">
-                <a:solidFill>
-                  <a:schemeClr val="tx1"/>
-                </a:solidFill>
-                <a:latin typeface="Comic Sans MS" pitchFamily="66" charset="0"/>
-              </a:rPr>
-              <a:t> </a:t>
-            </a:r>
-            <a:r>
-              <a:rPr lang="en-US" dirty="0" err="1">
-                <a:solidFill>
-                  <a:schemeClr val="tx1"/>
-                </a:solidFill>
-                <a:latin typeface="Comic Sans MS" pitchFamily="66" charset="0"/>
-              </a:rPr>
-              <a:t>tujuan</a:t>
-            </a:r>
-            <a:r>
-              <a:rPr lang="en-US" dirty="0">
-                <a:solidFill>
-                  <a:schemeClr val="tx1"/>
-                </a:solidFill>
-                <a:latin typeface="Comic Sans MS" pitchFamily="66" charset="0"/>
-              </a:rPr>
-              <a:t>, </a:t>
-            </a:r>
-            <a:r>
-              <a:rPr lang="en-US" dirty="0" err="1">
-                <a:solidFill>
-                  <a:schemeClr val="tx1"/>
-                </a:solidFill>
-                <a:latin typeface="Comic Sans MS" pitchFamily="66" charset="0"/>
-              </a:rPr>
-              <a:t>kebutuhan</a:t>
-            </a:r>
-            <a:r>
-              <a:rPr lang="en-US" dirty="0">
-                <a:solidFill>
-                  <a:schemeClr val="tx1"/>
-                </a:solidFill>
-                <a:latin typeface="Comic Sans MS" pitchFamily="66" charset="0"/>
-              </a:rPr>
-              <a:t>, </a:t>
-            </a:r>
-            <a:r>
-              <a:rPr lang="en-US" dirty="0" err="1">
-                <a:solidFill>
-                  <a:schemeClr val="tx1"/>
-                </a:solidFill>
-                <a:latin typeface="Comic Sans MS" pitchFamily="66" charset="0"/>
-              </a:rPr>
-              <a:t>dan</a:t>
-            </a:r>
-            <a:r>
-              <a:rPr lang="en-US" dirty="0">
-                <a:solidFill>
-                  <a:schemeClr val="tx1"/>
-                </a:solidFill>
-                <a:latin typeface="Comic Sans MS" pitchFamily="66" charset="0"/>
-              </a:rPr>
-              <a:t> </a:t>
-            </a:r>
-            <a:r>
-              <a:rPr lang="en-US" dirty="0" err="1">
-                <a:solidFill>
-                  <a:schemeClr val="tx1"/>
-                </a:solidFill>
-                <a:latin typeface="Comic Sans MS" pitchFamily="66" charset="0"/>
-              </a:rPr>
-              <a:t>keyakinan</a:t>
-            </a:r>
-            <a:r>
-              <a:rPr lang="en-US" dirty="0">
-                <a:solidFill>
-                  <a:schemeClr val="tx1"/>
-                </a:solidFill>
-                <a:latin typeface="Comic Sans MS" pitchFamily="66" charset="0"/>
-              </a:rPr>
-              <a:t> </a:t>
-            </a:r>
-            <a:r>
-              <a:rPr lang="en-US" dirty="0" err="1">
-                <a:solidFill>
-                  <a:schemeClr val="tx1"/>
-                </a:solidFill>
-                <a:latin typeface="Comic Sans MS" pitchFamily="66" charset="0"/>
-              </a:rPr>
-              <a:t>dari</a:t>
-            </a:r>
-            <a:r>
-              <a:rPr lang="en-US" dirty="0">
-                <a:solidFill>
-                  <a:schemeClr val="tx1"/>
-                </a:solidFill>
-                <a:latin typeface="Comic Sans MS" pitchFamily="66" charset="0"/>
-              </a:rPr>
-              <a:t> </a:t>
-            </a:r>
-            <a:r>
-              <a:rPr lang="en-US" dirty="0" err="1">
-                <a:solidFill>
-                  <a:schemeClr val="tx1"/>
-                </a:solidFill>
-                <a:latin typeface="Comic Sans MS" pitchFamily="66" charset="0"/>
-              </a:rPr>
-              <a:t>pihak</a:t>
-            </a:r>
-            <a:r>
-              <a:rPr lang="en-US" dirty="0">
-                <a:solidFill>
-                  <a:schemeClr val="tx1"/>
-                </a:solidFill>
-                <a:latin typeface="Comic Sans MS" pitchFamily="66" charset="0"/>
-              </a:rPr>
-              <a:t> yang </a:t>
-            </a:r>
-            <a:r>
-              <a:rPr lang="en-US" dirty="0" err="1">
-                <a:solidFill>
-                  <a:schemeClr val="tx1"/>
-                </a:solidFill>
-                <a:latin typeface="Comic Sans MS" pitchFamily="66" charset="0"/>
-              </a:rPr>
-              <a:t>berkepentingan</a:t>
-            </a:r>
-            <a:endParaRPr lang="en-US" dirty="0">
-              <a:solidFill>
-                <a:schemeClr val="tx1"/>
-              </a:solidFill>
-              <a:latin typeface="Comic Sans MS" pitchFamily="66" charset="0"/>
-            </a:endParaRPr>
-          </a:p>
-        </p:txBody>
-      </p:sp>
-    </p:spTree>
-    <p:extLst>
-      <p:ext uri="{BB962C8B-B14F-4D97-AF65-F5344CB8AC3E}">
-        <p14:creationId xmlns:p14="http://schemas.microsoft.com/office/powerpoint/2010/main" val="3720142178"/>
-      </p:ext>
-    </p:extLst>
-  </p:cSld>
-  <p:clrMapOvr>
-    <a:masterClrMapping/>
-  </p:clrMapOvr>
-</p:sld>
-</file>
-
-<file path=ppt/slides/slide14.xml><?xml version="1.0" encoding="utf-8"?>
-<p:sld xmlns:a="http://schemas.openxmlformats.org/drawingml/2006/main" xmlns:r="http://schemas.openxmlformats.org/officeDocument/2006/relationships" xmlns:p="http://schemas.openxmlformats.org/presentationml/2006/main">
-  <p:cSld>
-    <p:spTree>
-      <p:nvGrpSpPr>
-        <p:cNvPr id="1" name=""/>
-        <p:cNvGrpSpPr/>
-        <p:nvPr/>
-      </p:nvGrpSpPr>
-      <p:grpSpPr>
-        <a:xfrm>
-          <a:off x="0" y="0"/>
-          <a:ext cx="0" cy="0"/>
-          <a:chOff x="0" y="0"/>
-          <a:chExt cx="0" cy="0"/>
-        </a:xfrm>
-      </p:grpSpPr>
-      <p:sp>
-        <p:nvSpPr>
-          <p:cNvPr id="2" name="Title 1"/>
-          <p:cNvSpPr>
-            <a:spLocks noGrp="1"/>
-          </p:cNvSpPr>
-          <p:nvPr>
-            <p:ph type="title"/>
-          </p:nvPr>
-        </p:nvSpPr>
-        <p:spPr>
-          <a:xfrm>
-            <a:off x="304800" y="304800"/>
-            <a:ext cx="8686800" cy="1143000"/>
-          </a:xfrm>
-        </p:spPr>
-        <p:txBody>
-          <a:bodyPr/>
-          <a:lstStyle/>
-          <a:p>
-            <a:pPr marL="0" indent="0" algn="ctr">
-              <a:buNone/>
-            </a:pPr>
-            <a:r>
               <a:rPr lang="en-US" sz="3200" dirty="0"/>
               <a:t>Requirement Engineering</a:t>
             </a:r>
@@ -6134,10 +5417,17 @@
   <p:clrMapOvr>
     <a:masterClrMapping/>
   </p:clrMapOvr>
+  <p:timing>
+    <p:tnLst>
+      <p:par>
+        <p:cTn id="1" dur="indefinite" restart="never" nodeType="tmRoot"/>
+      </p:par>
+    </p:tnLst>
+  </p:timing>
 </p:sld>
 </file>
 
-<file path=ppt/slides/slide15.xml><?xml version="1.0" encoding="utf-8"?>
+<file path=ppt/slides/slide13.xml><?xml version="1.0" encoding="utf-8"?>
 <p:sld xmlns:a="http://schemas.openxmlformats.org/drawingml/2006/main" xmlns:r="http://schemas.openxmlformats.org/officeDocument/2006/relationships" xmlns:p="http://schemas.openxmlformats.org/presentationml/2006/main">
   <p:cSld>
     <p:spTree>
@@ -6237,6 +5527,843 @@
   <p:clrMapOvr>
     <a:masterClrMapping/>
   </p:clrMapOvr>
+  <p:timing>
+    <p:tnLst>
+      <p:par>
+        <p:cTn id="1" dur="indefinite" restart="never" nodeType="tmRoot"/>
+      </p:par>
+    </p:tnLst>
+  </p:timing>
+</p:sld>
+</file>
+
+<file path=ppt/slides/slide14.xml><?xml version="1.0" encoding="utf-8"?>
+<p:sld xmlns:a="http://schemas.openxmlformats.org/drawingml/2006/main" xmlns:r="http://schemas.openxmlformats.org/officeDocument/2006/relationships" xmlns:p="http://schemas.openxmlformats.org/presentationml/2006/main">
+  <p:cSld>
+    <p:spTree>
+      <p:nvGrpSpPr>
+        <p:cNvPr id="1" name=""/>
+        <p:cNvGrpSpPr/>
+        <p:nvPr/>
+      </p:nvGrpSpPr>
+      <p:grpSpPr>
+        <a:xfrm>
+          <a:off x="0" y="0"/>
+          <a:ext cx="0" cy="0"/>
+          <a:chOff x="0" y="0"/>
+          <a:chExt cx="0" cy="0"/>
+        </a:xfrm>
+      </p:grpSpPr>
+      <p:sp>
+        <p:nvSpPr>
+          <p:cNvPr id="3" name="Content Placeholder 2"/>
+          <p:cNvSpPr>
+            <a:spLocks noGrp="1"/>
+          </p:cNvSpPr>
+          <p:nvPr>
+            <p:ph sz="quarter" idx="4294967295"/>
+          </p:nvPr>
+        </p:nvSpPr>
+        <p:spPr>
+          <a:xfrm>
+            <a:off x="457200" y="1524000"/>
+            <a:ext cx="8229600" cy="4724400"/>
+          </a:xfrm>
+          <a:prstGeom prst="rect">
+            <a:avLst/>
+          </a:prstGeom>
+        </p:spPr>
+        <p:txBody>
+          <a:bodyPr/>
+          <a:lstStyle/>
+          <a:p>
+            <a:pPr algn="just">
+              <a:lnSpc>
+                <a:spcPct val="150000"/>
+              </a:lnSpc>
+            </a:pPr>
+            <a:r>
+              <a:rPr lang="en-US" dirty="0">
+                <a:solidFill>
+                  <a:schemeClr val="tx1"/>
+                </a:solidFill>
+                <a:latin typeface="Comic Sans MS" pitchFamily="66" charset="0"/>
+              </a:rPr>
+              <a:t>Requirements yang </a:t>
+            </a:r>
+            <a:r>
+              <a:rPr lang="en-US" dirty="0" err="1">
+                <a:solidFill>
+                  <a:schemeClr val="tx1"/>
+                </a:solidFill>
+                <a:latin typeface="Comic Sans MS" pitchFamily="66" charset="0"/>
+              </a:rPr>
+              <a:t>lemah</a:t>
+            </a:r>
+            <a:r>
+              <a:rPr lang="en-US" dirty="0">
+                <a:solidFill>
+                  <a:schemeClr val="tx1"/>
+                </a:solidFill>
+                <a:latin typeface="Comic Sans MS" pitchFamily="66" charset="0"/>
+              </a:rPr>
+              <a:t>/ </a:t>
+            </a:r>
+            <a:r>
+              <a:rPr lang="en-US" dirty="0" err="1">
+                <a:solidFill>
+                  <a:schemeClr val="tx1"/>
+                </a:solidFill>
+                <a:latin typeface="Comic Sans MS" pitchFamily="66" charset="0"/>
+              </a:rPr>
+              <a:t>tidak</a:t>
+            </a:r>
+            <a:r>
+              <a:rPr lang="en-US" dirty="0">
+                <a:solidFill>
+                  <a:schemeClr val="tx1"/>
+                </a:solidFill>
+                <a:latin typeface="Comic Sans MS" pitchFamily="66" charset="0"/>
+              </a:rPr>
+              <a:t> </a:t>
+            </a:r>
+            <a:r>
+              <a:rPr lang="en-US" dirty="0" err="1">
+                <a:solidFill>
+                  <a:schemeClr val="tx1"/>
+                </a:solidFill>
+                <a:latin typeface="Comic Sans MS" pitchFamily="66" charset="0"/>
+              </a:rPr>
+              <a:t>lengkap</a:t>
+            </a:r>
+            <a:r>
+              <a:rPr lang="en-US" dirty="0">
+                <a:solidFill>
+                  <a:schemeClr val="tx1"/>
+                </a:solidFill>
+                <a:latin typeface="Comic Sans MS" pitchFamily="66" charset="0"/>
+              </a:rPr>
+              <a:t> </a:t>
+            </a:r>
+            <a:r>
+              <a:rPr lang="en-US" dirty="0" err="1">
+                <a:solidFill>
+                  <a:schemeClr val="tx1"/>
+                </a:solidFill>
+                <a:latin typeface="Comic Sans MS" pitchFamily="66" charset="0"/>
+              </a:rPr>
+              <a:t>adalah</a:t>
+            </a:r>
+            <a:r>
+              <a:rPr lang="en-US" dirty="0">
+                <a:solidFill>
+                  <a:schemeClr val="tx1"/>
+                </a:solidFill>
+                <a:latin typeface="Comic Sans MS" pitchFamily="66" charset="0"/>
+              </a:rPr>
+              <a:t> </a:t>
+            </a:r>
+            <a:r>
+              <a:rPr lang="en-US" dirty="0" err="1">
+                <a:solidFill>
+                  <a:schemeClr val="tx1"/>
+                </a:solidFill>
+                <a:latin typeface="Comic Sans MS" pitchFamily="66" charset="0"/>
+              </a:rPr>
+              <a:t>sumber</a:t>
+            </a:r>
+            <a:r>
+              <a:rPr lang="en-US" dirty="0">
+                <a:solidFill>
+                  <a:schemeClr val="tx1"/>
+                </a:solidFill>
+                <a:latin typeface="Comic Sans MS" pitchFamily="66" charset="0"/>
+              </a:rPr>
+              <a:t> </a:t>
+            </a:r>
+            <a:r>
+              <a:rPr lang="en-US" dirty="0" err="1">
+                <a:solidFill>
+                  <a:schemeClr val="tx1"/>
+                </a:solidFill>
+                <a:latin typeface="Comic Sans MS" pitchFamily="66" charset="0"/>
+              </a:rPr>
+              <a:t>utama</a:t>
+            </a:r>
+            <a:r>
+              <a:rPr lang="en-US" dirty="0">
+                <a:solidFill>
+                  <a:schemeClr val="tx1"/>
+                </a:solidFill>
+                <a:latin typeface="Comic Sans MS" pitchFamily="66" charset="0"/>
+              </a:rPr>
+              <a:t> </a:t>
+            </a:r>
+            <a:r>
+              <a:rPr lang="en-US" dirty="0" err="1">
+                <a:solidFill>
+                  <a:schemeClr val="tx1"/>
+                </a:solidFill>
+                <a:latin typeface="Comic Sans MS" pitchFamily="66" charset="0"/>
+              </a:rPr>
+              <a:t>dari</a:t>
+            </a:r>
+            <a:r>
+              <a:rPr lang="en-US" dirty="0">
+                <a:solidFill>
+                  <a:schemeClr val="tx1"/>
+                </a:solidFill>
+                <a:latin typeface="Comic Sans MS" pitchFamily="66" charset="0"/>
+              </a:rPr>
+              <a:t> </a:t>
+            </a:r>
+            <a:r>
+              <a:rPr lang="en-US" dirty="0" err="1">
+                <a:solidFill>
+                  <a:schemeClr val="tx1"/>
+                </a:solidFill>
+                <a:latin typeface="Comic Sans MS" pitchFamily="66" charset="0"/>
+              </a:rPr>
+              <a:t>kegagalan</a:t>
+            </a:r>
+            <a:r>
+              <a:rPr lang="en-US" dirty="0">
+                <a:solidFill>
+                  <a:schemeClr val="tx1"/>
+                </a:solidFill>
+                <a:latin typeface="Comic Sans MS" pitchFamily="66" charset="0"/>
+              </a:rPr>
+              <a:t> (Standish95)</a:t>
+            </a:r>
+          </a:p>
+          <a:p>
+            <a:pPr marL="45720" indent="0" algn="just">
+              <a:lnSpc>
+                <a:spcPct val="150000"/>
+              </a:lnSpc>
+              <a:buNone/>
+            </a:pPr>
+            <a:r>
+              <a:rPr lang="en-US" dirty="0">
+                <a:solidFill>
+                  <a:schemeClr val="tx1"/>
+                </a:solidFill>
+                <a:latin typeface="Comic Sans MS" pitchFamily="66" charset="0"/>
+              </a:rPr>
+              <a:t>		8000 projects, 350 US companies: </a:t>
+            </a:r>
+          </a:p>
+          <a:p>
+            <a:pPr marL="45720" indent="0" algn="just">
+              <a:lnSpc>
+                <a:spcPct val="150000"/>
+              </a:lnSpc>
+              <a:buNone/>
+            </a:pPr>
+            <a:r>
+              <a:rPr lang="en-US" dirty="0">
+                <a:solidFill>
+                  <a:schemeClr val="tx1"/>
+                </a:solidFill>
+                <a:latin typeface="Comic Sans MS" pitchFamily="66" charset="0"/>
+              </a:rPr>
+              <a:t>   1/3 </a:t>
+            </a:r>
+            <a:r>
+              <a:rPr lang="en-US" dirty="0" err="1">
+                <a:solidFill>
+                  <a:schemeClr val="tx1"/>
+                </a:solidFill>
+                <a:latin typeface="Comic Sans MS" pitchFamily="66" charset="0"/>
+              </a:rPr>
+              <a:t>dari</a:t>
+            </a:r>
+            <a:r>
+              <a:rPr lang="en-US" dirty="0">
+                <a:solidFill>
+                  <a:schemeClr val="tx1"/>
+                </a:solidFill>
+                <a:latin typeface="Comic Sans MS" pitchFamily="66" charset="0"/>
+              </a:rPr>
+              <a:t> </a:t>
+            </a:r>
+            <a:r>
+              <a:rPr lang="en-US" dirty="0" err="1">
+                <a:solidFill>
+                  <a:schemeClr val="tx1"/>
+                </a:solidFill>
+                <a:latin typeface="Comic Sans MS" pitchFamily="66" charset="0"/>
+              </a:rPr>
+              <a:t>projek</a:t>
+            </a:r>
+            <a:r>
+              <a:rPr lang="en-US" dirty="0">
+                <a:solidFill>
+                  <a:schemeClr val="tx1"/>
+                </a:solidFill>
+                <a:latin typeface="Comic Sans MS" pitchFamily="66" charset="0"/>
+              </a:rPr>
+              <a:t> </a:t>
+            </a:r>
+            <a:r>
+              <a:rPr lang="en-US" dirty="0" err="1">
+                <a:solidFill>
+                  <a:schemeClr val="tx1"/>
+                </a:solidFill>
+                <a:latin typeface="Comic Sans MS" pitchFamily="66" charset="0"/>
+              </a:rPr>
+              <a:t>tidak</a:t>
+            </a:r>
+            <a:r>
+              <a:rPr lang="en-US" dirty="0">
+                <a:solidFill>
+                  <a:schemeClr val="tx1"/>
+                </a:solidFill>
+                <a:latin typeface="Comic Sans MS" pitchFamily="66" charset="0"/>
+              </a:rPr>
+              <a:t> </a:t>
+            </a:r>
+            <a:r>
+              <a:rPr lang="en-US" dirty="0" err="1">
+                <a:solidFill>
+                  <a:schemeClr val="tx1"/>
+                </a:solidFill>
+                <a:latin typeface="Comic Sans MS" pitchFamily="66" charset="0"/>
+              </a:rPr>
+              <a:t>pernah</a:t>
+            </a:r>
+            <a:r>
+              <a:rPr lang="en-US" dirty="0">
+                <a:solidFill>
+                  <a:schemeClr val="tx1"/>
+                </a:solidFill>
+                <a:latin typeface="Comic Sans MS" pitchFamily="66" charset="0"/>
+              </a:rPr>
+              <a:t> </a:t>
+            </a:r>
+            <a:r>
+              <a:rPr lang="en-US" dirty="0" err="1">
+                <a:solidFill>
+                  <a:schemeClr val="tx1"/>
+                </a:solidFill>
+                <a:latin typeface="Comic Sans MS" pitchFamily="66" charset="0"/>
+              </a:rPr>
+              <a:t>selesai</a:t>
+            </a:r>
+            <a:r>
+              <a:rPr lang="en-US" dirty="0">
+                <a:solidFill>
+                  <a:schemeClr val="tx1"/>
+                </a:solidFill>
+                <a:latin typeface="Comic Sans MS" pitchFamily="66" charset="0"/>
+              </a:rPr>
+              <a:t> </a:t>
+            </a:r>
+            <a:r>
+              <a:rPr lang="en-US" dirty="0" err="1">
+                <a:solidFill>
+                  <a:schemeClr val="tx1"/>
+                </a:solidFill>
+                <a:latin typeface="Comic Sans MS" pitchFamily="66" charset="0"/>
+              </a:rPr>
+              <a:t>dan</a:t>
+            </a:r>
+            <a:r>
+              <a:rPr lang="en-US" dirty="0">
+                <a:solidFill>
+                  <a:schemeClr val="tx1"/>
+                </a:solidFill>
+                <a:latin typeface="Comic Sans MS" pitchFamily="66" charset="0"/>
+              </a:rPr>
+              <a:t> 50% </a:t>
+            </a:r>
+            <a:r>
+              <a:rPr lang="en-US" dirty="0" err="1">
+                <a:solidFill>
+                  <a:schemeClr val="tx1"/>
+                </a:solidFill>
+                <a:latin typeface="Comic Sans MS" pitchFamily="66" charset="0"/>
+              </a:rPr>
+              <a:t>berhasil</a:t>
+            </a:r>
+            <a:r>
+              <a:rPr lang="en-US" dirty="0">
+                <a:solidFill>
+                  <a:schemeClr val="tx1"/>
+                </a:solidFill>
+                <a:latin typeface="Comic Sans MS" pitchFamily="66" charset="0"/>
+              </a:rPr>
+              <a:t> </a:t>
+            </a:r>
+            <a:r>
+              <a:rPr lang="en-US" dirty="0" err="1">
+                <a:solidFill>
+                  <a:schemeClr val="tx1"/>
+                </a:solidFill>
+                <a:latin typeface="Comic Sans MS" pitchFamily="66" charset="0"/>
+              </a:rPr>
+              <a:t>hanya</a:t>
+            </a:r>
+            <a:r>
+              <a:rPr lang="en-US" dirty="0">
+                <a:solidFill>
+                  <a:schemeClr val="tx1"/>
+                </a:solidFill>
+                <a:latin typeface="Comic Sans MS" pitchFamily="66" charset="0"/>
+              </a:rPr>
+              <a:t>    </a:t>
+            </a:r>
+            <a:r>
+              <a:rPr lang="en-US" dirty="0" err="1">
+                <a:solidFill>
+                  <a:schemeClr val="tx1"/>
+                </a:solidFill>
+                <a:latin typeface="Comic Sans MS" pitchFamily="66" charset="0"/>
+              </a:rPr>
+              <a:t>sebagian</a:t>
+            </a:r>
+            <a:endParaRPr lang="en-US" dirty="0">
+              <a:solidFill>
+                <a:schemeClr val="tx1"/>
+              </a:solidFill>
+              <a:latin typeface="Comic Sans MS" pitchFamily="66" charset="0"/>
+            </a:endParaRPr>
+          </a:p>
+          <a:p>
+            <a:pPr marL="45720" indent="0" algn="just">
+              <a:lnSpc>
+                <a:spcPct val="150000"/>
+              </a:lnSpc>
+              <a:buNone/>
+            </a:pPr>
+            <a:endParaRPr lang="en-US" dirty="0">
+              <a:solidFill>
+                <a:schemeClr val="tx1"/>
+              </a:solidFill>
+              <a:latin typeface="Comic Sans MS" pitchFamily="66" charset="0"/>
+            </a:endParaRPr>
+          </a:p>
+          <a:p>
+            <a:pPr marL="45720" indent="0" algn="just">
+              <a:lnSpc>
+                <a:spcPct val="150000"/>
+              </a:lnSpc>
+              <a:buNone/>
+            </a:pPr>
+            <a:endParaRPr lang="en-US" dirty="0">
+              <a:solidFill>
+                <a:schemeClr val="tx1"/>
+              </a:solidFill>
+              <a:latin typeface="Comic Sans MS" pitchFamily="66" charset="0"/>
+            </a:endParaRPr>
+          </a:p>
+        </p:txBody>
+      </p:sp>
+      <p:sp>
+        <p:nvSpPr>
+          <p:cNvPr id="4" name="Title 1"/>
+          <p:cNvSpPr>
+            <a:spLocks noGrp="1"/>
+          </p:cNvSpPr>
+          <p:nvPr>
+            <p:ph type="title"/>
+          </p:nvPr>
+        </p:nvSpPr>
+        <p:spPr>
+          <a:xfrm>
+            <a:off x="228600" y="533400"/>
+            <a:ext cx="8686800" cy="685800"/>
+          </a:xfrm>
+        </p:spPr>
+        <p:txBody>
+          <a:bodyPr/>
+          <a:lstStyle/>
+          <a:p>
+            <a:pPr marL="0" indent="0" algn="ctr">
+              <a:buNone/>
+            </a:pPr>
+            <a:r>
+              <a:rPr lang="en-US" sz="2800" dirty="0" err="1"/>
+              <a:t>Kenapa</a:t>
+            </a:r>
+            <a:r>
+              <a:rPr lang="en-US" sz="2800" dirty="0"/>
+              <a:t> Requirement Engineering </a:t>
+            </a:r>
+            <a:r>
+              <a:rPr lang="en-US" sz="2800" dirty="0" err="1"/>
+              <a:t>dibutuhkan</a:t>
+            </a:r>
+            <a:r>
+              <a:rPr lang="en-US" sz="2800" dirty="0"/>
+              <a:t>?</a:t>
+            </a:r>
+          </a:p>
+        </p:txBody>
+      </p:sp>
+    </p:spTree>
+    <p:extLst>
+      <p:ext uri="{BB962C8B-B14F-4D97-AF65-F5344CB8AC3E}">
+        <p14:creationId xmlns:p14="http://schemas.microsoft.com/office/powerpoint/2010/main" val="3617786607"/>
+      </p:ext>
+    </p:extLst>
+  </p:cSld>
+  <p:clrMapOvr>
+    <a:masterClrMapping/>
+  </p:clrMapOvr>
+  <p:timing>
+    <p:tnLst>
+      <p:par>
+        <p:cTn id="1" dur="indefinite" restart="never" nodeType="tmRoot"/>
+      </p:par>
+    </p:tnLst>
+  </p:timing>
+</p:sld>
+</file>
+
+<file path=ppt/slides/slide15.xml><?xml version="1.0" encoding="utf-8"?>
+<p:sld xmlns:a="http://schemas.openxmlformats.org/drawingml/2006/main" xmlns:r="http://schemas.openxmlformats.org/officeDocument/2006/relationships" xmlns:p="http://schemas.openxmlformats.org/presentationml/2006/main">
+  <p:cSld>
+    <p:spTree>
+      <p:nvGrpSpPr>
+        <p:cNvPr id="1" name=""/>
+        <p:cNvGrpSpPr/>
+        <p:nvPr/>
+      </p:nvGrpSpPr>
+      <p:grpSpPr>
+        <a:xfrm>
+          <a:off x="0" y="0"/>
+          <a:ext cx="0" cy="0"/>
+          <a:chOff x="0" y="0"/>
+          <a:chExt cx="0" cy="0"/>
+        </a:xfrm>
+      </p:grpSpPr>
+      <p:sp>
+        <p:nvSpPr>
+          <p:cNvPr id="3" name="Content Placeholder 2"/>
+          <p:cNvSpPr>
+            <a:spLocks noGrp="1"/>
+          </p:cNvSpPr>
+          <p:nvPr>
+            <p:ph sz="quarter" idx="4294967295"/>
+          </p:nvPr>
+        </p:nvSpPr>
+        <p:spPr>
+          <a:xfrm>
+            <a:off x="457200" y="1752600"/>
+            <a:ext cx="8229600" cy="4800600"/>
+          </a:xfrm>
+          <a:prstGeom prst="rect">
+            <a:avLst/>
+          </a:prstGeom>
+        </p:spPr>
+        <p:txBody>
+          <a:bodyPr/>
+          <a:lstStyle/>
+          <a:p>
+            <a:pPr marL="0" indent="0" algn="just">
+              <a:lnSpc>
+                <a:spcPct val="150000"/>
+              </a:lnSpc>
+              <a:buNone/>
+            </a:pPr>
+            <a:endParaRPr lang="en-US" dirty="0">
+              <a:solidFill>
+                <a:schemeClr val="tx1"/>
+              </a:solidFill>
+              <a:latin typeface="Comic Sans MS" pitchFamily="66" charset="0"/>
+            </a:endParaRPr>
+          </a:p>
+          <a:p>
+            <a:pPr algn="just">
+              <a:lnSpc>
+                <a:spcPct val="150000"/>
+              </a:lnSpc>
+            </a:pPr>
+            <a:r>
+              <a:rPr lang="en-US" dirty="0" err="1">
+                <a:solidFill>
+                  <a:schemeClr val="tx1"/>
+                </a:solidFill>
+                <a:latin typeface="Comic Sans MS" pitchFamily="66" charset="0"/>
+              </a:rPr>
+              <a:t>Banyaknya</a:t>
+            </a:r>
+            <a:r>
+              <a:rPr lang="en-US" dirty="0">
+                <a:solidFill>
+                  <a:schemeClr val="tx1"/>
+                </a:solidFill>
+                <a:latin typeface="Comic Sans MS" pitchFamily="66" charset="0"/>
+              </a:rPr>
+              <a:t> </a:t>
+            </a:r>
+            <a:r>
+              <a:rPr lang="en-US" dirty="0" err="1">
+                <a:solidFill>
+                  <a:schemeClr val="tx1"/>
+                </a:solidFill>
+                <a:latin typeface="Comic Sans MS" pitchFamily="66" charset="0"/>
+              </a:rPr>
+              <a:t>masalah</a:t>
+            </a:r>
+            <a:r>
+              <a:rPr lang="en-US" dirty="0">
+                <a:solidFill>
+                  <a:schemeClr val="tx1"/>
+                </a:solidFill>
+                <a:latin typeface="Comic Sans MS" pitchFamily="66" charset="0"/>
+              </a:rPr>
+              <a:t> yang </a:t>
+            </a:r>
+            <a:r>
+              <a:rPr lang="en-US" dirty="0" err="1">
+                <a:solidFill>
+                  <a:schemeClr val="tx1"/>
+                </a:solidFill>
+                <a:latin typeface="Comic Sans MS" pitchFamily="66" charset="0"/>
+              </a:rPr>
+              <a:t>dirasakan</a:t>
+            </a:r>
+            <a:r>
+              <a:rPr lang="en-US" dirty="0">
+                <a:solidFill>
+                  <a:schemeClr val="tx1"/>
+                </a:solidFill>
+                <a:latin typeface="Comic Sans MS" pitchFamily="66" charset="0"/>
+              </a:rPr>
+              <a:t> </a:t>
+            </a:r>
+            <a:r>
+              <a:rPr lang="en-US" dirty="0" err="1">
+                <a:solidFill>
+                  <a:schemeClr val="tx1"/>
+                </a:solidFill>
+                <a:latin typeface="Comic Sans MS" pitchFamily="66" charset="0"/>
+              </a:rPr>
+              <a:t>terkait</a:t>
+            </a:r>
+            <a:r>
+              <a:rPr lang="en-US" dirty="0">
+                <a:solidFill>
+                  <a:schemeClr val="tx1"/>
+                </a:solidFill>
+                <a:latin typeface="Comic Sans MS" pitchFamily="66" charset="0"/>
+              </a:rPr>
+              <a:t> </a:t>
+            </a:r>
+            <a:r>
+              <a:rPr lang="en-US" dirty="0" err="1">
+                <a:solidFill>
+                  <a:schemeClr val="tx1"/>
+                </a:solidFill>
+                <a:latin typeface="Comic Sans MS" pitchFamily="66" charset="0"/>
+              </a:rPr>
+              <a:t>dengan</a:t>
+            </a:r>
+            <a:r>
+              <a:rPr lang="en-US" dirty="0">
+                <a:solidFill>
+                  <a:schemeClr val="tx1"/>
+                </a:solidFill>
+                <a:latin typeface="Comic Sans MS" pitchFamily="66" charset="0"/>
+              </a:rPr>
+              <a:t> </a:t>
+            </a:r>
+            <a:r>
+              <a:rPr lang="en-US" dirty="0" err="1">
+                <a:solidFill>
+                  <a:schemeClr val="tx1"/>
+                </a:solidFill>
+                <a:latin typeface="Comic Sans MS" pitchFamily="66" charset="0"/>
+              </a:rPr>
+              <a:t>spesifikasi</a:t>
+            </a:r>
+            <a:r>
+              <a:rPr lang="en-US" dirty="0">
+                <a:solidFill>
+                  <a:schemeClr val="tx1"/>
+                </a:solidFill>
+                <a:latin typeface="Comic Sans MS" pitchFamily="66" charset="0"/>
+              </a:rPr>
+              <a:t> </a:t>
+            </a:r>
+            <a:r>
+              <a:rPr lang="en-US" dirty="0" err="1">
+                <a:solidFill>
+                  <a:schemeClr val="tx1"/>
+                </a:solidFill>
+                <a:latin typeface="Comic Sans MS" pitchFamily="66" charset="0"/>
+              </a:rPr>
+              <a:t>kebutuhan</a:t>
+            </a:r>
+            <a:r>
+              <a:rPr lang="en-US" dirty="0">
+                <a:solidFill>
+                  <a:schemeClr val="tx1"/>
+                </a:solidFill>
+                <a:latin typeface="Comic Sans MS" pitchFamily="66" charset="0"/>
+              </a:rPr>
+              <a:t> (&gt;50%) – (ESI96)</a:t>
+            </a:r>
+          </a:p>
+          <a:p>
+            <a:pPr marL="45720" indent="0" algn="just">
+              <a:lnSpc>
+                <a:spcPct val="150000"/>
+              </a:lnSpc>
+              <a:buNone/>
+            </a:pPr>
+            <a:r>
+              <a:rPr lang="en-US" dirty="0">
+                <a:solidFill>
+                  <a:schemeClr val="tx1"/>
+                </a:solidFill>
+                <a:latin typeface="Comic Sans MS" pitchFamily="66" charset="0"/>
+              </a:rPr>
+              <a:t>		3800 </a:t>
+            </a:r>
+            <a:r>
+              <a:rPr lang="en-US" dirty="0" err="1">
+                <a:solidFill>
+                  <a:schemeClr val="tx1"/>
+                </a:solidFill>
+                <a:latin typeface="Comic Sans MS" pitchFamily="66" charset="0"/>
+              </a:rPr>
+              <a:t>organisasi</a:t>
+            </a:r>
+            <a:r>
+              <a:rPr lang="en-US" dirty="0">
+                <a:solidFill>
+                  <a:schemeClr val="tx1"/>
+                </a:solidFill>
+                <a:latin typeface="Comic Sans MS" pitchFamily="66" charset="0"/>
+              </a:rPr>
+              <a:t> di 17 </a:t>
+            </a:r>
+            <a:r>
+              <a:rPr lang="en-US" dirty="0" err="1">
+                <a:solidFill>
+                  <a:schemeClr val="tx1"/>
+                </a:solidFill>
+                <a:latin typeface="Comic Sans MS" pitchFamily="66" charset="0"/>
+              </a:rPr>
+              <a:t>negara</a:t>
+            </a:r>
+            <a:r>
+              <a:rPr lang="en-US" dirty="0">
+                <a:solidFill>
+                  <a:schemeClr val="tx1"/>
+                </a:solidFill>
+                <a:latin typeface="Comic Sans MS" pitchFamily="66" charset="0"/>
+              </a:rPr>
+              <a:t> </a:t>
+            </a:r>
+            <a:r>
+              <a:rPr lang="en-US" dirty="0" err="1">
+                <a:solidFill>
+                  <a:schemeClr val="tx1"/>
+                </a:solidFill>
+                <a:latin typeface="Comic Sans MS" pitchFamily="66" charset="0"/>
+              </a:rPr>
+              <a:t>eropa</a:t>
+            </a:r>
+            <a:endParaRPr lang="en-US" dirty="0">
+              <a:solidFill>
+                <a:schemeClr val="tx1"/>
+              </a:solidFill>
+              <a:latin typeface="Comic Sans MS" pitchFamily="66" charset="0"/>
+            </a:endParaRPr>
+          </a:p>
+          <a:p>
+            <a:pPr marL="45720" indent="0" algn="just">
+              <a:lnSpc>
+                <a:spcPct val="150000"/>
+              </a:lnSpc>
+              <a:buNone/>
+            </a:pPr>
+            <a:endParaRPr lang="en-US" dirty="0">
+              <a:solidFill>
+                <a:schemeClr val="tx1"/>
+              </a:solidFill>
+              <a:latin typeface="Comic Sans MS" pitchFamily="66" charset="0"/>
+            </a:endParaRPr>
+          </a:p>
+          <a:p>
+            <a:pPr marL="45720" indent="0" algn="just">
+              <a:lnSpc>
+                <a:spcPct val="150000"/>
+              </a:lnSpc>
+              <a:buNone/>
+            </a:pPr>
+            <a:endParaRPr lang="en-US" dirty="0">
+              <a:solidFill>
+                <a:schemeClr val="tx1"/>
+              </a:solidFill>
+              <a:latin typeface="Comic Sans MS" pitchFamily="66" charset="0"/>
+            </a:endParaRPr>
+          </a:p>
+        </p:txBody>
+      </p:sp>
+      <p:sp>
+        <p:nvSpPr>
+          <p:cNvPr id="4" name="Title 1"/>
+          <p:cNvSpPr>
+            <a:spLocks noGrp="1"/>
+          </p:cNvSpPr>
+          <p:nvPr>
+            <p:ph type="title"/>
+          </p:nvPr>
+        </p:nvSpPr>
+        <p:spPr>
+          <a:xfrm>
+            <a:off x="304800" y="304800"/>
+            <a:ext cx="8686800" cy="685800"/>
+          </a:xfrm>
+        </p:spPr>
+        <p:txBody>
+          <a:bodyPr/>
+          <a:lstStyle/>
+          <a:p>
+            <a:pPr marL="0" indent="0" algn="ctr">
+              <a:buNone/>
+            </a:pPr>
+            <a:r>
+              <a:rPr lang="en-US" sz="2800" dirty="0" err="1"/>
+              <a:t>Kenapa</a:t>
+            </a:r>
+            <a:r>
+              <a:rPr lang="en-US" sz="2800" dirty="0"/>
+              <a:t> Requirement Engineering </a:t>
+            </a:r>
+            <a:r>
+              <a:rPr lang="en-US" sz="2800" dirty="0" err="1"/>
+              <a:t>dibutuhkan</a:t>
+            </a:r>
+            <a:r>
+              <a:rPr lang="en-US" sz="2800" dirty="0"/>
+              <a:t>?</a:t>
+            </a:r>
+          </a:p>
+        </p:txBody>
+      </p:sp>
+    </p:spTree>
+    <p:extLst>
+      <p:ext uri="{BB962C8B-B14F-4D97-AF65-F5344CB8AC3E}">
+        <p14:creationId xmlns:p14="http://schemas.microsoft.com/office/powerpoint/2010/main" val="2694711299"/>
+      </p:ext>
+    </p:extLst>
+  </p:cSld>
+  <p:clrMapOvr>
+    <a:masterClrMapping/>
+  </p:clrMapOvr>
+  <p:timing>
+    <p:tnLst>
+      <p:par>
+        <p:cTn id="1" dur="indefinite" restart="never" nodeType="tmRoot"/>
+      </p:par>
+    </p:tnLst>
+  </p:timing>
 </p:sld>
 </file>
 
@@ -6259,36 +6386,6 @@
       </p:grpSpPr>
       <p:sp>
         <p:nvSpPr>
-          <p:cNvPr id="2" name="Title 1"/>
-          <p:cNvSpPr>
-            <a:spLocks noGrp="1"/>
-          </p:cNvSpPr>
-          <p:nvPr>
-            <p:ph type="title"/>
-          </p:nvPr>
-        </p:nvSpPr>
-        <p:spPr>
-          <a:xfrm>
-            <a:off x="304800" y="304800"/>
-            <a:ext cx="8686800" cy="762000"/>
-          </a:xfrm>
-        </p:spPr>
-        <p:txBody>
-          <a:bodyPr/>
-          <a:lstStyle/>
-          <a:p>
-            <a:pPr marL="0" indent="0" algn="ctr">
-              <a:buNone/>
-            </a:pPr>
-            <a:r>
-              <a:rPr lang="en-US" sz="3200" dirty="0"/>
-              <a:t>Requirement Engineering Process</a:t>
-            </a:r>
-          </a:p>
-        </p:txBody>
-      </p:sp>
-      <p:sp>
-        <p:nvSpPr>
           <p:cNvPr id="3" name="Content Placeholder 2"/>
           <p:cNvSpPr>
             <a:spLocks noGrp="1"/>
@@ -6299,18 +6396,370 @@
         </p:nvSpPr>
         <p:spPr>
           <a:xfrm>
-            <a:off x="304800" y="1143000"/>
-            <a:ext cx="8534400" cy="5562600"/>
+            <a:off x="381000" y="1524000"/>
+            <a:ext cx="8229600" cy="4800600"/>
           </a:xfrm>
           <a:prstGeom prst="rect">
             <a:avLst/>
           </a:prstGeom>
         </p:spPr>
         <p:txBody>
-          <a:bodyPr>
-            <a:normAutofit/>
-          </a:bodyPr>
+          <a:bodyPr/>
           <a:lstStyle/>
+          <a:p>
+            <a:pPr marL="0" indent="0" algn="just">
+              <a:lnSpc>
+                <a:spcPct val="150000"/>
+              </a:lnSpc>
+              <a:buNone/>
+            </a:pPr>
+            <a:r>
+              <a:rPr lang="en-US" dirty="0">
+                <a:solidFill>
+                  <a:schemeClr val="tx1"/>
+                </a:solidFill>
+                <a:latin typeface="Comic Sans MS" pitchFamily="66" charset="0"/>
+              </a:rPr>
+              <a:t>“</a:t>
+            </a:r>
+            <a:r>
+              <a:rPr lang="en-US" dirty="0" err="1">
+                <a:solidFill>
+                  <a:schemeClr val="tx1"/>
+                </a:solidFill>
+                <a:latin typeface="Comic Sans MS" pitchFamily="66" charset="0"/>
+              </a:rPr>
+              <a:t>Kebutuhan</a:t>
+            </a:r>
+            <a:r>
+              <a:rPr lang="en-US" dirty="0">
+                <a:solidFill>
+                  <a:schemeClr val="tx1"/>
+                </a:solidFill>
+                <a:latin typeface="Comic Sans MS" pitchFamily="66" charset="0"/>
+              </a:rPr>
+              <a:t> yang </a:t>
+            </a:r>
+            <a:r>
+              <a:rPr lang="en-US" dirty="0" err="1">
+                <a:solidFill>
+                  <a:schemeClr val="tx1"/>
+                </a:solidFill>
+                <a:latin typeface="Comic Sans MS" pitchFamily="66" charset="0"/>
+              </a:rPr>
+              <a:t>tidak</a:t>
+            </a:r>
+            <a:r>
+              <a:rPr lang="en-US" dirty="0">
+                <a:solidFill>
+                  <a:schemeClr val="tx1"/>
+                </a:solidFill>
+                <a:latin typeface="Comic Sans MS" pitchFamily="66" charset="0"/>
+              </a:rPr>
+              <a:t> </a:t>
+            </a:r>
+            <a:r>
+              <a:rPr lang="en-US" dirty="0" err="1">
+                <a:solidFill>
+                  <a:schemeClr val="tx1"/>
+                </a:solidFill>
+                <a:latin typeface="Comic Sans MS" pitchFamily="66" charset="0"/>
+              </a:rPr>
+              <a:t>mencukupi</a:t>
+            </a:r>
+            <a:r>
+              <a:rPr lang="en-US" dirty="0">
+                <a:solidFill>
+                  <a:schemeClr val="tx1"/>
+                </a:solidFill>
+                <a:latin typeface="Comic Sans MS" pitchFamily="66" charset="0"/>
+              </a:rPr>
+              <a:t>, </a:t>
+            </a:r>
+            <a:r>
+              <a:rPr lang="en-US" dirty="0" err="1">
+                <a:solidFill>
+                  <a:schemeClr val="tx1"/>
+                </a:solidFill>
+                <a:latin typeface="Comic Sans MS" pitchFamily="66" charset="0"/>
+              </a:rPr>
+              <a:t>tidak</a:t>
+            </a:r>
+            <a:r>
+              <a:rPr lang="en-US" dirty="0">
+                <a:solidFill>
+                  <a:schemeClr val="tx1"/>
+                </a:solidFill>
+                <a:latin typeface="Comic Sans MS" pitchFamily="66" charset="0"/>
+              </a:rPr>
+              <a:t> </a:t>
+            </a:r>
+            <a:r>
+              <a:rPr lang="en-US" dirty="0" err="1">
+                <a:solidFill>
+                  <a:schemeClr val="tx1"/>
+                </a:solidFill>
+                <a:latin typeface="Comic Sans MS" pitchFamily="66" charset="0"/>
+              </a:rPr>
+              <a:t>konsisten</a:t>
+            </a:r>
+            <a:r>
+              <a:rPr lang="en-US" dirty="0">
+                <a:solidFill>
+                  <a:schemeClr val="tx1"/>
+                </a:solidFill>
+                <a:latin typeface="Comic Sans MS" pitchFamily="66" charset="0"/>
+              </a:rPr>
+              <a:t>, </a:t>
+            </a:r>
+            <a:r>
+              <a:rPr lang="en-US" dirty="0" err="1">
+                <a:solidFill>
+                  <a:schemeClr val="tx1"/>
+                </a:solidFill>
+                <a:latin typeface="Comic Sans MS" pitchFamily="66" charset="0"/>
+              </a:rPr>
+              <a:t>tidak</a:t>
+            </a:r>
+            <a:r>
+              <a:rPr lang="en-US" dirty="0">
+                <a:solidFill>
+                  <a:schemeClr val="tx1"/>
+                </a:solidFill>
+                <a:latin typeface="Comic Sans MS" pitchFamily="66" charset="0"/>
+              </a:rPr>
+              <a:t> </a:t>
+            </a:r>
+            <a:r>
+              <a:rPr lang="en-US" dirty="0" err="1">
+                <a:solidFill>
+                  <a:schemeClr val="tx1"/>
+                </a:solidFill>
+                <a:latin typeface="Comic Sans MS" pitchFamily="66" charset="0"/>
+              </a:rPr>
+              <a:t>lengkap</a:t>
+            </a:r>
+            <a:r>
+              <a:rPr lang="en-US" dirty="0">
+                <a:solidFill>
+                  <a:schemeClr val="tx1"/>
+                </a:solidFill>
+                <a:latin typeface="Comic Sans MS" pitchFamily="66" charset="0"/>
+              </a:rPr>
+              <a:t> </a:t>
+            </a:r>
+            <a:r>
+              <a:rPr lang="en-US" dirty="0" err="1">
+                <a:solidFill>
+                  <a:schemeClr val="tx1"/>
+                </a:solidFill>
+                <a:latin typeface="Comic Sans MS" pitchFamily="66" charset="0"/>
+              </a:rPr>
+              <a:t>atau</a:t>
+            </a:r>
+            <a:r>
+              <a:rPr lang="en-US" dirty="0">
+                <a:solidFill>
+                  <a:schemeClr val="tx1"/>
+                </a:solidFill>
+                <a:latin typeface="Comic Sans MS" pitchFamily="66" charset="0"/>
+              </a:rPr>
+              <a:t> </a:t>
+            </a:r>
+            <a:r>
+              <a:rPr lang="en-US" dirty="0" err="1">
+                <a:solidFill>
+                  <a:schemeClr val="tx1"/>
+                </a:solidFill>
+                <a:latin typeface="Comic Sans MS" pitchFamily="66" charset="0"/>
+              </a:rPr>
+              <a:t>ambigu</a:t>
+            </a:r>
+            <a:r>
+              <a:rPr lang="en-US" dirty="0">
+                <a:solidFill>
+                  <a:schemeClr val="tx1"/>
+                </a:solidFill>
+                <a:latin typeface="Comic Sans MS" pitchFamily="66" charset="0"/>
+              </a:rPr>
+              <a:t> </a:t>
+            </a:r>
+            <a:r>
+              <a:rPr lang="en-US" dirty="0" err="1">
+                <a:solidFill>
+                  <a:schemeClr val="tx1"/>
+                </a:solidFill>
+                <a:latin typeface="Comic Sans MS" pitchFamily="66" charset="0"/>
+              </a:rPr>
+              <a:t>mempunyai</a:t>
+            </a:r>
+            <a:r>
+              <a:rPr lang="en-US" dirty="0">
+                <a:solidFill>
+                  <a:schemeClr val="tx1"/>
+                </a:solidFill>
+                <a:latin typeface="Comic Sans MS" pitchFamily="66" charset="0"/>
+              </a:rPr>
+              <a:t> </a:t>
+            </a:r>
+            <a:r>
+              <a:rPr lang="en-US" dirty="0" err="1">
+                <a:solidFill>
+                  <a:schemeClr val="tx1"/>
+                </a:solidFill>
+                <a:latin typeface="Comic Sans MS" pitchFamily="66" charset="0"/>
+              </a:rPr>
+              <a:t>dampak</a:t>
+            </a:r>
+            <a:r>
+              <a:rPr lang="en-US" dirty="0">
+                <a:solidFill>
+                  <a:schemeClr val="tx1"/>
+                </a:solidFill>
+                <a:latin typeface="Comic Sans MS" pitchFamily="66" charset="0"/>
+              </a:rPr>
+              <a:t> yang </a:t>
+            </a:r>
+            <a:r>
+              <a:rPr lang="en-US" dirty="0" err="1">
+                <a:solidFill>
+                  <a:schemeClr val="tx1"/>
+                </a:solidFill>
+                <a:latin typeface="Comic Sans MS" pitchFamily="66" charset="0"/>
+              </a:rPr>
+              <a:t>kritis</a:t>
+            </a:r>
+            <a:r>
+              <a:rPr lang="en-US" dirty="0">
+                <a:solidFill>
+                  <a:schemeClr val="tx1"/>
+                </a:solidFill>
+                <a:latin typeface="Comic Sans MS" pitchFamily="66" charset="0"/>
+              </a:rPr>
+              <a:t> </a:t>
+            </a:r>
+            <a:r>
+              <a:rPr lang="en-US" dirty="0" err="1">
+                <a:solidFill>
+                  <a:schemeClr val="tx1"/>
+                </a:solidFill>
+                <a:latin typeface="Comic Sans MS" pitchFamily="66" charset="0"/>
+              </a:rPr>
+              <a:t>terhadap</a:t>
+            </a:r>
+            <a:r>
+              <a:rPr lang="en-US" dirty="0">
+                <a:solidFill>
+                  <a:schemeClr val="tx1"/>
+                </a:solidFill>
+                <a:latin typeface="Comic Sans MS" pitchFamily="66" charset="0"/>
+              </a:rPr>
+              <a:t> </a:t>
+            </a:r>
+            <a:r>
+              <a:rPr lang="en-US" dirty="0" err="1">
+                <a:solidFill>
+                  <a:schemeClr val="tx1"/>
+                </a:solidFill>
+                <a:latin typeface="Comic Sans MS" pitchFamily="66" charset="0"/>
+              </a:rPr>
+              <a:t>kualitas</a:t>
+            </a:r>
+            <a:r>
+              <a:rPr lang="en-US" dirty="0">
+                <a:solidFill>
+                  <a:schemeClr val="tx1"/>
+                </a:solidFill>
+                <a:latin typeface="Comic Sans MS" pitchFamily="66" charset="0"/>
+              </a:rPr>
+              <a:t> </a:t>
+            </a:r>
+            <a:r>
+              <a:rPr lang="en-US" dirty="0" err="1">
+                <a:solidFill>
+                  <a:schemeClr val="tx1"/>
+                </a:solidFill>
+                <a:latin typeface="Comic Sans MS" pitchFamily="66" charset="0"/>
+              </a:rPr>
+              <a:t>hasil</a:t>
+            </a:r>
+            <a:r>
+              <a:rPr lang="en-US" dirty="0">
+                <a:solidFill>
+                  <a:schemeClr val="tx1"/>
+                </a:solidFill>
+                <a:latin typeface="Comic Sans MS" pitchFamily="66" charset="0"/>
+              </a:rPr>
+              <a:t> </a:t>
+            </a:r>
+            <a:r>
+              <a:rPr lang="en-US" dirty="0" err="1">
+                <a:solidFill>
+                  <a:schemeClr val="tx1"/>
+                </a:solidFill>
+                <a:latin typeface="Comic Sans MS" pitchFamily="66" charset="0"/>
+              </a:rPr>
+              <a:t>perangkat</a:t>
+            </a:r>
+            <a:r>
+              <a:rPr lang="en-US" dirty="0">
+                <a:solidFill>
+                  <a:schemeClr val="tx1"/>
+                </a:solidFill>
+                <a:latin typeface="Comic Sans MS" pitchFamily="66" charset="0"/>
+              </a:rPr>
+              <a:t> </a:t>
+            </a:r>
+            <a:r>
+              <a:rPr lang="en-US" dirty="0" err="1">
+                <a:solidFill>
+                  <a:schemeClr val="tx1"/>
+                </a:solidFill>
+                <a:latin typeface="Comic Sans MS" pitchFamily="66" charset="0"/>
+              </a:rPr>
+              <a:t>lunak</a:t>
+            </a:r>
+            <a:r>
+              <a:rPr lang="en-US" dirty="0">
+                <a:solidFill>
+                  <a:schemeClr val="tx1"/>
+                </a:solidFill>
+                <a:latin typeface="Comic Sans MS" pitchFamily="66" charset="0"/>
+              </a:rPr>
+              <a:t> </a:t>
+            </a:r>
+            <a:r>
+              <a:rPr lang="en-US" dirty="0" err="1">
+                <a:solidFill>
+                  <a:schemeClr val="tx1"/>
+                </a:solidFill>
+                <a:latin typeface="Comic Sans MS" pitchFamily="66" charset="0"/>
+              </a:rPr>
+              <a:t>tersebut</a:t>
+            </a:r>
+            <a:r>
+              <a:rPr lang="en-US" dirty="0">
+                <a:solidFill>
+                  <a:schemeClr val="tx1"/>
+                </a:solidFill>
+                <a:latin typeface="Comic Sans MS" pitchFamily="66" charset="0"/>
+              </a:rPr>
+              <a:t>” (Bell&amp;Tayer76)</a:t>
+            </a:r>
+          </a:p>
+          <a:p>
+            <a:pPr algn="just">
+              <a:lnSpc>
+                <a:spcPct val="150000"/>
+              </a:lnSpc>
+            </a:pPr>
+            <a:endParaRPr lang="en-US" dirty="0">
+              <a:solidFill>
+                <a:schemeClr val="tx1"/>
+              </a:solidFill>
+              <a:latin typeface="Comic Sans MS" pitchFamily="66" charset="0"/>
+            </a:endParaRPr>
+          </a:p>
           <a:p>
             <a:pPr marL="45720" indent="0" algn="just">
               <a:lnSpc>
@@ -6318,31 +6767,53 @@
               </a:lnSpc>
               <a:buNone/>
             </a:pPr>
-            <a:r>
-              <a:rPr lang="en-US" dirty="0">
-                <a:solidFill>
-                  <a:schemeClr val="tx1"/>
-                </a:solidFill>
-                <a:latin typeface="Comic Sans MS" pitchFamily="66" charset="0"/>
-              </a:rPr>
-              <a:t>Requirements engineering activities:</a:t>
-            </a:r>
-          </a:p>
-          <a:p>
-            <a:pPr marL="45720" indent="0" algn="just">
-              <a:lnSpc>
-                <a:spcPct val="150000"/>
-              </a:lnSpc>
+            <a:endParaRPr lang="en-US" dirty="0">
+              <a:solidFill>
+                <a:schemeClr val="tx1"/>
+              </a:solidFill>
+              <a:latin typeface="Comic Sans MS" pitchFamily="66" charset="0"/>
+            </a:endParaRPr>
+          </a:p>
+        </p:txBody>
+      </p:sp>
+      <p:sp>
+        <p:nvSpPr>
+          <p:cNvPr id="4" name="Title 1"/>
+          <p:cNvSpPr>
+            <a:spLocks noGrp="1"/>
+          </p:cNvSpPr>
+          <p:nvPr>
+            <p:ph type="title"/>
+          </p:nvPr>
+        </p:nvSpPr>
+        <p:spPr>
+          <a:xfrm>
+            <a:off x="152400" y="381000"/>
+            <a:ext cx="8686800" cy="685800"/>
+          </a:xfrm>
+        </p:spPr>
+        <p:txBody>
+          <a:bodyPr/>
+          <a:lstStyle/>
+          <a:p>
+            <a:pPr marL="0" indent="0" algn="ctr">
               <a:buNone/>
             </a:pPr>
             <a:r>
-              <a:rPr lang="en-US" dirty="0">
-                <a:solidFill>
-                  <a:schemeClr val="tx1"/>
-                </a:solidFill>
-                <a:latin typeface="Comic Sans MS" pitchFamily="66" charset="0"/>
-              </a:rPr>
-              <a:t>Elicitation, Interpretation and structuring (Analysis and documentation), negotiation, verification and validation, change management and requirements tracing.</a:t>
+              <a:rPr lang="en-US" sz="2800" dirty="0" err="1"/>
+              <a:t>Kenapa</a:t>
+            </a:r>
+            <a:r>
+              <a:rPr lang="en-US" sz="2800" dirty="0"/>
+              <a:t> Requirement Engineering </a:t>
+            </a:r>
+            <a:r>
+              <a:rPr lang="en-US" sz="2800" dirty="0" err="1"/>
+              <a:t>dibutuhkan</a:t>
+            </a:r>
+            <a:r>
+              <a:rPr lang="en-US" sz="2800" dirty="0"/>
+              <a:t>?</a:t>
             </a:r>
           </a:p>
         </p:txBody>
@@ -6350,13 +6821,20 @@
     </p:spTree>
     <p:extLst>
       <p:ext uri="{BB962C8B-B14F-4D97-AF65-F5344CB8AC3E}">
-        <p14:creationId xmlns:p14="http://schemas.microsoft.com/office/powerpoint/2010/main" val="2847688157"/>
+        <p14:creationId xmlns:p14="http://schemas.microsoft.com/office/powerpoint/2010/main" val="3676907999"/>
       </p:ext>
     </p:extLst>
   </p:cSld>
   <p:clrMapOvr>
     <a:masterClrMapping/>
   </p:clrMapOvr>
+  <p:timing>
+    <p:tnLst>
+      <p:par>
+        <p:cTn id="1" dur="indefinite" restart="never" nodeType="tmRoot"/>
+      </p:par>
+    </p:tnLst>
+  </p:timing>
 </p:sld>
 </file>
 
@@ -6389,8 +6867,8 @@
         </p:nvSpPr>
         <p:spPr>
           <a:xfrm>
-            <a:off x="457200" y="1524000"/>
-            <a:ext cx="8229600" cy="4724400"/>
+            <a:off x="457200" y="1447800"/>
+            <a:ext cx="8229600" cy="4800600"/>
           </a:xfrm>
           <a:prstGeom prst="rect">
             <a:avLst/>
@@ -6400,10 +6878,11 @@
           <a:bodyPr/>
           <a:lstStyle/>
           <a:p>
-            <a:pPr algn="just">
+            <a:pPr marL="0" indent="0" algn="just">
               <a:lnSpc>
                 <a:spcPct val="150000"/>
               </a:lnSpc>
+              <a:buNone/>
             </a:pPr>
             <a:r>
               <a:rPr lang="en-US" dirty="0">
@@ -6412,7 +6891,7 @@
                 </a:solidFill>
                 <a:latin typeface="Comic Sans MS" pitchFamily="66" charset="0"/>
               </a:rPr>
-              <a:t>Requirements yang </a:t>
+              <a:t>“</a:t>
             </a:r>
             <a:r>
               <a:rPr lang="en-US" dirty="0" err="1">
@@ -6421,7 +6900,7 @@
                 </a:solidFill>
                 <a:latin typeface="Comic Sans MS" pitchFamily="66" charset="0"/>
               </a:rPr>
-              <a:t>lemah</a:t>
+              <a:t>Keterlambatan</a:t>
             </a:r>
             <a:r>
               <a:rPr lang="en-US" dirty="0">
@@ -6430,7 +6909,7 @@
                 </a:solidFill>
                 <a:latin typeface="Comic Sans MS" pitchFamily="66" charset="0"/>
               </a:rPr>
-              <a:t>/ </a:t>
+              <a:t> </a:t>
             </a:r>
             <a:r>
               <a:rPr lang="en-US" dirty="0" err="1">
@@ -6439,7 +6918,7 @@
                 </a:solidFill>
                 <a:latin typeface="Comic Sans MS" pitchFamily="66" charset="0"/>
               </a:rPr>
-              <a:t>tidak</a:t>
+              <a:t>koreksi</a:t>
             </a:r>
             <a:r>
               <a:rPr lang="en-US" dirty="0">
@@ -6457,7 +6936,7 @@
                 </a:solidFill>
                 <a:latin typeface="Comic Sans MS" pitchFamily="66" charset="0"/>
               </a:rPr>
-              <a:t>lengkap</a:t>
+              <a:t>dari</a:t>
             </a:r>
             <a:r>
               <a:rPr lang="en-US" dirty="0">
@@ -6475,7 +6954,7 @@
                 </a:solidFill>
                 <a:latin typeface="Comic Sans MS" pitchFamily="66" charset="0"/>
               </a:rPr>
-              <a:t>adalah</a:t>
+              <a:t>kesalahan</a:t>
             </a:r>
             <a:r>
               <a:rPr lang="en-US" dirty="0">
@@ -6493,7 +6972,7 @@
                 </a:solidFill>
                 <a:latin typeface="Comic Sans MS" pitchFamily="66" charset="0"/>
               </a:rPr>
-              <a:t>sumber</a:t>
+              <a:t>meningkatkan</a:t>
             </a:r>
             <a:r>
               <a:rPr lang="en-US" dirty="0">
@@ -6511,7 +6990,7 @@
                 </a:solidFill>
                 <a:latin typeface="Comic Sans MS" pitchFamily="66" charset="0"/>
               </a:rPr>
-              <a:t>utama</a:t>
+              <a:t>biaya</a:t>
             </a:r>
             <a:r>
               <a:rPr lang="en-US" dirty="0">
@@ -6529,7 +7008,7 @@
                 </a:solidFill>
                 <a:latin typeface="Comic Sans MS" pitchFamily="66" charset="0"/>
               </a:rPr>
-              <a:t>dari</a:t>
+              <a:t>sampai</a:t>
             </a:r>
             <a:r>
               <a:rPr lang="en-US" dirty="0">
@@ -6538,6 +7017,24 @@
                 </a:solidFill>
                 <a:latin typeface="Comic Sans MS" pitchFamily="66" charset="0"/>
               </a:rPr>
+              <a:t> 200 kali </a:t>
+            </a:r>
+            <a:r>
+              <a:rPr lang="en-US" dirty="0" err="1">
+                <a:solidFill>
+                  <a:schemeClr val="tx1"/>
+                </a:solidFill>
+                <a:latin typeface="Comic Sans MS" pitchFamily="66" charset="0"/>
+              </a:rPr>
+              <a:t>lebih</a:t>
+            </a:r>
+            <a:r>
+              <a:rPr lang="en-US" dirty="0">
+                <a:solidFill>
+                  <a:schemeClr val="tx1"/>
+                </a:solidFill>
+                <a:latin typeface="Comic Sans MS" pitchFamily="66" charset="0"/>
+              </a:rPr>
               <a:t> </a:t>
             </a:r>
             <a:r>
@@ -6547,7 +7044,7 @@
                 </a:solidFill>
                 <a:latin typeface="Comic Sans MS" pitchFamily="66" charset="0"/>
               </a:rPr>
-              <a:t>kegagalan</a:t>
+              <a:t>banyak</a:t>
             </a:r>
             <a:r>
               <a:rPr lang="en-US" dirty="0">
@@ -6556,16 +7053,17 @@
                 </a:solidFill>
                 <a:latin typeface="Comic Sans MS" pitchFamily="66" charset="0"/>
               </a:rPr>
-              <a:t> (Standish95)</a:t>
-            </a:r>
-          </a:p>
-          <a:p>
-            <a:pPr marL="45720" indent="0" algn="just">
-              <a:lnSpc>
-                <a:spcPct val="150000"/>
-              </a:lnSpc>
-              <a:buNone/>
-            </a:pPr>
+              <a:t> </a:t>
+            </a:r>
+            <a:r>
+              <a:rPr lang="en-US" dirty="0" err="1">
+                <a:solidFill>
+                  <a:schemeClr val="tx1"/>
+                </a:solidFill>
+                <a:latin typeface="Comic Sans MS" pitchFamily="66" charset="0"/>
+              </a:rPr>
+              <a:t>selama</a:t>
+            </a:r>
             <a:r>
               <a:rPr lang="en-US" dirty="0">
                 <a:solidFill>
@@ -6573,184 +7071,8 @@
                 </a:solidFill>
                 <a:latin typeface="Comic Sans MS" pitchFamily="66" charset="0"/>
               </a:rPr>
-              <a:t>		8000 projects, 350 US companies: </a:t>
-            </a:r>
-          </a:p>
-          <a:p>
-            <a:pPr marL="45720" indent="0" algn="just">
-              <a:lnSpc>
-                <a:spcPct val="150000"/>
-              </a:lnSpc>
-              <a:buNone/>
-            </a:pPr>
-            <a:r>
-              <a:rPr lang="en-US" dirty="0">
-                <a:solidFill>
-                  <a:schemeClr val="tx1"/>
-                </a:solidFill>
-                <a:latin typeface="Comic Sans MS" pitchFamily="66" charset="0"/>
-              </a:rPr>
-              <a:t>   1/3 </a:t>
-            </a:r>
-            <a:r>
-              <a:rPr lang="en-US" dirty="0" err="1">
-                <a:solidFill>
-                  <a:schemeClr val="tx1"/>
-                </a:solidFill>
-                <a:latin typeface="Comic Sans MS" pitchFamily="66" charset="0"/>
-              </a:rPr>
-              <a:t>dari</a:t>
-            </a:r>
-            <a:r>
-              <a:rPr lang="en-US" dirty="0">
-                <a:solidFill>
-                  <a:schemeClr val="tx1"/>
-                </a:solidFill>
-                <a:latin typeface="Comic Sans MS" pitchFamily="66" charset="0"/>
-              </a:rPr>
-              <a:t> </a:t>
-            </a:r>
-            <a:r>
-              <a:rPr lang="en-US" dirty="0" err="1">
-                <a:solidFill>
-                  <a:schemeClr val="tx1"/>
-                </a:solidFill>
-                <a:latin typeface="Comic Sans MS" pitchFamily="66" charset="0"/>
-              </a:rPr>
-              <a:t>projek</a:t>
-            </a:r>
-            <a:r>
-              <a:rPr lang="en-US" dirty="0">
-                <a:solidFill>
-                  <a:schemeClr val="tx1"/>
-                </a:solidFill>
-                <a:latin typeface="Comic Sans MS" pitchFamily="66" charset="0"/>
-              </a:rPr>
-              <a:t> </a:t>
-            </a:r>
-            <a:r>
-              <a:rPr lang="en-US" dirty="0" err="1">
-                <a:solidFill>
-                  <a:schemeClr val="tx1"/>
-                </a:solidFill>
-                <a:latin typeface="Comic Sans MS" pitchFamily="66" charset="0"/>
-              </a:rPr>
-              <a:t>tidak</a:t>
-            </a:r>
-            <a:r>
-              <a:rPr lang="en-US" dirty="0">
-                <a:solidFill>
-                  <a:schemeClr val="tx1"/>
-                </a:solidFill>
-                <a:latin typeface="Comic Sans MS" pitchFamily="66" charset="0"/>
-              </a:rPr>
-              <a:t> </a:t>
-            </a:r>
-            <a:r>
-              <a:rPr lang="en-US" dirty="0" err="1">
-                <a:solidFill>
-                  <a:schemeClr val="tx1"/>
-                </a:solidFill>
-                <a:latin typeface="Comic Sans MS" pitchFamily="66" charset="0"/>
-              </a:rPr>
-              <a:t>pernah</a:t>
-            </a:r>
-            <a:r>
-              <a:rPr lang="en-US" dirty="0">
-                <a:solidFill>
-                  <a:schemeClr val="tx1"/>
-                </a:solidFill>
-                <a:latin typeface="Comic Sans MS" pitchFamily="66" charset="0"/>
-              </a:rPr>
-              <a:t> </a:t>
-            </a:r>
-            <a:r>
-              <a:rPr lang="en-US" dirty="0" err="1">
-                <a:solidFill>
-                  <a:schemeClr val="tx1"/>
-                </a:solidFill>
-                <a:latin typeface="Comic Sans MS" pitchFamily="66" charset="0"/>
-              </a:rPr>
-              <a:t>selesai</a:t>
-            </a:r>
-            <a:r>
-              <a:rPr lang="en-US" dirty="0">
-                <a:solidFill>
-                  <a:schemeClr val="tx1"/>
-                </a:solidFill>
-                <a:latin typeface="Comic Sans MS" pitchFamily="66" charset="0"/>
-              </a:rPr>
-              <a:t> </a:t>
-            </a:r>
-            <a:r>
-              <a:rPr lang="en-US" dirty="0" err="1">
-                <a:solidFill>
-                  <a:schemeClr val="tx1"/>
-                </a:solidFill>
-                <a:latin typeface="Comic Sans MS" pitchFamily="66" charset="0"/>
-              </a:rPr>
-              <a:t>dan</a:t>
-            </a:r>
-            <a:r>
-              <a:rPr lang="en-US" dirty="0">
-                <a:solidFill>
-                  <a:schemeClr val="tx1"/>
-                </a:solidFill>
-                <a:latin typeface="Comic Sans MS" pitchFamily="66" charset="0"/>
-              </a:rPr>
-              <a:t> 50% </a:t>
-            </a:r>
-            <a:r>
-              <a:rPr lang="en-US" dirty="0" err="1">
-                <a:solidFill>
-                  <a:schemeClr val="tx1"/>
-                </a:solidFill>
-                <a:latin typeface="Comic Sans MS" pitchFamily="66" charset="0"/>
-              </a:rPr>
-              <a:t>berhasil</a:t>
-            </a:r>
-            <a:r>
-              <a:rPr lang="en-US" dirty="0">
-                <a:solidFill>
-                  <a:schemeClr val="tx1"/>
-                </a:solidFill>
-                <a:latin typeface="Comic Sans MS" pitchFamily="66" charset="0"/>
-              </a:rPr>
-              <a:t> </a:t>
-            </a:r>
-            <a:r>
-              <a:rPr lang="en-US" dirty="0" err="1">
-                <a:solidFill>
-                  <a:schemeClr val="tx1"/>
-                </a:solidFill>
-                <a:latin typeface="Comic Sans MS" pitchFamily="66" charset="0"/>
-              </a:rPr>
-              <a:t>hanya</a:t>
-            </a:r>
-            <a:r>
-              <a:rPr lang="en-US" dirty="0">
-                <a:solidFill>
-                  <a:schemeClr val="tx1"/>
-                </a:solidFill>
-                <a:latin typeface="Comic Sans MS" pitchFamily="66" charset="0"/>
-              </a:rPr>
-              <a:t>    </a:t>
-            </a:r>
-            <a:r>
-              <a:rPr lang="en-US" dirty="0" err="1">
-                <a:solidFill>
-                  <a:schemeClr val="tx1"/>
-                </a:solidFill>
-                <a:latin typeface="Comic Sans MS" pitchFamily="66" charset="0"/>
-              </a:rPr>
-              <a:t>sebagian</a:t>
-            </a:r>
-            <a:endParaRPr lang="en-US" dirty="0">
-              <a:solidFill>
-                <a:schemeClr val="tx1"/>
-              </a:solidFill>
-              <a:latin typeface="Comic Sans MS" pitchFamily="66" charset="0"/>
-            </a:endParaRPr>
+              <a:t> proses requirement engineering” (Boehm81)</a:t>
+            </a:r>
           </a:p>
           <a:p>
             <a:pPr marL="45720" indent="0" algn="just">
@@ -6766,20 +7088,6 @@
               <a:latin typeface="Comic Sans MS" pitchFamily="66" charset="0"/>
             </a:endParaRPr>
           </a:p>
-          <a:p>
-            <a:pPr marL="45720" indent="0" algn="just">
-              <a:lnSpc>
-                <a:spcPct val="150000"/>
-              </a:lnSpc>
-              <a:buNone/>
-            </a:pPr>
-            <a:endParaRPr lang="en-US" dirty="0">
-              <a:solidFill>
-                <a:schemeClr val="tx1"/>
-              </a:solidFill>
-              <a:latin typeface="Comic Sans MS" pitchFamily="66" charset="0"/>
-            </a:endParaRPr>
-          </a:p>
         </p:txBody>
       </p:sp>
       <p:sp>
@@ -6794,7 +7102,7 @@
         </p:nvSpPr>
         <p:spPr>
           <a:xfrm>
-            <a:off x="228600" y="533400"/>
+            <a:off x="304800" y="533400"/>
             <a:ext cx="8686800" cy="685800"/>
           </a:xfrm>
         </p:spPr>
@@ -6827,13 +7135,20 @@
     </p:spTree>
     <p:extLst>
       <p:ext uri="{BB962C8B-B14F-4D97-AF65-F5344CB8AC3E}">
-        <p14:creationId xmlns:p14="http://schemas.microsoft.com/office/powerpoint/2010/main" val="3617786607"/>
+        <p14:creationId xmlns:p14="http://schemas.microsoft.com/office/powerpoint/2010/main" val="2403625208"/>
       </p:ext>
     </p:extLst>
   </p:cSld>
   <p:clrMapOvr>
     <a:masterClrMapping/>
   </p:clrMapOvr>
+  <p:timing>
+    <p:tnLst>
+      <p:par>
+        <p:cTn id="1" dur="indefinite" restart="never" nodeType="tmRoot"/>
+      </p:par>
+    </p:tnLst>
+  </p:timing>
 </p:sld>
 </file>
 
@@ -6856,787 +7171,82 @@
       </p:grpSpPr>
       <p:sp>
         <p:nvSpPr>
-          <p:cNvPr id="3" name="Content Placeholder 2"/>
+          <p:cNvPr id="43" name="Content Placeholder 2"/>
           <p:cNvSpPr>
             <a:spLocks noGrp="1"/>
           </p:cNvSpPr>
           <p:nvPr>
-            <p:ph sz="quarter" idx="4294967295"/>
+            <p:ph idx="1"/>
           </p:nvPr>
         </p:nvSpPr>
         <p:spPr>
           <a:xfrm>
-            <a:off x="457200" y="1752600"/>
-            <a:ext cx="8229600" cy="4800600"/>
+            <a:off x="2514600" y="3124200"/>
+            <a:ext cx="4495800" cy="1066800"/>
           </a:xfrm>
           <a:prstGeom prst="rect">
             <a:avLst/>
           </a:prstGeom>
         </p:spPr>
         <p:txBody>
-          <a:bodyPr/>
+          <a:bodyPr>
+            <a:normAutofit fontScale="77500" lnSpcReduction="20000"/>
+          </a:bodyPr>
           <a:lstStyle/>
           <a:p>
-            <a:pPr marL="0" indent="0" algn="just">
-              <a:lnSpc>
-                <a:spcPct val="150000"/>
-              </a:lnSpc>
-              <a:buNone/>
+            <a:pPr marL="0" indent="0">
+              <a:buNone/>
+              <a:defRPr/>
             </a:pPr>
-            <a:endParaRPr lang="en-US" dirty="0">
+            <a:r>
+              <a:rPr lang="en-US" sz="5400" dirty="0">
+                <a:solidFill>
+                  <a:schemeClr val="tx1"/>
+                </a:solidFill>
+                <a:latin typeface="Comic Sans MS" pitchFamily="66" charset="0"/>
+                <a:cs typeface="Times New Roman" pitchFamily="18" charset="0"/>
+              </a:rPr>
+              <a:t>TERIMA KASIH</a:t>
+            </a:r>
+            <a:endParaRPr lang="id-ID" sz="4000" dirty="0">
               <a:solidFill>
                 <a:schemeClr val="tx1"/>
               </a:solidFill>
               <a:latin typeface="Comic Sans MS" pitchFamily="66" charset="0"/>
+              <a:cs typeface="Times New Roman" pitchFamily="18" charset="0"/>
             </a:endParaRPr>
           </a:p>
           <a:p>
-            <a:pPr algn="just">
-              <a:lnSpc>
-                <a:spcPct val="150000"/>
-              </a:lnSpc>
+            <a:pPr>
+              <a:defRPr/>
             </a:pPr>
-            <a:r>
-              <a:rPr lang="en-US" dirty="0" err="1">
-                <a:solidFill>
-                  <a:schemeClr val="tx1"/>
-                </a:solidFill>
-                <a:latin typeface="Comic Sans MS" pitchFamily="66" charset="0"/>
-              </a:rPr>
-              <a:t>Banyaknya</a:t>
-            </a:r>
-            <a:r>
-              <a:rPr lang="en-US" dirty="0">
-                <a:solidFill>
-                  <a:schemeClr val="tx1"/>
-                </a:solidFill>
-                <a:latin typeface="Comic Sans MS" pitchFamily="66" charset="0"/>
-              </a:rPr>
-              <a:t> </a:t>
-            </a:r>
-            <a:r>
-              <a:rPr lang="en-US" dirty="0" err="1">
-                <a:solidFill>
-                  <a:schemeClr val="tx1"/>
-                </a:solidFill>
-                <a:latin typeface="Comic Sans MS" pitchFamily="66" charset="0"/>
-              </a:rPr>
-              <a:t>masalah</a:t>
-            </a:r>
-            <a:r>
-              <a:rPr lang="en-US" dirty="0">
-                <a:solidFill>
-                  <a:schemeClr val="tx1"/>
-                </a:solidFill>
-                <a:latin typeface="Comic Sans MS" pitchFamily="66" charset="0"/>
-              </a:rPr>
-              <a:t> yang </a:t>
-            </a:r>
-            <a:r>
-              <a:rPr lang="en-US" dirty="0" err="1">
-                <a:solidFill>
-                  <a:schemeClr val="tx1"/>
-                </a:solidFill>
-                <a:latin typeface="Comic Sans MS" pitchFamily="66" charset="0"/>
-              </a:rPr>
-              <a:t>dirasakan</a:t>
-            </a:r>
-            <a:r>
-              <a:rPr lang="en-US" dirty="0">
-                <a:solidFill>
-                  <a:schemeClr val="tx1"/>
-                </a:solidFill>
-                <a:latin typeface="Comic Sans MS" pitchFamily="66" charset="0"/>
-              </a:rPr>
-              <a:t> </a:t>
-            </a:r>
-            <a:r>
-              <a:rPr lang="en-US" dirty="0" err="1">
-                <a:solidFill>
-                  <a:schemeClr val="tx1"/>
-                </a:solidFill>
-                <a:latin typeface="Comic Sans MS" pitchFamily="66" charset="0"/>
-              </a:rPr>
-              <a:t>terkait</a:t>
-            </a:r>
-            <a:r>
-              <a:rPr lang="en-US" dirty="0">
-                <a:solidFill>
-                  <a:schemeClr val="tx1"/>
-                </a:solidFill>
-                <a:latin typeface="Comic Sans MS" pitchFamily="66" charset="0"/>
-              </a:rPr>
-              <a:t> </a:t>
-            </a:r>
-            <a:r>
-              <a:rPr lang="en-US" dirty="0" err="1">
-                <a:solidFill>
-                  <a:schemeClr val="tx1"/>
-                </a:solidFill>
-                <a:latin typeface="Comic Sans MS" pitchFamily="66" charset="0"/>
-              </a:rPr>
-              <a:t>dengan</a:t>
-            </a:r>
-            <a:r>
-              <a:rPr lang="en-US" dirty="0">
-                <a:solidFill>
-                  <a:schemeClr val="tx1"/>
-                </a:solidFill>
-                <a:latin typeface="Comic Sans MS" pitchFamily="66" charset="0"/>
-              </a:rPr>
-              <a:t> </a:t>
-            </a:r>
-            <a:r>
-              <a:rPr lang="en-US" dirty="0" err="1">
-                <a:solidFill>
-                  <a:schemeClr val="tx1"/>
-                </a:solidFill>
-                <a:latin typeface="Comic Sans MS" pitchFamily="66" charset="0"/>
-              </a:rPr>
-              <a:t>spesifikasi</a:t>
-            </a:r>
-            <a:r>
-              <a:rPr lang="en-US" dirty="0">
-                <a:solidFill>
-                  <a:schemeClr val="tx1"/>
-                </a:solidFill>
-                <a:latin typeface="Comic Sans MS" pitchFamily="66" charset="0"/>
-              </a:rPr>
-              <a:t> </a:t>
-            </a:r>
-            <a:r>
-              <a:rPr lang="en-US" dirty="0" err="1">
-                <a:solidFill>
-                  <a:schemeClr val="tx1"/>
-                </a:solidFill>
-                <a:latin typeface="Comic Sans MS" pitchFamily="66" charset="0"/>
-              </a:rPr>
-              <a:t>kebutuhan</a:t>
-            </a:r>
-            <a:r>
-              <a:rPr lang="en-US" dirty="0">
-                <a:solidFill>
-                  <a:schemeClr val="tx1"/>
-                </a:solidFill>
-                <a:latin typeface="Comic Sans MS" pitchFamily="66" charset="0"/>
-              </a:rPr>
-              <a:t> (&gt;50%) – (ESI96)</a:t>
-            </a:r>
-          </a:p>
-          <a:p>
-            <a:pPr marL="45720" indent="0" algn="just">
-              <a:lnSpc>
-                <a:spcPct val="150000"/>
-              </a:lnSpc>
-              <a:buNone/>
-            </a:pPr>
-            <a:r>
-              <a:rPr lang="en-US" dirty="0">
-                <a:solidFill>
-                  <a:schemeClr val="tx1"/>
-                </a:solidFill>
-                <a:latin typeface="Comic Sans MS" pitchFamily="66" charset="0"/>
-              </a:rPr>
-              <a:t>		3800 </a:t>
-            </a:r>
-            <a:r>
-              <a:rPr lang="en-US" dirty="0" err="1">
-                <a:solidFill>
-                  <a:schemeClr val="tx1"/>
-                </a:solidFill>
-                <a:latin typeface="Comic Sans MS" pitchFamily="66" charset="0"/>
-              </a:rPr>
-              <a:t>organisasi</a:t>
-            </a:r>
-            <a:r>
-              <a:rPr lang="en-US" dirty="0">
-                <a:solidFill>
-                  <a:schemeClr val="tx1"/>
-                </a:solidFill>
-                <a:latin typeface="Comic Sans MS" pitchFamily="66" charset="0"/>
-              </a:rPr>
-              <a:t> di 17 </a:t>
-            </a:r>
-            <a:r>
-              <a:rPr lang="en-US" dirty="0" err="1">
-                <a:solidFill>
-                  <a:schemeClr val="tx1"/>
-                </a:solidFill>
-                <a:latin typeface="Comic Sans MS" pitchFamily="66" charset="0"/>
-              </a:rPr>
-              <a:t>negara</a:t>
-            </a:r>
-            <a:r>
-              <a:rPr lang="en-US" dirty="0">
-                <a:solidFill>
-                  <a:schemeClr val="tx1"/>
-                </a:solidFill>
-                <a:latin typeface="Comic Sans MS" pitchFamily="66" charset="0"/>
-              </a:rPr>
-              <a:t> </a:t>
-            </a:r>
-            <a:r>
-              <a:rPr lang="en-US" dirty="0" err="1">
-                <a:solidFill>
-                  <a:schemeClr val="tx1"/>
-                </a:solidFill>
-                <a:latin typeface="Comic Sans MS" pitchFamily="66" charset="0"/>
-              </a:rPr>
-              <a:t>eropa</a:t>
-            </a:r>
-            <a:endParaRPr lang="en-US" dirty="0">
+            <a:endParaRPr lang="id-ID" sz="4000" dirty="0">
               <a:solidFill>
                 <a:schemeClr val="tx1"/>
               </a:solidFill>
               <a:latin typeface="Comic Sans MS" pitchFamily="66" charset="0"/>
+              <a:cs typeface="Times New Roman" pitchFamily="18" charset="0"/>
             </a:endParaRPr>
-          </a:p>
-          <a:p>
-            <a:pPr marL="45720" indent="0" algn="just">
-              <a:lnSpc>
-                <a:spcPct val="150000"/>
-              </a:lnSpc>
-              <a:buNone/>
-            </a:pPr>
-            <a:endParaRPr lang="en-US" dirty="0">
-              <a:solidFill>
-                <a:schemeClr val="tx1"/>
-              </a:solidFill>
-              <a:latin typeface="Comic Sans MS" pitchFamily="66" charset="0"/>
-            </a:endParaRPr>
-          </a:p>
-          <a:p>
-            <a:pPr marL="45720" indent="0" algn="just">
-              <a:lnSpc>
-                <a:spcPct val="150000"/>
-              </a:lnSpc>
-              <a:buNone/>
-            </a:pPr>
-            <a:endParaRPr lang="en-US" dirty="0">
-              <a:solidFill>
-                <a:schemeClr val="tx1"/>
-              </a:solidFill>
-              <a:latin typeface="Comic Sans MS" pitchFamily="66" charset="0"/>
-            </a:endParaRPr>
-          </a:p>
-        </p:txBody>
-      </p:sp>
-      <p:sp>
-        <p:nvSpPr>
-          <p:cNvPr id="4" name="Title 1"/>
-          <p:cNvSpPr>
-            <a:spLocks noGrp="1"/>
-          </p:cNvSpPr>
-          <p:nvPr>
-            <p:ph type="title"/>
-          </p:nvPr>
-        </p:nvSpPr>
-        <p:spPr>
-          <a:xfrm>
-            <a:off x="304800" y="304800"/>
-            <a:ext cx="8686800" cy="685800"/>
-          </a:xfrm>
-        </p:spPr>
-        <p:txBody>
-          <a:bodyPr/>
-          <a:lstStyle/>
-          <a:p>
-            <a:pPr marL="0" indent="0" algn="ctr">
-              <a:buNone/>
-            </a:pPr>
-            <a:r>
-              <a:rPr lang="en-US" sz="2800" dirty="0" err="1"/>
-              <a:t>Kenapa</a:t>
-            </a:r>
-            <a:r>
-              <a:rPr lang="en-US" sz="2800" dirty="0"/>
-              <a:t> Requirement Engineering </a:t>
-            </a:r>
-            <a:r>
-              <a:rPr lang="en-US" sz="2800" dirty="0" err="1"/>
-              <a:t>dibutuhkan</a:t>
-            </a:r>
-            <a:r>
-              <a:rPr lang="en-US" sz="2800" dirty="0"/>
-              <a:t>?</a:t>
-            </a:r>
           </a:p>
         </p:txBody>
       </p:sp>
     </p:spTree>
     <p:extLst>
       <p:ext uri="{BB962C8B-B14F-4D97-AF65-F5344CB8AC3E}">
-        <p14:creationId xmlns:p14="http://schemas.microsoft.com/office/powerpoint/2010/main" val="2694711299"/>
+        <p14:creationId xmlns:p14="http://schemas.microsoft.com/office/powerpoint/2010/main" val="3038176014"/>
       </p:ext>
     </p:extLst>
   </p:cSld>
   <p:clrMapOvr>
     <a:masterClrMapping/>
   </p:clrMapOvr>
-</p:sld>
-</file>
-
-<file path=ppt/slides/slide19.xml><?xml version="1.0" encoding="utf-8"?>
-<p:sld xmlns:a="http://schemas.openxmlformats.org/drawingml/2006/main" xmlns:r="http://schemas.openxmlformats.org/officeDocument/2006/relationships" xmlns:p="http://schemas.openxmlformats.org/presentationml/2006/main">
-  <p:cSld>
-    <p:spTree>
-      <p:nvGrpSpPr>
-        <p:cNvPr id="1" name=""/>
-        <p:cNvGrpSpPr/>
-        <p:nvPr/>
-      </p:nvGrpSpPr>
-      <p:grpSpPr>
-        <a:xfrm>
-          <a:off x="0" y="0"/>
-          <a:ext cx="0" cy="0"/>
-          <a:chOff x="0" y="0"/>
-          <a:chExt cx="0" cy="0"/>
-        </a:xfrm>
-      </p:grpSpPr>
-      <p:sp>
-        <p:nvSpPr>
-          <p:cNvPr id="3" name="Content Placeholder 2"/>
-          <p:cNvSpPr>
-            <a:spLocks noGrp="1"/>
-          </p:cNvSpPr>
-          <p:nvPr>
-            <p:ph sz="quarter" idx="4294967295"/>
-          </p:nvPr>
-        </p:nvSpPr>
-        <p:spPr>
-          <a:xfrm>
-            <a:off x="381000" y="1524000"/>
-            <a:ext cx="8229600" cy="4800600"/>
-          </a:xfrm>
-          <a:prstGeom prst="rect">
-            <a:avLst/>
-          </a:prstGeom>
-        </p:spPr>
-        <p:txBody>
-          <a:bodyPr/>
-          <a:lstStyle/>
-          <a:p>
-            <a:pPr marL="0" indent="0" algn="just">
-              <a:lnSpc>
-                <a:spcPct val="150000"/>
-              </a:lnSpc>
-              <a:buNone/>
-            </a:pPr>
-            <a:r>
-              <a:rPr lang="en-US" dirty="0">
-                <a:solidFill>
-                  <a:schemeClr val="tx1"/>
-                </a:solidFill>
-                <a:latin typeface="Comic Sans MS" pitchFamily="66" charset="0"/>
-              </a:rPr>
-              <a:t>“</a:t>
-            </a:r>
-            <a:r>
-              <a:rPr lang="en-US" dirty="0" err="1">
-                <a:solidFill>
-                  <a:schemeClr val="tx1"/>
-                </a:solidFill>
-                <a:latin typeface="Comic Sans MS" pitchFamily="66" charset="0"/>
-              </a:rPr>
-              <a:t>Kebutuhan</a:t>
-            </a:r>
-            <a:r>
-              <a:rPr lang="en-US" dirty="0">
-                <a:solidFill>
-                  <a:schemeClr val="tx1"/>
-                </a:solidFill>
-                <a:latin typeface="Comic Sans MS" pitchFamily="66" charset="0"/>
-              </a:rPr>
-              <a:t> yang </a:t>
-            </a:r>
-            <a:r>
-              <a:rPr lang="en-US" dirty="0" err="1">
-                <a:solidFill>
-                  <a:schemeClr val="tx1"/>
-                </a:solidFill>
-                <a:latin typeface="Comic Sans MS" pitchFamily="66" charset="0"/>
-              </a:rPr>
-              <a:t>tidak</a:t>
-            </a:r>
-            <a:r>
-              <a:rPr lang="en-US" dirty="0">
-                <a:solidFill>
-                  <a:schemeClr val="tx1"/>
-                </a:solidFill>
-                <a:latin typeface="Comic Sans MS" pitchFamily="66" charset="0"/>
-              </a:rPr>
-              <a:t> </a:t>
-            </a:r>
-            <a:r>
-              <a:rPr lang="en-US" dirty="0" err="1">
-                <a:solidFill>
-                  <a:schemeClr val="tx1"/>
-                </a:solidFill>
-                <a:latin typeface="Comic Sans MS" pitchFamily="66" charset="0"/>
-              </a:rPr>
-              <a:t>mencukupi</a:t>
-            </a:r>
-            <a:r>
-              <a:rPr lang="en-US" dirty="0">
-                <a:solidFill>
-                  <a:schemeClr val="tx1"/>
-                </a:solidFill>
-                <a:latin typeface="Comic Sans MS" pitchFamily="66" charset="0"/>
-              </a:rPr>
-              <a:t>, </a:t>
-            </a:r>
-            <a:r>
-              <a:rPr lang="en-US" dirty="0" err="1">
-                <a:solidFill>
-                  <a:schemeClr val="tx1"/>
-                </a:solidFill>
-                <a:latin typeface="Comic Sans MS" pitchFamily="66" charset="0"/>
-              </a:rPr>
-              <a:t>tidak</a:t>
-            </a:r>
-            <a:r>
-              <a:rPr lang="en-US" dirty="0">
-                <a:solidFill>
-                  <a:schemeClr val="tx1"/>
-                </a:solidFill>
-                <a:latin typeface="Comic Sans MS" pitchFamily="66" charset="0"/>
-              </a:rPr>
-              <a:t> </a:t>
-            </a:r>
-            <a:r>
-              <a:rPr lang="en-US" dirty="0" err="1">
-                <a:solidFill>
-                  <a:schemeClr val="tx1"/>
-                </a:solidFill>
-                <a:latin typeface="Comic Sans MS" pitchFamily="66" charset="0"/>
-              </a:rPr>
-              <a:t>konsisten</a:t>
-            </a:r>
-            <a:r>
-              <a:rPr lang="en-US" dirty="0">
-                <a:solidFill>
-                  <a:schemeClr val="tx1"/>
-                </a:solidFill>
-                <a:latin typeface="Comic Sans MS" pitchFamily="66" charset="0"/>
-              </a:rPr>
-              <a:t>, </a:t>
-            </a:r>
-            <a:r>
-              <a:rPr lang="en-US" dirty="0" err="1">
-                <a:solidFill>
-                  <a:schemeClr val="tx1"/>
-                </a:solidFill>
-                <a:latin typeface="Comic Sans MS" pitchFamily="66" charset="0"/>
-              </a:rPr>
-              <a:t>tidak</a:t>
-            </a:r>
-            <a:r>
-              <a:rPr lang="en-US" dirty="0">
-                <a:solidFill>
-                  <a:schemeClr val="tx1"/>
-                </a:solidFill>
-                <a:latin typeface="Comic Sans MS" pitchFamily="66" charset="0"/>
-              </a:rPr>
-              <a:t> </a:t>
-            </a:r>
-            <a:r>
-              <a:rPr lang="en-US" dirty="0" err="1">
-                <a:solidFill>
-                  <a:schemeClr val="tx1"/>
-                </a:solidFill>
-                <a:latin typeface="Comic Sans MS" pitchFamily="66" charset="0"/>
-              </a:rPr>
-              <a:t>lengkap</a:t>
-            </a:r>
-            <a:r>
-              <a:rPr lang="en-US" dirty="0">
-                <a:solidFill>
-                  <a:schemeClr val="tx1"/>
-                </a:solidFill>
-                <a:latin typeface="Comic Sans MS" pitchFamily="66" charset="0"/>
-              </a:rPr>
-              <a:t> </a:t>
-            </a:r>
-            <a:r>
-              <a:rPr lang="en-US" dirty="0" err="1">
-                <a:solidFill>
-                  <a:schemeClr val="tx1"/>
-                </a:solidFill>
-                <a:latin typeface="Comic Sans MS" pitchFamily="66" charset="0"/>
-              </a:rPr>
-              <a:t>atau</a:t>
-            </a:r>
-            <a:r>
-              <a:rPr lang="en-US" dirty="0">
-                <a:solidFill>
-                  <a:schemeClr val="tx1"/>
-                </a:solidFill>
-                <a:latin typeface="Comic Sans MS" pitchFamily="66" charset="0"/>
-              </a:rPr>
-              <a:t> </a:t>
-            </a:r>
-            <a:r>
-              <a:rPr lang="en-US" dirty="0" err="1">
-                <a:solidFill>
-                  <a:schemeClr val="tx1"/>
-                </a:solidFill>
-                <a:latin typeface="Comic Sans MS" pitchFamily="66" charset="0"/>
-              </a:rPr>
-              <a:t>ambigu</a:t>
-            </a:r>
-            <a:r>
-              <a:rPr lang="en-US" dirty="0">
-                <a:solidFill>
-                  <a:schemeClr val="tx1"/>
-                </a:solidFill>
-                <a:latin typeface="Comic Sans MS" pitchFamily="66" charset="0"/>
-              </a:rPr>
-              <a:t> </a:t>
-            </a:r>
-            <a:r>
-              <a:rPr lang="en-US" dirty="0" err="1">
-                <a:solidFill>
-                  <a:schemeClr val="tx1"/>
-                </a:solidFill>
-                <a:latin typeface="Comic Sans MS" pitchFamily="66" charset="0"/>
-              </a:rPr>
-              <a:t>mempunyai</a:t>
-            </a:r>
-            <a:r>
-              <a:rPr lang="en-US" dirty="0">
-                <a:solidFill>
-                  <a:schemeClr val="tx1"/>
-                </a:solidFill>
-                <a:latin typeface="Comic Sans MS" pitchFamily="66" charset="0"/>
-              </a:rPr>
-              <a:t> </a:t>
-            </a:r>
-            <a:r>
-              <a:rPr lang="en-US" dirty="0" err="1">
-                <a:solidFill>
-                  <a:schemeClr val="tx1"/>
-                </a:solidFill>
-                <a:latin typeface="Comic Sans MS" pitchFamily="66" charset="0"/>
-              </a:rPr>
-              <a:t>dampak</a:t>
-            </a:r>
-            <a:r>
-              <a:rPr lang="en-US" dirty="0">
-                <a:solidFill>
-                  <a:schemeClr val="tx1"/>
-                </a:solidFill>
-                <a:latin typeface="Comic Sans MS" pitchFamily="66" charset="0"/>
-              </a:rPr>
-              <a:t> yang </a:t>
-            </a:r>
-            <a:r>
-              <a:rPr lang="en-US" dirty="0" err="1">
-                <a:solidFill>
-                  <a:schemeClr val="tx1"/>
-                </a:solidFill>
-                <a:latin typeface="Comic Sans MS" pitchFamily="66" charset="0"/>
-              </a:rPr>
-              <a:t>kritis</a:t>
-            </a:r>
-            <a:r>
-              <a:rPr lang="en-US" dirty="0">
-                <a:solidFill>
-                  <a:schemeClr val="tx1"/>
-                </a:solidFill>
-                <a:latin typeface="Comic Sans MS" pitchFamily="66" charset="0"/>
-              </a:rPr>
-              <a:t> </a:t>
-            </a:r>
-            <a:r>
-              <a:rPr lang="en-US" dirty="0" err="1">
-                <a:solidFill>
-                  <a:schemeClr val="tx1"/>
-                </a:solidFill>
-                <a:latin typeface="Comic Sans MS" pitchFamily="66" charset="0"/>
-              </a:rPr>
-              <a:t>terhadap</a:t>
-            </a:r>
-            <a:r>
-              <a:rPr lang="en-US" dirty="0">
-                <a:solidFill>
-                  <a:schemeClr val="tx1"/>
-                </a:solidFill>
-                <a:latin typeface="Comic Sans MS" pitchFamily="66" charset="0"/>
-              </a:rPr>
-              <a:t> </a:t>
-            </a:r>
-            <a:r>
-              <a:rPr lang="en-US" dirty="0" err="1">
-                <a:solidFill>
-                  <a:schemeClr val="tx1"/>
-                </a:solidFill>
-                <a:latin typeface="Comic Sans MS" pitchFamily="66" charset="0"/>
-              </a:rPr>
-              <a:t>kualitas</a:t>
-            </a:r>
-            <a:r>
-              <a:rPr lang="en-US" dirty="0">
-                <a:solidFill>
-                  <a:schemeClr val="tx1"/>
-                </a:solidFill>
-                <a:latin typeface="Comic Sans MS" pitchFamily="66" charset="0"/>
-              </a:rPr>
-              <a:t> </a:t>
-            </a:r>
-            <a:r>
-              <a:rPr lang="en-US" dirty="0" err="1">
-                <a:solidFill>
-                  <a:schemeClr val="tx1"/>
-                </a:solidFill>
-                <a:latin typeface="Comic Sans MS" pitchFamily="66" charset="0"/>
-              </a:rPr>
-              <a:t>hasil</a:t>
-            </a:r>
-            <a:r>
-              <a:rPr lang="en-US" dirty="0">
-                <a:solidFill>
-                  <a:schemeClr val="tx1"/>
-                </a:solidFill>
-                <a:latin typeface="Comic Sans MS" pitchFamily="66" charset="0"/>
-              </a:rPr>
-              <a:t> </a:t>
-            </a:r>
-            <a:r>
-              <a:rPr lang="en-US" dirty="0" err="1">
-                <a:solidFill>
-                  <a:schemeClr val="tx1"/>
-                </a:solidFill>
-                <a:latin typeface="Comic Sans MS" pitchFamily="66" charset="0"/>
-              </a:rPr>
-              <a:t>perangkat</a:t>
-            </a:r>
-            <a:r>
-              <a:rPr lang="en-US" dirty="0">
-                <a:solidFill>
-                  <a:schemeClr val="tx1"/>
-                </a:solidFill>
-                <a:latin typeface="Comic Sans MS" pitchFamily="66" charset="0"/>
-              </a:rPr>
-              <a:t> </a:t>
-            </a:r>
-            <a:r>
-              <a:rPr lang="en-US" dirty="0" err="1">
-                <a:solidFill>
-                  <a:schemeClr val="tx1"/>
-                </a:solidFill>
-                <a:latin typeface="Comic Sans MS" pitchFamily="66" charset="0"/>
-              </a:rPr>
-              <a:t>lunak</a:t>
-            </a:r>
-            <a:r>
-              <a:rPr lang="en-US" dirty="0">
-                <a:solidFill>
-                  <a:schemeClr val="tx1"/>
-                </a:solidFill>
-                <a:latin typeface="Comic Sans MS" pitchFamily="66" charset="0"/>
-              </a:rPr>
-              <a:t> </a:t>
-            </a:r>
-            <a:r>
-              <a:rPr lang="en-US" dirty="0" err="1">
-                <a:solidFill>
-                  <a:schemeClr val="tx1"/>
-                </a:solidFill>
-                <a:latin typeface="Comic Sans MS" pitchFamily="66" charset="0"/>
-              </a:rPr>
-              <a:t>tersebut</a:t>
-            </a:r>
-            <a:r>
-              <a:rPr lang="en-US" dirty="0">
-                <a:solidFill>
-                  <a:schemeClr val="tx1"/>
-                </a:solidFill>
-                <a:latin typeface="Comic Sans MS" pitchFamily="66" charset="0"/>
-              </a:rPr>
-              <a:t>” (Bell&amp;Tayer76)</a:t>
-            </a:r>
-          </a:p>
-          <a:p>
-            <a:pPr algn="just">
-              <a:lnSpc>
-                <a:spcPct val="150000"/>
-              </a:lnSpc>
-            </a:pPr>
-            <a:endParaRPr lang="en-US" dirty="0">
-              <a:solidFill>
-                <a:schemeClr val="tx1"/>
-              </a:solidFill>
-              <a:latin typeface="Comic Sans MS" pitchFamily="66" charset="0"/>
-            </a:endParaRPr>
-          </a:p>
-          <a:p>
-            <a:pPr marL="45720" indent="0" algn="just">
-              <a:lnSpc>
-                <a:spcPct val="150000"/>
-              </a:lnSpc>
-              <a:buNone/>
-            </a:pPr>
-            <a:endParaRPr lang="en-US" dirty="0">
-              <a:solidFill>
-                <a:schemeClr val="tx1"/>
-              </a:solidFill>
-              <a:latin typeface="Comic Sans MS" pitchFamily="66" charset="0"/>
-            </a:endParaRPr>
-          </a:p>
-        </p:txBody>
-      </p:sp>
-      <p:sp>
-        <p:nvSpPr>
-          <p:cNvPr id="4" name="Title 1"/>
-          <p:cNvSpPr>
-            <a:spLocks noGrp="1"/>
-          </p:cNvSpPr>
-          <p:nvPr>
-            <p:ph type="title"/>
-          </p:nvPr>
-        </p:nvSpPr>
-        <p:spPr>
-          <a:xfrm>
-            <a:off x="152400" y="381000"/>
-            <a:ext cx="8686800" cy="685800"/>
-          </a:xfrm>
-        </p:spPr>
-        <p:txBody>
-          <a:bodyPr/>
-          <a:lstStyle/>
-          <a:p>
-            <a:pPr marL="0" indent="0" algn="ctr">
-              <a:buNone/>
-            </a:pPr>
-            <a:r>
-              <a:rPr lang="en-US" sz="2800" dirty="0" err="1"/>
-              <a:t>Kenapa</a:t>
-            </a:r>
-            <a:r>
-              <a:rPr lang="en-US" sz="2800" dirty="0"/>
-              <a:t> Requirement Engineering </a:t>
-            </a:r>
-            <a:r>
-              <a:rPr lang="en-US" sz="2800" dirty="0" err="1"/>
-              <a:t>dibutuhkan</a:t>
-            </a:r>
-            <a:r>
-              <a:rPr lang="en-US" sz="2800" dirty="0"/>
-              <a:t>?</a:t>
-            </a:r>
-          </a:p>
-        </p:txBody>
-      </p:sp>
-    </p:spTree>
-    <p:extLst>
-      <p:ext uri="{BB962C8B-B14F-4D97-AF65-F5344CB8AC3E}">
-        <p14:creationId xmlns:p14="http://schemas.microsoft.com/office/powerpoint/2010/main" val="3676907999"/>
-      </p:ext>
-    </p:extLst>
-  </p:cSld>
-  <p:clrMapOvr>
-    <a:masterClrMapping/>
-  </p:clrMapOvr>
+  <p:timing>
+    <p:tnLst>
+      <p:par>
+        <p:cTn id="1" dur="indefinite" restart="never" nodeType="tmRoot"/>
+      </p:par>
+    </p:tnLst>
+  </p:timing>
 </p:sld>
 </file>
 
@@ -7725,50 +7335,6 @@
                 <a:latin typeface="Comic Sans MS" pitchFamily="66" charset="0"/>
                 <a:cs typeface="Times New Roman" pitchFamily="18" charset="0"/>
               </a:rPr>
-              <a:t>Tujuan</a:t>
-            </a:r>
-            <a:r>
-              <a:rPr lang="en-US" dirty="0">
-                <a:solidFill>
-                  <a:schemeClr val="tx1"/>
-                </a:solidFill>
-                <a:latin typeface="Comic Sans MS" pitchFamily="66" charset="0"/>
-                <a:cs typeface="Times New Roman" pitchFamily="18" charset="0"/>
-              </a:rPr>
-              <a:t> </a:t>
-            </a:r>
-            <a:r>
-              <a:rPr lang="en-US" dirty="0" err="1">
-                <a:solidFill>
-                  <a:schemeClr val="tx1"/>
-                </a:solidFill>
-                <a:latin typeface="Comic Sans MS" pitchFamily="66" charset="0"/>
-                <a:cs typeface="Times New Roman" pitchFamily="18" charset="0"/>
-              </a:rPr>
-              <a:t>perkuliahan</a:t>
-            </a:r>
-            <a:endParaRPr lang="en-US" dirty="0">
-              <a:solidFill>
-                <a:schemeClr val="tx1"/>
-              </a:solidFill>
-              <a:latin typeface="Comic Sans MS" pitchFamily="66" charset="0"/>
-              <a:cs typeface="Times New Roman" pitchFamily="18" charset="0"/>
-            </a:endParaRPr>
-          </a:p>
-          <a:p>
-            <a:pPr>
-              <a:lnSpc>
-                <a:spcPct val="150000"/>
-              </a:lnSpc>
-            </a:pPr>
-            <a:r>
-              <a:rPr lang="en-US" dirty="0" err="1">
-                <a:solidFill>
-                  <a:schemeClr val="tx1"/>
-                </a:solidFill>
-                <a:latin typeface="Comic Sans MS" pitchFamily="66" charset="0"/>
-                <a:cs typeface="Times New Roman" pitchFamily="18" charset="0"/>
-              </a:rPr>
               <a:t>Kontrak</a:t>
             </a:r>
             <a:r>
@@ -7958,404 +7524,13 @@
   <p:clrMapOvr>
     <a:masterClrMapping/>
   </p:clrMapOvr>
-</p:sld>
-</file>
-
-<file path=ppt/slides/slide20.xml><?xml version="1.0" encoding="utf-8"?>
-<p:sld xmlns:a="http://schemas.openxmlformats.org/drawingml/2006/main" xmlns:r="http://schemas.openxmlformats.org/officeDocument/2006/relationships" xmlns:p="http://schemas.openxmlformats.org/presentationml/2006/main">
-  <p:cSld>
-    <p:spTree>
-      <p:nvGrpSpPr>
-        <p:cNvPr id="1" name=""/>
-        <p:cNvGrpSpPr/>
-        <p:nvPr/>
-      </p:nvGrpSpPr>
-      <p:grpSpPr>
-        <a:xfrm>
-          <a:off x="0" y="0"/>
-          <a:ext cx="0" cy="0"/>
-          <a:chOff x="0" y="0"/>
-          <a:chExt cx="0" cy="0"/>
-        </a:xfrm>
-      </p:grpSpPr>
-      <p:sp>
-        <p:nvSpPr>
-          <p:cNvPr id="3" name="Content Placeholder 2"/>
-          <p:cNvSpPr>
-            <a:spLocks noGrp="1"/>
-          </p:cNvSpPr>
-          <p:nvPr>
-            <p:ph sz="quarter" idx="4294967295"/>
-          </p:nvPr>
-        </p:nvSpPr>
-        <p:spPr>
-          <a:xfrm>
-            <a:off x="457200" y="1447800"/>
-            <a:ext cx="8229600" cy="4800600"/>
-          </a:xfrm>
-          <a:prstGeom prst="rect">
-            <a:avLst/>
-          </a:prstGeom>
-        </p:spPr>
-        <p:txBody>
-          <a:bodyPr/>
-          <a:lstStyle/>
-          <a:p>
-            <a:pPr marL="0" indent="0" algn="just">
-              <a:lnSpc>
-                <a:spcPct val="150000"/>
-              </a:lnSpc>
-              <a:buNone/>
-            </a:pPr>
-            <a:r>
-              <a:rPr lang="en-US" dirty="0">
-                <a:solidFill>
-                  <a:schemeClr val="tx1"/>
-                </a:solidFill>
-                <a:latin typeface="Comic Sans MS" pitchFamily="66" charset="0"/>
-              </a:rPr>
-              <a:t>“</a:t>
-            </a:r>
-            <a:r>
-              <a:rPr lang="en-US" dirty="0" err="1">
-                <a:solidFill>
-                  <a:schemeClr val="tx1"/>
-                </a:solidFill>
-                <a:latin typeface="Comic Sans MS" pitchFamily="66" charset="0"/>
-              </a:rPr>
-              <a:t>Keterlambatan</a:t>
-            </a:r>
-            <a:r>
-              <a:rPr lang="en-US" dirty="0">
-                <a:solidFill>
-                  <a:schemeClr val="tx1"/>
-                </a:solidFill>
-                <a:latin typeface="Comic Sans MS" pitchFamily="66" charset="0"/>
-              </a:rPr>
-              <a:t> </a:t>
-            </a:r>
-            <a:r>
-              <a:rPr lang="en-US" dirty="0" err="1">
-                <a:solidFill>
-                  <a:schemeClr val="tx1"/>
-                </a:solidFill>
-                <a:latin typeface="Comic Sans MS" pitchFamily="66" charset="0"/>
-              </a:rPr>
-              <a:t>koreksi</a:t>
-            </a:r>
-            <a:r>
-              <a:rPr lang="en-US" dirty="0">
-                <a:solidFill>
-                  <a:schemeClr val="tx1"/>
-                </a:solidFill>
-                <a:latin typeface="Comic Sans MS" pitchFamily="66" charset="0"/>
-              </a:rPr>
-              <a:t> </a:t>
-            </a:r>
-            <a:r>
-              <a:rPr lang="en-US" dirty="0" err="1">
-                <a:solidFill>
-                  <a:schemeClr val="tx1"/>
-                </a:solidFill>
-                <a:latin typeface="Comic Sans MS" pitchFamily="66" charset="0"/>
-              </a:rPr>
-              <a:t>dari</a:t>
-            </a:r>
-            <a:r>
-              <a:rPr lang="en-US" dirty="0">
-                <a:solidFill>
-                  <a:schemeClr val="tx1"/>
-                </a:solidFill>
-                <a:latin typeface="Comic Sans MS" pitchFamily="66" charset="0"/>
-              </a:rPr>
-              <a:t> </a:t>
-            </a:r>
-            <a:r>
-              <a:rPr lang="en-US" dirty="0" err="1">
-                <a:solidFill>
-                  <a:schemeClr val="tx1"/>
-                </a:solidFill>
-                <a:latin typeface="Comic Sans MS" pitchFamily="66" charset="0"/>
-              </a:rPr>
-              <a:t>kesalahan</a:t>
-            </a:r>
-            <a:r>
-              <a:rPr lang="en-US" dirty="0">
-                <a:solidFill>
-                  <a:schemeClr val="tx1"/>
-                </a:solidFill>
-                <a:latin typeface="Comic Sans MS" pitchFamily="66" charset="0"/>
-              </a:rPr>
-              <a:t> </a:t>
-            </a:r>
-            <a:r>
-              <a:rPr lang="en-US" dirty="0" err="1">
-                <a:solidFill>
-                  <a:schemeClr val="tx1"/>
-                </a:solidFill>
-                <a:latin typeface="Comic Sans MS" pitchFamily="66" charset="0"/>
-              </a:rPr>
-              <a:t>meningkatkan</a:t>
-            </a:r>
-            <a:r>
-              <a:rPr lang="en-US" dirty="0">
-                <a:solidFill>
-                  <a:schemeClr val="tx1"/>
-                </a:solidFill>
-                <a:latin typeface="Comic Sans MS" pitchFamily="66" charset="0"/>
-              </a:rPr>
-              <a:t> </a:t>
-            </a:r>
-            <a:r>
-              <a:rPr lang="en-US" dirty="0" err="1">
-                <a:solidFill>
-                  <a:schemeClr val="tx1"/>
-                </a:solidFill>
-                <a:latin typeface="Comic Sans MS" pitchFamily="66" charset="0"/>
-              </a:rPr>
-              <a:t>biaya</a:t>
-            </a:r>
-            <a:r>
-              <a:rPr lang="en-US" dirty="0">
-                <a:solidFill>
-                  <a:schemeClr val="tx1"/>
-                </a:solidFill>
-                <a:latin typeface="Comic Sans MS" pitchFamily="66" charset="0"/>
-              </a:rPr>
-              <a:t> </a:t>
-            </a:r>
-            <a:r>
-              <a:rPr lang="en-US" dirty="0" err="1">
-                <a:solidFill>
-                  <a:schemeClr val="tx1"/>
-                </a:solidFill>
-                <a:latin typeface="Comic Sans MS" pitchFamily="66" charset="0"/>
-              </a:rPr>
-              <a:t>sampai</a:t>
-            </a:r>
-            <a:r>
-              <a:rPr lang="en-US" dirty="0">
-                <a:solidFill>
-                  <a:schemeClr val="tx1"/>
-                </a:solidFill>
-                <a:latin typeface="Comic Sans MS" pitchFamily="66" charset="0"/>
-              </a:rPr>
-              <a:t> 200 kali </a:t>
-            </a:r>
-            <a:r>
-              <a:rPr lang="en-US" dirty="0" err="1">
-                <a:solidFill>
-                  <a:schemeClr val="tx1"/>
-                </a:solidFill>
-                <a:latin typeface="Comic Sans MS" pitchFamily="66" charset="0"/>
-              </a:rPr>
-              <a:t>lebih</a:t>
-            </a:r>
-            <a:r>
-              <a:rPr lang="en-US" dirty="0">
-                <a:solidFill>
-                  <a:schemeClr val="tx1"/>
-                </a:solidFill>
-                <a:latin typeface="Comic Sans MS" pitchFamily="66" charset="0"/>
-              </a:rPr>
-              <a:t> </a:t>
-            </a:r>
-            <a:r>
-              <a:rPr lang="en-US" dirty="0" err="1">
-                <a:solidFill>
-                  <a:schemeClr val="tx1"/>
-                </a:solidFill>
-                <a:latin typeface="Comic Sans MS" pitchFamily="66" charset="0"/>
-              </a:rPr>
-              <a:t>banyak</a:t>
-            </a:r>
-            <a:r>
-              <a:rPr lang="en-US" dirty="0">
-                <a:solidFill>
-                  <a:schemeClr val="tx1"/>
-                </a:solidFill>
-                <a:latin typeface="Comic Sans MS" pitchFamily="66" charset="0"/>
-              </a:rPr>
-              <a:t> </a:t>
-            </a:r>
-            <a:r>
-              <a:rPr lang="en-US" dirty="0" err="1">
-                <a:solidFill>
-                  <a:schemeClr val="tx1"/>
-                </a:solidFill>
-                <a:latin typeface="Comic Sans MS" pitchFamily="66" charset="0"/>
-              </a:rPr>
-              <a:t>selama</a:t>
-            </a:r>
-            <a:r>
-              <a:rPr lang="en-US" dirty="0">
-                <a:solidFill>
-                  <a:schemeClr val="tx1"/>
-                </a:solidFill>
-                <a:latin typeface="Comic Sans MS" pitchFamily="66" charset="0"/>
-              </a:rPr>
-              <a:t> proses requirement engineering” (Boehm81)</a:t>
-            </a:r>
-          </a:p>
-          <a:p>
-            <a:pPr marL="45720" indent="0" algn="just">
-              <a:lnSpc>
-                <a:spcPct val="150000"/>
-              </a:lnSpc>
-              <a:buNone/>
-            </a:pPr>
-            <a:endParaRPr lang="en-US" dirty="0">
-              <a:solidFill>
-                <a:schemeClr val="tx1"/>
-              </a:solidFill>
-              <a:latin typeface="Comic Sans MS" pitchFamily="66" charset="0"/>
-            </a:endParaRPr>
-          </a:p>
-        </p:txBody>
-      </p:sp>
-      <p:sp>
-        <p:nvSpPr>
-          <p:cNvPr id="4" name="Title 1"/>
-          <p:cNvSpPr>
-            <a:spLocks noGrp="1"/>
-          </p:cNvSpPr>
-          <p:nvPr>
-            <p:ph type="title"/>
-          </p:nvPr>
-        </p:nvSpPr>
-        <p:spPr>
-          <a:xfrm>
-            <a:off x="304800" y="533400"/>
-            <a:ext cx="8686800" cy="685800"/>
-          </a:xfrm>
-        </p:spPr>
-        <p:txBody>
-          <a:bodyPr/>
-          <a:lstStyle/>
-          <a:p>
-            <a:pPr marL="0" indent="0" algn="ctr">
-              <a:buNone/>
-            </a:pPr>
-            <a:r>
-              <a:rPr lang="en-US" sz="2800" dirty="0" err="1"/>
-              <a:t>Kenapa</a:t>
-            </a:r>
-            <a:r>
-              <a:rPr lang="en-US" sz="2800" dirty="0"/>
-              <a:t> Requirement Engineering </a:t>
-            </a:r>
-            <a:r>
-              <a:rPr lang="en-US" sz="2800" dirty="0" err="1"/>
-              <a:t>dibutuhkan</a:t>
-            </a:r>
-            <a:r>
-              <a:rPr lang="en-US" sz="2800" dirty="0"/>
-              <a:t>?</a:t>
-            </a:r>
-          </a:p>
-        </p:txBody>
-      </p:sp>
-    </p:spTree>
-    <p:extLst>
-      <p:ext uri="{BB962C8B-B14F-4D97-AF65-F5344CB8AC3E}">
-        <p14:creationId xmlns:p14="http://schemas.microsoft.com/office/powerpoint/2010/main" val="2403625208"/>
-      </p:ext>
-    </p:extLst>
-  </p:cSld>
-  <p:clrMapOvr>
-    <a:masterClrMapping/>
-  </p:clrMapOvr>
-</p:sld>
-</file>
-
-<file path=ppt/slides/slide21.xml><?xml version="1.0" encoding="utf-8"?>
-<p:sld xmlns:a="http://schemas.openxmlformats.org/drawingml/2006/main" xmlns:r="http://schemas.openxmlformats.org/officeDocument/2006/relationships" xmlns:p="http://schemas.openxmlformats.org/presentationml/2006/main">
-  <p:cSld>
-    <p:spTree>
-      <p:nvGrpSpPr>
-        <p:cNvPr id="1" name=""/>
-        <p:cNvGrpSpPr/>
-        <p:nvPr/>
-      </p:nvGrpSpPr>
-      <p:grpSpPr>
-        <a:xfrm>
-          <a:off x="0" y="0"/>
-          <a:ext cx="0" cy="0"/>
-          <a:chOff x="0" y="0"/>
-          <a:chExt cx="0" cy="0"/>
-        </a:xfrm>
-      </p:grpSpPr>
-      <p:sp>
-        <p:nvSpPr>
-          <p:cNvPr id="43" name="Content Placeholder 2"/>
-          <p:cNvSpPr>
-            <a:spLocks noGrp="1"/>
-          </p:cNvSpPr>
-          <p:nvPr>
-            <p:ph idx="1"/>
-          </p:nvPr>
-        </p:nvSpPr>
-        <p:spPr>
-          <a:xfrm>
-            <a:off x="2514600" y="3124200"/>
-            <a:ext cx="4495800" cy="1066800"/>
-          </a:xfrm>
-          <a:prstGeom prst="rect">
-            <a:avLst/>
-          </a:prstGeom>
-        </p:spPr>
-        <p:txBody>
-          <a:bodyPr>
-            <a:normAutofit fontScale="77500" lnSpcReduction="20000"/>
-          </a:bodyPr>
-          <a:lstStyle/>
-          <a:p>
-            <a:pPr marL="0" indent="0">
-              <a:buNone/>
-              <a:defRPr/>
-            </a:pPr>
-            <a:r>
-              <a:rPr lang="en-US" sz="5400" dirty="0">
-                <a:solidFill>
-                  <a:schemeClr val="tx1"/>
-                </a:solidFill>
-                <a:latin typeface="Comic Sans MS" pitchFamily="66" charset="0"/>
-                <a:cs typeface="Times New Roman" pitchFamily="18" charset="0"/>
-              </a:rPr>
-              <a:t>TERIMA KASIH</a:t>
-            </a:r>
-            <a:endParaRPr lang="id-ID" sz="4000" dirty="0">
-              <a:solidFill>
-                <a:schemeClr val="tx1"/>
-              </a:solidFill>
-              <a:latin typeface="Comic Sans MS" pitchFamily="66" charset="0"/>
-              <a:cs typeface="Times New Roman" pitchFamily="18" charset="0"/>
-            </a:endParaRPr>
-          </a:p>
-          <a:p>
-            <a:pPr>
-              <a:defRPr/>
-            </a:pPr>
-            <a:endParaRPr lang="id-ID" sz="4000" dirty="0">
-              <a:solidFill>
-                <a:schemeClr val="tx1"/>
-              </a:solidFill>
-              <a:latin typeface="Comic Sans MS" pitchFamily="66" charset="0"/>
-              <a:cs typeface="Times New Roman" pitchFamily="18" charset="0"/>
-            </a:endParaRPr>
-          </a:p>
-        </p:txBody>
-      </p:sp>
-    </p:spTree>
-    <p:extLst>
-      <p:ext uri="{BB962C8B-B14F-4D97-AF65-F5344CB8AC3E}">
-        <p14:creationId xmlns:p14="http://schemas.microsoft.com/office/powerpoint/2010/main" val="3038176014"/>
-      </p:ext>
-    </p:extLst>
-  </p:cSld>
-  <p:clrMapOvr>
-    <a:masterClrMapping/>
-  </p:clrMapOvr>
+  <p:timing>
+    <p:tnLst>
+      <p:par>
+        <p:cTn id="1" dur="indefinite" restart="never" nodeType="tmRoot"/>
+      </p:par>
+    </p:tnLst>
+  </p:timing>
 </p:sld>
 </file>
 
@@ -8404,7 +7579,7 @@
                 <a:latin typeface="Times New Roman" pitchFamily="18" charset="0"/>
                 <a:cs typeface="Times New Roman" pitchFamily="18" charset="0"/>
               </a:rPr>
-              <a:t>KONTRAK KULIAH (Default)</a:t>
+              <a:t>KONTRAK KULIAH</a:t>
             </a:r>
           </a:p>
         </p:txBody>
@@ -8430,7 +7605,7 @@
         </p:spPr>
         <p:txBody>
           <a:bodyPr>
-            <a:normAutofit lnSpcReduction="10000"/>
+            <a:normAutofit/>
           </a:bodyPr>
           <a:lstStyle/>
           <a:p>
@@ -8543,7 +7718,7 @@
                 <a:latin typeface="Comic Sans MS" pitchFamily="66" charset="0"/>
                 <a:cs typeface="Times New Roman" pitchFamily="18" charset="0"/>
               </a:rPr>
-              <a:t>Kehadiran     &gt;=75%</a:t>
+              <a:t>Kehadiran            &gt;=75%</a:t>
             </a:r>
           </a:p>
           <a:p>
@@ -8919,17 +8094,8 @@
             </a:endParaRPr>
           </a:p>
           <a:p>
-            <a:pPr marL="365760" indent="-256032">
-              <a:lnSpc>
-                <a:spcPct val="150000"/>
-              </a:lnSpc>
-              <a:spcBef>
-                <a:spcPct val="0"/>
-              </a:spcBef>
-              <a:buClr>
-                <a:schemeClr val="accent3"/>
-              </a:buClr>
-              <a:defRPr/>
+            <a:pPr marL="45720" indent="0">
+              <a:buNone/>
             </a:pPr>
             <a:endParaRPr lang="en-US" dirty="0">
               <a:solidFill>
@@ -8939,302 +8105,25 @@
               <a:cs typeface="Times New Roman" pitchFamily="18" charset="0"/>
             </a:endParaRPr>
           </a:p>
-          <a:p>
-            <a:pPr marL="365760" indent="-256032">
-              <a:lnSpc>
-                <a:spcPct val="150000"/>
-              </a:lnSpc>
-              <a:spcBef>
-                <a:spcPct val="0"/>
-              </a:spcBef>
-              <a:buClr>
-                <a:schemeClr val="accent3"/>
-              </a:buClr>
-              <a:defRPr/>
-            </a:pPr>
-            <a:r>
-              <a:rPr lang="en-US" dirty="0" err="1">
-                <a:solidFill>
-                  <a:schemeClr val="tx1"/>
-                </a:solidFill>
-                <a:latin typeface="Comic Sans MS" pitchFamily="66" charset="0"/>
-                <a:cs typeface="Times New Roman" pitchFamily="18" charset="0"/>
-              </a:rPr>
-              <a:t>Kontrak</a:t>
-            </a:r>
-            <a:r>
-              <a:rPr lang="en-US" dirty="0">
-                <a:solidFill>
-                  <a:schemeClr val="tx1"/>
-                </a:solidFill>
-                <a:latin typeface="Comic Sans MS" pitchFamily="66" charset="0"/>
-                <a:cs typeface="Times New Roman" pitchFamily="18" charset="0"/>
-              </a:rPr>
-              <a:t> </a:t>
-            </a:r>
-            <a:r>
-              <a:rPr lang="en-US" dirty="0" err="1">
-                <a:solidFill>
-                  <a:schemeClr val="tx1"/>
-                </a:solidFill>
-                <a:latin typeface="Comic Sans MS" pitchFamily="66" charset="0"/>
-                <a:cs typeface="Times New Roman" pitchFamily="18" charset="0"/>
-              </a:rPr>
-              <a:t>kuliah</a:t>
-            </a:r>
-            <a:r>
-              <a:rPr lang="en-US" dirty="0">
-                <a:solidFill>
-                  <a:schemeClr val="tx1"/>
-                </a:solidFill>
-                <a:latin typeface="Comic Sans MS" pitchFamily="66" charset="0"/>
-                <a:cs typeface="Times New Roman" pitchFamily="18" charset="0"/>
-              </a:rPr>
-              <a:t> </a:t>
-            </a:r>
-            <a:r>
-              <a:rPr lang="en-US" dirty="0" err="1">
-                <a:solidFill>
-                  <a:schemeClr val="tx1"/>
-                </a:solidFill>
-                <a:latin typeface="Comic Sans MS" pitchFamily="66" charset="0"/>
-                <a:cs typeface="Times New Roman" pitchFamily="18" charset="0"/>
-              </a:rPr>
-              <a:t>bisa</a:t>
-            </a:r>
-            <a:r>
-              <a:rPr lang="en-US" dirty="0">
-                <a:solidFill>
-                  <a:schemeClr val="tx1"/>
-                </a:solidFill>
-                <a:latin typeface="Comic Sans MS" pitchFamily="66" charset="0"/>
-                <a:cs typeface="Times New Roman" pitchFamily="18" charset="0"/>
-              </a:rPr>
-              <a:t> </a:t>
-            </a:r>
-            <a:r>
-              <a:rPr lang="en-US" dirty="0" err="1">
-                <a:solidFill>
-                  <a:schemeClr val="tx1"/>
-                </a:solidFill>
-                <a:latin typeface="Comic Sans MS" pitchFamily="66" charset="0"/>
-                <a:cs typeface="Times New Roman" pitchFamily="18" charset="0"/>
-              </a:rPr>
-              <a:t>berubah</a:t>
-            </a:r>
-            <a:r>
-              <a:rPr lang="en-US" dirty="0">
-                <a:solidFill>
-                  <a:schemeClr val="tx1"/>
-                </a:solidFill>
-                <a:latin typeface="Comic Sans MS" pitchFamily="66" charset="0"/>
-                <a:cs typeface="Times New Roman" pitchFamily="18" charset="0"/>
-              </a:rPr>
-              <a:t> </a:t>
-            </a:r>
-            <a:r>
-              <a:rPr lang="en-US" dirty="0" err="1">
-                <a:solidFill>
-                  <a:schemeClr val="tx1"/>
-                </a:solidFill>
-                <a:latin typeface="Comic Sans MS" pitchFamily="66" charset="0"/>
-                <a:cs typeface="Times New Roman" pitchFamily="18" charset="0"/>
-              </a:rPr>
-              <a:t>sesuai</a:t>
-            </a:r>
-            <a:r>
-              <a:rPr lang="en-US" dirty="0">
-                <a:solidFill>
-                  <a:schemeClr val="tx1"/>
-                </a:solidFill>
-                <a:latin typeface="Comic Sans MS" pitchFamily="66" charset="0"/>
-                <a:cs typeface="Times New Roman" pitchFamily="18" charset="0"/>
-              </a:rPr>
-              <a:t> </a:t>
-            </a:r>
-            <a:r>
-              <a:rPr lang="en-US" dirty="0" err="1">
-                <a:solidFill>
-                  <a:schemeClr val="tx1"/>
-                </a:solidFill>
-                <a:latin typeface="Comic Sans MS" pitchFamily="66" charset="0"/>
-                <a:cs typeface="Times New Roman" pitchFamily="18" charset="0"/>
-              </a:rPr>
-              <a:t>kesepakatan</a:t>
-            </a:r>
-            <a:r>
-              <a:rPr lang="en-US" dirty="0">
-                <a:solidFill>
-                  <a:schemeClr val="tx1"/>
-                </a:solidFill>
-                <a:latin typeface="Comic Sans MS" pitchFamily="66" charset="0"/>
-                <a:cs typeface="Times New Roman" pitchFamily="18" charset="0"/>
-              </a:rPr>
-              <a:t> </a:t>
-            </a:r>
-            <a:r>
-              <a:rPr lang="en-US" dirty="0" err="1">
-                <a:solidFill>
-                  <a:schemeClr val="tx1"/>
-                </a:solidFill>
-                <a:latin typeface="Comic Sans MS" pitchFamily="66" charset="0"/>
-                <a:cs typeface="Times New Roman" pitchFamily="18" charset="0"/>
-              </a:rPr>
-              <a:t>dengan</a:t>
-            </a:r>
-            <a:r>
-              <a:rPr lang="en-US" dirty="0">
-                <a:solidFill>
-                  <a:schemeClr val="tx1"/>
-                </a:solidFill>
-                <a:latin typeface="Comic Sans MS" pitchFamily="66" charset="0"/>
-                <a:cs typeface="Times New Roman" pitchFamily="18" charset="0"/>
-              </a:rPr>
-              <a:t> </a:t>
-            </a:r>
-            <a:r>
-              <a:rPr lang="en-US" dirty="0" err="1">
-                <a:solidFill>
-                  <a:schemeClr val="tx1"/>
-                </a:solidFill>
-                <a:latin typeface="Comic Sans MS" pitchFamily="66" charset="0"/>
-                <a:cs typeface="Times New Roman" pitchFamily="18" charset="0"/>
-              </a:rPr>
-              <a:t>dosen</a:t>
-            </a:r>
-            <a:r>
-              <a:rPr lang="en-US" dirty="0">
-                <a:solidFill>
-                  <a:schemeClr val="tx1"/>
-                </a:solidFill>
-                <a:latin typeface="Comic Sans MS" pitchFamily="66" charset="0"/>
-                <a:cs typeface="Times New Roman" pitchFamily="18" charset="0"/>
-              </a:rPr>
-              <a:t> </a:t>
-            </a:r>
-            <a:r>
-              <a:rPr lang="en-US" dirty="0" err="1">
-                <a:solidFill>
-                  <a:schemeClr val="tx1"/>
-                </a:solidFill>
-                <a:latin typeface="Comic Sans MS" pitchFamily="66" charset="0"/>
-                <a:cs typeface="Times New Roman" pitchFamily="18" charset="0"/>
-              </a:rPr>
-              <a:t>pengampu</a:t>
-            </a:r>
-            <a:r>
-              <a:rPr lang="en-US" dirty="0">
-                <a:solidFill>
-                  <a:schemeClr val="tx1"/>
-                </a:solidFill>
-                <a:latin typeface="Comic Sans MS" pitchFamily="66" charset="0"/>
-                <a:cs typeface="Times New Roman" pitchFamily="18" charset="0"/>
-              </a:rPr>
-              <a:t> </a:t>
-            </a:r>
-            <a:r>
-              <a:rPr lang="en-US" dirty="0" err="1">
-                <a:solidFill>
-                  <a:schemeClr val="tx1"/>
-                </a:solidFill>
-                <a:latin typeface="Comic Sans MS" pitchFamily="66" charset="0"/>
-                <a:cs typeface="Times New Roman" pitchFamily="18" charset="0"/>
-              </a:rPr>
-              <a:t>pada</a:t>
-            </a:r>
-            <a:r>
-              <a:rPr lang="en-US" dirty="0">
-                <a:solidFill>
-                  <a:schemeClr val="tx1"/>
-                </a:solidFill>
-                <a:latin typeface="Comic Sans MS" pitchFamily="66" charset="0"/>
-                <a:cs typeface="Times New Roman" pitchFamily="18" charset="0"/>
-              </a:rPr>
-              <a:t> </a:t>
-            </a:r>
-            <a:r>
-              <a:rPr lang="en-US" dirty="0" err="1">
-                <a:solidFill>
-                  <a:schemeClr val="tx1"/>
-                </a:solidFill>
-                <a:latin typeface="Comic Sans MS" pitchFamily="66" charset="0"/>
-                <a:cs typeface="Times New Roman" pitchFamily="18" charset="0"/>
-              </a:rPr>
-              <a:t>pertemuan</a:t>
-            </a:r>
-            <a:r>
-              <a:rPr lang="en-US" dirty="0">
-                <a:solidFill>
-                  <a:schemeClr val="tx1"/>
-                </a:solidFill>
-                <a:latin typeface="Comic Sans MS" pitchFamily="66" charset="0"/>
-                <a:cs typeface="Times New Roman" pitchFamily="18" charset="0"/>
-              </a:rPr>
-              <a:t> </a:t>
-            </a:r>
-            <a:r>
-              <a:rPr lang="en-US" dirty="0" err="1">
-                <a:solidFill>
-                  <a:schemeClr val="tx1"/>
-                </a:solidFill>
-                <a:latin typeface="Comic Sans MS" pitchFamily="66" charset="0"/>
-                <a:cs typeface="Times New Roman" pitchFamily="18" charset="0"/>
-              </a:rPr>
-              <a:t>selanjutnya</a:t>
-            </a:r>
-            <a:endParaRPr lang="en-US" dirty="0">
-              <a:solidFill>
-                <a:schemeClr val="tx1"/>
-              </a:solidFill>
-              <a:latin typeface="Comic Sans MS" pitchFamily="66" charset="0"/>
-              <a:cs typeface="Times New Roman" pitchFamily="18" charset="0"/>
-            </a:endParaRPr>
-          </a:p>
-          <a:p>
-            <a:pPr marL="365760" indent="-256032">
-              <a:lnSpc>
-                <a:spcPct val="150000"/>
-              </a:lnSpc>
-              <a:spcBef>
-                <a:spcPct val="0"/>
-              </a:spcBef>
-              <a:buClr>
-                <a:schemeClr val="accent3"/>
-              </a:buClr>
-              <a:defRPr/>
-            </a:pPr>
-            <a:endParaRPr lang="en-US" dirty="0">
-              <a:solidFill>
-                <a:schemeClr val="tx1"/>
-              </a:solidFill>
-              <a:latin typeface="Comic Sans MS" pitchFamily="66" charset="0"/>
-              <a:cs typeface="Times New Roman" pitchFamily="18" charset="0"/>
-            </a:endParaRPr>
-          </a:p>
-          <a:p>
-            <a:pPr marL="45720" indent="0">
-              <a:buNone/>
-            </a:pPr>
-            <a:endParaRPr lang="en-US" dirty="0">
-              <a:solidFill>
-                <a:schemeClr val="tx1"/>
-              </a:solidFill>
-              <a:latin typeface="Comic Sans MS" pitchFamily="66" charset="0"/>
-              <a:cs typeface="Times New Roman" pitchFamily="18" charset="0"/>
-            </a:endParaRPr>
-          </a:p>
         </p:txBody>
       </p:sp>
     </p:spTree>
     <p:extLst>
       <p:ext uri="{BB962C8B-B14F-4D97-AF65-F5344CB8AC3E}">
-        <p14:creationId xmlns:p14="http://schemas.microsoft.com/office/powerpoint/2010/main" val="961530235"/>
+        <p14:creationId xmlns:p14="http://schemas.microsoft.com/office/powerpoint/2010/main" val="199979160"/>
       </p:ext>
     </p:extLst>
   </p:cSld>
   <p:clrMapOvr>
     <a:masterClrMapping/>
   </p:clrMapOvr>
+  <p:timing>
+    <p:tnLst>
+      <p:par>
+        <p:cTn id="1" dur="indefinite" restart="never" nodeType="tmRoot"/>
+      </p:par>
+    </p:tnLst>
+  </p:timing>
 </p:sld>
 </file>
 
@@ -9377,13 +8266,40 @@
               </a:lnSpc>
             </a:pPr>
             <a:r>
+              <a:rPr lang="en-US" dirty="0" err="1">
+                <a:solidFill>
+                  <a:schemeClr val="tx1"/>
+                </a:solidFill>
+                <a:latin typeface="Comic Sans MS" pitchFamily="66" charset="0"/>
+              </a:rPr>
+              <a:t>Catatan</a:t>
+            </a:r>
+            <a:r>
               <a:rPr lang="en-US" dirty="0">
                 <a:solidFill>
                   <a:schemeClr val="tx1"/>
                 </a:solidFill>
                 <a:latin typeface="Comic Sans MS" pitchFamily="66" charset="0"/>
               </a:rPr>
-              <a:t>Slide </a:t>
+              <a:t> </a:t>
+            </a:r>
+            <a:r>
+              <a:rPr lang="en-US" dirty="0" err="1">
+                <a:solidFill>
+                  <a:schemeClr val="tx1"/>
+                </a:solidFill>
+                <a:latin typeface="Comic Sans MS" pitchFamily="66" charset="0"/>
+              </a:rPr>
+              <a:t>dan</a:t>
+            </a:r>
+            <a:r>
+              <a:rPr lang="en-US" dirty="0">
+                <a:solidFill>
+                  <a:schemeClr val="tx1"/>
+                </a:solidFill>
+                <a:latin typeface="Comic Sans MS" pitchFamily="66" charset="0"/>
+              </a:rPr>
+              <a:t> Slide </a:t>
             </a:r>
             <a:r>
               <a:rPr lang="en-US" dirty="0" err="1">
@@ -9506,6 +8422,13 @@
   <p:clrMapOvr>
     <a:masterClrMapping/>
   </p:clrMapOvr>
+  <p:timing>
+    <p:tnLst>
+      <p:par>
+        <p:cTn id="1" dur="indefinite" restart="never" nodeType="tmRoot"/>
+      </p:par>
+    </p:tnLst>
+  </p:timing>
 </p:sld>
 </file>
 
@@ -9587,7 +8510,7 @@
             <a:r>
               <a:rPr lang="en-US" sz="2800" dirty="0">
                 <a:solidFill>
-                  <a:schemeClr val="tx1"/>
+                  <a:schemeClr val="accent1"/>
                 </a:solidFill>
                 <a:latin typeface="Comic Sans MS" pitchFamily="66" charset="0"/>
               </a:rPr>
@@ -9601,7 +8524,7 @@
             <a:r>
               <a:rPr lang="en-US" sz="2800" dirty="0">
                 <a:solidFill>
-                  <a:schemeClr val="tx1"/>
+                  <a:schemeClr val="accent1"/>
                 </a:solidFill>
                 <a:latin typeface="Comic Sans MS" pitchFamily="66" charset="0"/>
               </a:rPr>
@@ -9615,7 +8538,7 @@
             <a:r>
               <a:rPr lang="en-US" sz="2800" dirty="0">
                 <a:solidFill>
-                  <a:schemeClr val="tx1"/>
+                  <a:schemeClr val="accent1"/>
                 </a:solidFill>
                 <a:latin typeface="Comic Sans MS" pitchFamily="66" charset="0"/>
               </a:rPr>
@@ -9629,7 +8552,7 @@
             <a:r>
               <a:rPr lang="en-US" sz="2800" dirty="0">
                 <a:solidFill>
-                  <a:schemeClr val="tx1"/>
+                  <a:schemeClr val="accent1"/>
                 </a:solidFill>
                 <a:latin typeface="Comic Sans MS" pitchFamily="66" charset="0"/>
               </a:rPr>
@@ -9715,6 +8638,13 @@
   <p:clrMapOvr>
     <a:masterClrMapping/>
   </p:clrMapOvr>
+  <p:timing>
+    <p:tnLst>
+      <p:par>
+        <p:cTn id="1" dur="indefinite" restart="never" nodeType="tmRoot"/>
+      </p:par>
+    </p:tnLst>
+  </p:timing>
 </p:sld>
 </file>
 
@@ -9938,6 +8868,13 @@
   <p:clrMapOvr>
     <a:masterClrMapping/>
   </p:clrMapOvr>
+  <p:timing>
+    <p:tnLst>
+      <p:par>
+        <p:cTn id="1" dur="indefinite" restart="never" nodeType="tmRoot"/>
+      </p:par>
+    </p:tnLst>
+  </p:timing>
 </p:sld>
 </file>
 
@@ -10023,6 +8960,13 @@
   <p:clrMapOvr>
     <a:masterClrMapping/>
   </p:clrMapOvr>
+  <p:timing>
+    <p:tnLst>
+      <p:par>
+        <p:cTn id="1" dur="indefinite" restart="never" nodeType="tmRoot"/>
+      </p:par>
+    </p:tnLst>
+  </p:timing>
 </p:sld>
 </file>
 
@@ -10045,7 +8989,41 @@
       </p:grpSpPr>
       <p:sp>
         <p:nvSpPr>
-          <p:cNvPr id="3" name="Content Placeholder 2"/>
+          <p:cNvPr id="2" name="Title 1"/>
+          <p:cNvSpPr>
+            <a:spLocks noGrp="1"/>
+          </p:cNvSpPr>
+          <p:nvPr>
+            <p:ph type="title"/>
+          </p:nvPr>
+        </p:nvSpPr>
+        <p:spPr>
+          <a:xfrm>
+            <a:off x="304800" y="304800"/>
+            <a:ext cx="8686800" cy="1143000"/>
+          </a:xfrm>
+        </p:spPr>
+        <p:txBody>
+          <a:bodyPr/>
+          <a:lstStyle/>
+          <a:p>
+            <a:pPr marL="0" indent="0" algn="ctr">
+              <a:buNone/>
+            </a:pPr>
+            <a:r>
+              <a:rPr lang="en-US" sz="3200" dirty="0" err="1"/>
+              <a:t>Pengertian</a:t>
+            </a:r>
+            <a:r>
+              <a:rPr lang="en-US" sz="3200" dirty="0"/>
+              <a:t> Requirement</a:t>
+            </a:r>
+          </a:p>
+        </p:txBody>
+      </p:sp>
+      <p:sp>
+        <p:nvSpPr>
+          <p:cNvPr id="4" name="Content Placeholder 3"/>
           <p:cNvSpPr>
             <a:spLocks noGrp="1"/>
           </p:cNvSpPr>
@@ -10055,8 +9033,8 @@
         </p:nvSpPr>
         <p:spPr>
           <a:xfrm>
-            <a:off x="-14591" y="1828800"/>
-            <a:ext cx="9144000" cy="1295400"/>
+            <a:off x="228600" y="1600200"/>
+            <a:ext cx="8534400" cy="4724400"/>
           </a:xfrm>
           <a:prstGeom prst="rect">
             <a:avLst/>
@@ -10071,25 +9049,78 @@
             <a:pPr marL="45720" indent="0" algn="just">
               <a:buNone/>
             </a:pPr>
-            <a:r>
-              <a:rPr lang="en-US" i="1" dirty="0">
-                <a:solidFill>
-                  <a:schemeClr val="tx1"/>
-                </a:solidFill>
-                <a:latin typeface="Comic Sans MS" pitchFamily="66" charset="0"/>
-              </a:rPr>
-              <a:t>“The hardest single part of building a software system is deciding precisely what to build”- </a:t>
-            </a:r>
+            <a:endParaRPr lang="en-US" i="1" dirty="0">
+              <a:solidFill>
+                <a:schemeClr val="tx1"/>
+              </a:solidFill>
+              <a:latin typeface="Comic Sans MS" pitchFamily="66" charset="0"/>
+              <a:cs typeface="Times New Roman" pitchFamily="18" charset="0"/>
+            </a:endParaRPr>
+          </a:p>
+          <a:p>
+            <a:pPr algn="just">
+              <a:buFont typeface="Arial" charset="0"/>
+              <a:buChar char="•"/>
+            </a:pPr>
             <a:r>
               <a:rPr lang="en-US" dirty="0">
                 <a:solidFill>
                   <a:schemeClr val="tx1"/>
                 </a:solidFill>
                 <a:latin typeface="Comic Sans MS" pitchFamily="66" charset="0"/>
-              </a:rPr>
-              <a:t>F. Brooks</a:t>
-            </a:r>
-            <a:endParaRPr lang="en-US" sz="2000" dirty="0">
+                <a:cs typeface="Times New Roman" pitchFamily="18" charset="0"/>
+              </a:rPr>
+              <a:t> All project begin with a statement of requirements.</a:t>
+            </a:r>
+          </a:p>
+          <a:p>
+            <a:pPr algn="just">
+              <a:buFont typeface="Arial" charset="0"/>
+              <a:buChar char="•"/>
+            </a:pPr>
+            <a:endParaRPr lang="en-US" dirty="0">
+              <a:solidFill>
+                <a:schemeClr val="tx1"/>
+              </a:solidFill>
+              <a:latin typeface="Comic Sans MS" pitchFamily="66" charset="0"/>
+              <a:cs typeface="Times New Roman" pitchFamily="18" charset="0"/>
+            </a:endParaRPr>
+          </a:p>
+          <a:p>
+            <a:pPr algn="just">
+              <a:buFont typeface="Arial" charset="0"/>
+              <a:buChar char="•"/>
+            </a:pPr>
+            <a:r>
+              <a:rPr lang="en-US" dirty="0">
+                <a:solidFill>
+                  <a:schemeClr val="tx1"/>
+                </a:solidFill>
+                <a:latin typeface="Comic Sans MS" pitchFamily="66" charset="0"/>
+                <a:cs typeface="Times New Roman" pitchFamily="18" charset="0"/>
+              </a:rPr>
+              <a:t> Requirements are descriptions of how a software product should perform.</a:t>
+            </a:r>
+          </a:p>
+          <a:p>
+            <a:pPr algn="just">
+              <a:buFont typeface="Arial" charset="0"/>
+              <a:buChar char="•"/>
+            </a:pPr>
+            <a:endParaRPr lang="en-US" dirty="0">
+              <a:solidFill>
+                <a:schemeClr val="tx1"/>
+              </a:solidFill>
+              <a:latin typeface="Comic Sans MS" pitchFamily="66" charset="0"/>
+              <a:cs typeface="Times New Roman" pitchFamily="18" charset="0"/>
+            </a:endParaRPr>
+          </a:p>
+          <a:p>
+            <a:pPr algn="just">
+              <a:buFont typeface="Arial" charset="0"/>
+              <a:buChar char="•"/>
+            </a:pPr>
+            <a:endParaRPr lang="en-US" sz="2000" i="1" dirty="0">
               <a:solidFill>
                 <a:schemeClr val="tx1"/>
               </a:solidFill>
@@ -10098,543 +9129,23 @@
           </a:p>
         </p:txBody>
       </p:sp>
-      <p:sp>
-        <p:nvSpPr>
-          <p:cNvPr id="6" name="Content Placeholder 2"/>
-          <p:cNvSpPr txBox="1">
-            <a:spLocks/>
-          </p:cNvSpPr>
-          <p:nvPr/>
-        </p:nvSpPr>
-        <p:spPr>
-          <a:xfrm>
-            <a:off x="11723" y="3352800"/>
-            <a:ext cx="9144000" cy="1295400"/>
-          </a:xfrm>
-          <a:prstGeom prst="rect">
-            <a:avLst/>
-          </a:prstGeom>
-        </p:spPr>
-        <p:txBody>
-          <a:bodyPr vert="horz" lIns="91440" tIns="45720" rIns="91440" bIns="45720" rtlCol="0">
-            <a:normAutofit/>
-          </a:bodyPr>
-          <a:lstStyle>
-            <a:lvl1pPr marL="228600" indent="-182880" algn="l" defTabSz="914400" rtl="0" eaLnBrk="1" latinLnBrk="0" hangingPunct="1">
-              <a:spcBef>
-                <a:spcPct val="20000"/>
-              </a:spcBef>
-              <a:spcAft>
-                <a:spcPts val="300"/>
-              </a:spcAft>
-              <a:buClr>
-                <a:schemeClr val="accent6">
-                  <a:lumMod val="75000"/>
-                </a:schemeClr>
-              </a:buClr>
-              <a:buSzPct val="130000"/>
-              <a:buFont typeface="Georgia" pitchFamily="18" charset="0"/>
-              <a:buChar char="*"/>
-              <a:defRPr sz="2200" kern="1200">
-                <a:solidFill>
-                  <a:schemeClr val="tx1">
-                    <a:lumMod val="75000"/>
-                    <a:lumOff val="25000"/>
-                  </a:schemeClr>
-                </a:solidFill>
-                <a:latin typeface="+mn-lt"/>
-                <a:ea typeface="+mn-ea"/>
-                <a:cs typeface="+mn-cs"/>
-              </a:defRPr>
-            </a:lvl1pPr>
-            <a:lvl2pPr marL="548640" indent="-182880" algn="l" defTabSz="914400" rtl="0" eaLnBrk="1" latinLnBrk="0" hangingPunct="1">
-              <a:spcBef>
-                <a:spcPct val="20000"/>
-              </a:spcBef>
-              <a:spcAft>
-                <a:spcPts val="300"/>
-              </a:spcAft>
-              <a:buClr>
-                <a:schemeClr val="accent6">
-                  <a:lumMod val="75000"/>
-                </a:schemeClr>
-              </a:buClr>
-              <a:buSzPct val="130000"/>
-              <a:buFont typeface="Georgia" pitchFamily="18" charset="0"/>
-              <a:buChar char="*"/>
-              <a:defRPr sz="2000" kern="1200">
-                <a:solidFill>
-                  <a:schemeClr val="tx1">
-                    <a:lumMod val="75000"/>
-                    <a:lumOff val="25000"/>
-                  </a:schemeClr>
-                </a:solidFill>
-                <a:latin typeface="+mn-lt"/>
-                <a:ea typeface="+mn-ea"/>
-                <a:cs typeface="+mn-cs"/>
-              </a:defRPr>
-            </a:lvl2pPr>
-            <a:lvl3pPr marL="822960" indent="-182880" algn="l" defTabSz="914400" rtl="0" eaLnBrk="1" latinLnBrk="0" hangingPunct="1">
-              <a:spcBef>
-                <a:spcPct val="20000"/>
-              </a:spcBef>
-              <a:spcAft>
-                <a:spcPts val="300"/>
-              </a:spcAft>
-              <a:buClr>
-                <a:schemeClr val="accent6">
-                  <a:lumMod val="75000"/>
-                </a:schemeClr>
-              </a:buClr>
-              <a:buSzPct val="130000"/>
-              <a:buFont typeface="Georgia" pitchFamily="18" charset="0"/>
-              <a:buChar char="*"/>
-              <a:defRPr sz="1800" kern="1200">
-                <a:solidFill>
-                  <a:schemeClr val="tx1">
-                    <a:lumMod val="75000"/>
-                    <a:lumOff val="25000"/>
-                  </a:schemeClr>
-                </a:solidFill>
-                <a:latin typeface="+mn-lt"/>
-                <a:ea typeface="+mn-ea"/>
-                <a:cs typeface="+mn-cs"/>
-              </a:defRPr>
-            </a:lvl3pPr>
-            <a:lvl4pPr marL="1097280" indent="-182880" algn="l" defTabSz="914400" rtl="0" eaLnBrk="1" latinLnBrk="0" hangingPunct="1">
-              <a:spcBef>
-                <a:spcPct val="20000"/>
-              </a:spcBef>
-              <a:spcAft>
-                <a:spcPts val="300"/>
-              </a:spcAft>
-              <a:buClr>
-                <a:schemeClr val="accent6">
-                  <a:lumMod val="75000"/>
-                </a:schemeClr>
-              </a:buClr>
-              <a:buSzPct val="130000"/>
-              <a:buFont typeface="Georgia" pitchFamily="18" charset="0"/>
-              <a:buChar char="*"/>
-              <a:defRPr sz="1600" kern="1200">
-                <a:solidFill>
-                  <a:schemeClr val="tx1">
-                    <a:lumMod val="75000"/>
-                    <a:lumOff val="25000"/>
-                  </a:schemeClr>
-                </a:solidFill>
-                <a:latin typeface="+mn-lt"/>
-                <a:ea typeface="+mn-ea"/>
-                <a:cs typeface="+mn-cs"/>
-              </a:defRPr>
-            </a:lvl4pPr>
-            <a:lvl5pPr marL="1389888" indent="-182880" algn="l" defTabSz="914400" rtl="0" eaLnBrk="1" latinLnBrk="0" hangingPunct="1">
-              <a:spcBef>
-                <a:spcPct val="20000"/>
-              </a:spcBef>
-              <a:spcAft>
-                <a:spcPts val="300"/>
-              </a:spcAft>
-              <a:buClr>
-                <a:schemeClr val="accent6">
-                  <a:lumMod val="75000"/>
-                </a:schemeClr>
-              </a:buClr>
-              <a:buSzPct val="130000"/>
-              <a:buFont typeface="Georgia" pitchFamily="18" charset="0"/>
-              <a:buChar char="*"/>
-              <a:defRPr sz="1400" kern="1200">
-                <a:solidFill>
-                  <a:schemeClr val="tx1">
-                    <a:lumMod val="75000"/>
-                    <a:lumOff val="25000"/>
-                  </a:schemeClr>
-                </a:solidFill>
-                <a:latin typeface="+mn-lt"/>
-                <a:ea typeface="+mn-ea"/>
-                <a:cs typeface="+mn-cs"/>
-              </a:defRPr>
-            </a:lvl5pPr>
-            <a:lvl6pPr marL="1664208" indent="-182880" algn="l" defTabSz="914400" rtl="0" eaLnBrk="1" latinLnBrk="0" hangingPunct="1">
-              <a:spcBef>
-                <a:spcPct val="20000"/>
-              </a:spcBef>
-              <a:spcAft>
-                <a:spcPts val="300"/>
-              </a:spcAft>
-              <a:buClr>
-                <a:schemeClr val="accent6">
-                  <a:lumMod val="75000"/>
-                </a:schemeClr>
-              </a:buClr>
-              <a:buSzPct val="130000"/>
-              <a:buFont typeface="Georgia" pitchFamily="18" charset="0"/>
-              <a:buChar char="*"/>
-              <a:defRPr sz="1400" kern="1200">
-                <a:solidFill>
-                  <a:schemeClr val="tx1">
-                    <a:lumMod val="75000"/>
-                    <a:lumOff val="25000"/>
-                  </a:schemeClr>
-                </a:solidFill>
-                <a:latin typeface="+mn-lt"/>
-                <a:ea typeface="+mn-ea"/>
-                <a:cs typeface="+mn-cs"/>
-              </a:defRPr>
-            </a:lvl6pPr>
-            <a:lvl7pPr marL="1965960" indent="-182880" algn="l" defTabSz="914400" rtl="0" eaLnBrk="1" latinLnBrk="0" hangingPunct="1">
-              <a:spcBef>
-                <a:spcPct val="20000"/>
-              </a:spcBef>
-              <a:spcAft>
-                <a:spcPts val="300"/>
-              </a:spcAft>
-              <a:buClr>
-                <a:schemeClr val="accent6">
-                  <a:lumMod val="75000"/>
-                </a:schemeClr>
-              </a:buClr>
-              <a:buSzPct val="130000"/>
-              <a:buFont typeface="Georgia" pitchFamily="18" charset="0"/>
-              <a:buChar char="*"/>
-              <a:defRPr sz="1400" kern="1200">
-                <a:solidFill>
-                  <a:schemeClr val="tx1">
-                    <a:lumMod val="75000"/>
-                    <a:lumOff val="25000"/>
-                  </a:schemeClr>
-                </a:solidFill>
-                <a:latin typeface="+mn-lt"/>
-                <a:ea typeface="+mn-ea"/>
-                <a:cs typeface="+mn-cs"/>
-              </a:defRPr>
-            </a:lvl7pPr>
-            <a:lvl8pPr marL="2286000" indent="-182880" algn="l" defTabSz="914400" rtl="0" eaLnBrk="1" latinLnBrk="0" hangingPunct="1">
-              <a:spcBef>
-                <a:spcPct val="20000"/>
-              </a:spcBef>
-              <a:spcAft>
-                <a:spcPts val="300"/>
-              </a:spcAft>
-              <a:buClr>
-                <a:schemeClr val="accent6">
-                  <a:lumMod val="75000"/>
-                </a:schemeClr>
-              </a:buClr>
-              <a:buSzPct val="130000"/>
-              <a:buFont typeface="Georgia" pitchFamily="18" charset="0"/>
-              <a:buChar char="*"/>
-              <a:defRPr sz="1400" kern="1200">
-                <a:solidFill>
-                  <a:schemeClr val="tx1">
-                    <a:lumMod val="75000"/>
-                    <a:lumOff val="25000"/>
-                  </a:schemeClr>
-                </a:solidFill>
-                <a:latin typeface="+mn-lt"/>
-                <a:ea typeface="+mn-ea"/>
-                <a:cs typeface="+mn-cs"/>
-              </a:defRPr>
-            </a:lvl8pPr>
-            <a:lvl9pPr marL="2587752" indent="-182880" algn="l" defTabSz="914400" rtl="0" eaLnBrk="1" latinLnBrk="0" hangingPunct="1">
-              <a:spcBef>
-                <a:spcPct val="20000"/>
-              </a:spcBef>
-              <a:spcAft>
-                <a:spcPts val="300"/>
-              </a:spcAft>
-              <a:buClr>
-                <a:schemeClr val="accent6">
-                  <a:lumMod val="75000"/>
-                </a:schemeClr>
-              </a:buClr>
-              <a:buSzPct val="130000"/>
-              <a:buFont typeface="Georgia" pitchFamily="18" charset="0"/>
-              <a:buChar char="*"/>
-              <a:defRPr sz="1400" kern="1200">
-                <a:solidFill>
-                  <a:schemeClr val="tx1">
-                    <a:lumMod val="75000"/>
-                    <a:lumOff val="25000"/>
-                  </a:schemeClr>
-                </a:solidFill>
-                <a:latin typeface="+mn-lt"/>
-                <a:ea typeface="+mn-ea"/>
-                <a:cs typeface="+mn-cs"/>
-              </a:defRPr>
-            </a:lvl9pPr>
-          </a:lstStyle>
-          <a:p>
-            <a:pPr marL="45720" indent="0">
-              <a:buFont typeface="Georgia" pitchFamily="18" charset="0"/>
-              <a:buNone/>
-            </a:pPr>
-            <a:r>
-              <a:rPr lang="en-US" sz="2400" i="1" dirty="0">
-                <a:solidFill>
-                  <a:srgbClr val="FF0000"/>
-                </a:solidFill>
-              </a:rPr>
-              <a:t>“Salah </a:t>
-            </a:r>
-            <a:r>
-              <a:rPr lang="en-US" sz="2400" i="1" dirty="0" err="1">
-                <a:solidFill>
-                  <a:srgbClr val="FF0000"/>
-                </a:solidFill>
-              </a:rPr>
-              <a:t>satu</a:t>
-            </a:r>
-            <a:r>
-              <a:rPr lang="en-US" sz="2400" i="1" dirty="0">
-                <a:solidFill>
-                  <a:srgbClr val="FF0000"/>
-                </a:solidFill>
-              </a:rPr>
-              <a:t> </a:t>
-            </a:r>
-            <a:r>
-              <a:rPr lang="en-US" sz="2400" i="1" dirty="0" err="1">
-                <a:solidFill>
-                  <a:srgbClr val="FF0000"/>
-                </a:solidFill>
-              </a:rPr>
-              <a:t>bagian</a:t>
-            </a:r>
-            <a:r>
-              <a:rPr lang="en-US" sz="2400" i="1" dirty="0">
-                <a:solidFill>
-                  <a:srgbClr val="FF0000"/>
-                </a:solidFill>
-              </a:rPr>
-              <a:t> </a:t>
-            </a:r>
-            <a:r>
-              <a:rPr lang="en-US" sz="2400" i="1" dirty="0" err="1">
-                <a:solidFill>
-                  <a:srgbClr val="FF0000"/>
-                </a:solidFill>
-              </a:rPr>
-              <a:t>tersulit</a:t>
-            </a:r>
-            <a:r>
-              <a:rPr lang="en-US" sz="2400" i="1" dirty="0">
-                <a:solidFill>
-                  <a:srgbClr val="FF0000"/>
-                </a:solidFill>
-              </a:rPr>
-              <a:t> </a:t>
-            </a:r>
-            <a:r>
-              <a:rPr lang="en-US" sz="2400" i="1" dirty="0" err="1">
-                <a:solidFill>
-                  <a:srgbClr val="FF0000"/>
-                </a:solidFill>
-              </a:rPr>
-              <a:t>dalam</a:t>
-            </a:r>
-            <a:r>
-              <a:rPr lang="en-US" sz="2400" i="1" dirty="0">
-                <a:solidFill>
-                  <a:srgbClr val="FF0000"/>
-                </a:solidFill>
-              </a:rPr>
-              <a:t> </a:t>
-            </a:r>
-            <a:r>
-              <a:rPr lang="en-US" sz="2400" i="1" dirty="0" err="1">
-                <a:solidFill>
-                  <a:srgbClr val="FF0000"/>
-                </a:solidFill>
-              </a:rPr>
-              <a:t>pembuatan</a:t>
-            </a:r>
-            <a:r>
-              <a:rPr lang="en-US" sz="2400" i="1" dirty="0">
-                <a:solidFill>
-                  <a:srgbClr val="FF0000"/>
-                </a:solidFill>
-              </a:rPr>
-              <a:t> </a:t>
-            </a:r>
-            <a:r>
-              <a:rPr lang="en-US" sz="2400" i="1" dirty="0" err="1">
-                <a:solidFill>
-                  <a:srgbClr val="FF0000"/>
-                </a:solidFill>
-              </a:rPr>
-              <a:t>sistem</a:t>
-            </a:r>
-            <a:r>
-              <a:rPr lang="en-US" sz="2400" i="1" dirty="0">
-                <a:solidFill>
-                  <a:srgbClr val="FF0000"/>
-                </a:solidFill>
-              </a:rPr>
-              <a:t> </a:t>
-            </a:r>
-            <a:r>
-              <a:rPr lang="en-US" sz="2400" i="1" dirty="0" err="1">
-                <a:solidFill>
-                  <a:srgbClr val="FF0000"/>
-                </a:solidFill>
-              </a:rPr>
-              <a:t>perangkat</a:t>
-            </a:r>
-            <a:r>
-              <a:rPr lang="en-US" sz="2400" i="1" dirty="0">
-                <a:solidFill>
-                  <a:srgbClr val="FF0000"/>
-                </a:solidFill>
-              </a:rPr>
-              <a:t> </a:t>
-            </a:r>
-            <a:r>
-              <a:rPr lang="en-US" sz="2400" i="1" dirty="0" err="1">
-                <a:solidFill>
-                  <a:srgbClr val="FF0000"/>
-                </a:solidFill>
-              </a:rPr>
-              <a:t>lunak</a:t>
-            </a:r>
-            <a:r>
-              <a:rPr lang="en-US" sz="2400" i="1" dirty="0">
-                <a:solidFill>
-                  <a:srgbClr val="FF0000"/>
-                </a:solidFill>
-              </a:rPr>
-              <a:t> </a:t>
-            </a:r>
-            <a:r>
-              <a:rPr lang="en-US" sz="2400" i="1" dirty="0" err="1">
-                <a:solidFill>
-                  <a:srgbClr val="FF0000"/>
-                </a:solidFill>
-              </a:rPr>
-              <a:t>adalah</a:t>
-            </a:r>
-            <a:r>
-              <a:rPr lang="en-US" sz="2400" i="1" dirty="0">
-                <a:solidFill>
-                  <a:srgbClr val="FF0000"/>
-                </a:solidFill>
-              </a:rPr>
-              <a:t> </a:t>
-            </a:r>
-            <a:r>
-              <a:rPr lang="en-US" sz="2400" i="1" dirty="0" err="1">
-                <a:solidFill>
-                  <a:srgbClr val="FF0000"/>
-                </a:solidFill>
-              </a:rPr>
-              <a:t>memutuskan</a:t>
-            </a:r>
-            <a:r>
-              <a:rPr lang="en-US" sz="2400" i="1" dirty="0">
-                <a:solidFill>
-                  <a:srgbClr val="FF0000"/>
-                </a:solidFill>
-              </a:rPr>
-              <a:t> </a:t>
-            </a:r>
-            <a:r>
-              <a:rPr lang="en-US" sz="2400" i="1" dirty="0" err="1">
-                <a:solidFill>
-                  <a:srgbClr val="FF0000"/>
-                </a:solidFill>
-              </a:rPr>
-              <a:t>dengan</a:t>
-            </a:r>
-            <a:r>
-              <a:rPr lang="en-US" sz="2400" i="1" dirty="0">
-                <a:solidFill>
-                  <a:srgbClr val="FF0000"/>
-                </a:solidFill>
-              </a:rPr>
-              <a:t> </a:t>
-            </a:r>
-            <a:r>
-              <a:rPr lang="en-US" sz="2400" i="1" dirty="0" err="1">
-                <a:solidFill>
-                  <a:srgbClr val="FF0000"/>
-                </a:solidFill>
-              </a:rPr>
-              <a:t>tepat</a:t>
-            </a:r>
-            <a:r>
-              <a:rPr lang="en-US" sz="2400" i="1" dirty="0">
-                <a:solidFill>
-                  <a:srgbClr val="FF0000"/>
-                </a:solidFill>
-              </a:rPr>
-              <a:t> </a:t>
-            </a:r>
-            <a:r>
-              <a:rPr lang="en-US" sz="2400" i="1" dirty="0" err="1">
-                <a:solidFill>
-                  <a:srgbClr val="FF0000"/>
-                </a:solidFill>
-              </a:rPr>
-              <a:t>apa</a:t>
-            </a:r>
-            <a:r>
-              <a:rPr lang="en-US" sz="2400" i="1" dirty="0">
-                <a:solidFill>
-                  <a:srgbClr val="FF0000"/>
-                </a:solidFill>
-              </a:rPr>
-              <a:t> yang </a:t>
-            </a:r>
-            <a:r>
-              <a:rPr lang="en-US" sz="2400" i="1" dirty="0" err="1">
-                <a:solidFill>
-                  <a:srgbClr val="FF0000"/>
-                </a:solidFill>
-              </a:rPr>
-              <a:t>akan</a:t>
-            </a:r>
-            <a:r>
-              <a:rPr lang="en-US" sz="2400" i="1" dirty="0">
-                <a:solidFill>
-                  <a:srgbClr val="FF0000"/>
-                </a:solidFill>
-              </a:rPr>
-              <a:t> </a:t>
-            </a:r>
-            <a:r>
-              <a:rPr lang="en-US" sz="2400" i="1" dirty="0" err="1">
-                <a:solidFill>
-                  <a:srgbClr val="FF0000"/>
-                </a:solidFill>
-              </a:rPr>
-              <a:t>dibuat</a:t>
-            </a:r>
-            <a:r>
-              <a:rPr lang="en-US" sz="2400" i="1" dirty="0">
-                <a:solidFill>
-                  <a:srgbClr val="FF0000"/>
-                </a:solidFill>
-              </a:rPr>
-              <a:t>”</a:t>
-            </a:r>
-            <a:endParaRPr lang="en-US" sz="2000" dirty="0">
-              <a:solidFill>
-                <a:srgbClr val="FF0000"/>
-              </a:solidFill>
-            </a:endParaRPr>
-          </a:p>
-        </p:txBody>
-      </p:sp>
     </p:spTree>
     <p:extLst>
       <p:ext uri="{BB962C8B-B14F-4D97-AF65-F5344CB8AC3E}">
-        <p14:creationId xmlns:p14="http://schemas.microsoft.com/office/powerpoint/2010/main" val="3752943139"/>
+        <p14:creationId xmlns:p14="http://schemas.microsoft.com/office/powerpoint/2010/main" val="3218233636"/>
       </p:ext>
     </p:extLst>
   </p:cSld>
   <p:clrMapOvr>
     <a:masterClrMapping/>
   </p:clrMapOvr>
+  <p:timing>
+    <p:tnLst>
+      <p:par>
+        <p:cTn id="1" dur="indefinite" restart="never" nodeType="tmRoot"/>
+      </p:par>
+    </p:tnLst>
+  </p:timing>
 </p:sld>
 </file>
 
@@ -10679,11 +9190,11 @@
               <a:buNone/>
             </a:pPr>
             <a:r>
-              <a:rPr lang="en-US" sz="2800" dirty="0" err="1"/>
+              <a:rPr lang="en-US" sz="3200" dirty="0" err="1"/>
               <a:t>Pengertian</a:t>
             </a:r>
             <a:r>
-              <a:rPr lang="en-US" sz="2800" dirty="0"/>
+              <a:rPr lang="en-US" sz="3200" dirty="0"/>
               <a:t> Requirement</a:t>
             </a:r>
           </a:p>
@@ -10709,22 +9220,488 @@
           </a:prstGeom>
         </p:spPr>
         <p:txBody>
-          <a:bodyPr anchor="ctr">
+          <a:bodyPr>
             <a:normAutofit/>
           </a:bodyPr>
           <a:lstStyle/>
           <a:p>
-            <a:pPr marL="45720" indent="0" algn="ctr">
+            <a:pPr marL="45720" indent="0" algn="just">
               <a:buNone/>
             </a:pPr>
             <a:r>
-              <a:rPr lang="en-US" sz="4400" dirty="0">
-                <a:solidFill>
-                  <a:schemeClr val="tx1"/>
-                </a:solidFill>
-                <a:latin typeface="Comic Sans MS" pitchFamily="66" charset="0"/>
-              </a:rPr>
-              <a:t>Requirement?</a:t>
+              <a:rPr lang="en-US" sz="2400" i="1" dirty="0">
+                <a:solidFill>
+                  <a:schemeClr val="tx1"/>
+                </a:solidFill>
+                <a:latin typeface="Comic Sans MS" pitchFamily="66" charset="0"/>
+              </a:rPr>
+              <a:t>“</a:t>
+            </a:r>
+            <a:r>
+              <a:rPr lang="en-US" sz="2400" i="1" dirty="0" err="1">
+                <a:solidFill>
+                  <a:schemeClr val="tx1"/>
+                </a:solidFill>
+                <a:latin typeface="Comic Sans MS" pitchFamily="66" charset="0"/>
+              </a:rPr>
+              <a:t>Sesuatu</a:t>
+            </a:r>
+            <a:r>
+              <a:rPr lang="en-US" sz="2400" i="1" dirty="0">
+                <a:solidFill>
+                  <a:schemeClr val="tx1"/>
+                </a:solidFill>
+                <a:latin typeface="Comic Sans MS" pitchFamily="66" charset="0"/>
+              </a:rPr>
+              <a:t> </a:t>
+            </a:r>
+            <a:r>
+              <a:rPr lang="en-US" sz="2400" i="1" dirty="0" err="1">
+                <a:solidFill>
+                  <a:schemeClr val="tx1"/>
+                </a:solidFill>
+                <a:latin typeface="Comic Sans MS" pitchFamily="66" charset="0"/>
+              </a:rPr>
+              <a:t>pada</a:t>
+            </a:r>
+            <a:r>
+              <a:rPr lang="en-US" sz="2400" i="1" dirty="0">
+                <a:solidFill>
+                  <a:schemeClr val="tx1"/>
+                </a:solidFill>
+                <a:latin typeface="Comic Sans MS" pitchFamily="66" charset="0"/>
+              </a:rPr>
+              <a:t> </a:t>
+            </a:r>
+            <a:r>
+              <a:rPr lang="en-US" sz="2400" i="1" dirty="0" err="1">
+                <a:solidFill>
+                  <a:schemeClr val="tx1"/>
+                </a:solidFill>
+                <a:latin typeface="Comic Sans MS" pitchFamily="66" charset="0"/>
+              </a:rPr>
+              <a:t>produk</a:t>
+            </a:r>
+            <a:r>
+              <a:rPr lang="en-US" sz="2400" i="1" dirty="0">
+                <a:solidFill>
+                  <a:schemeClr val="tx1"/>
+                </a:solidFill>
+                <a:latin typeface="Comic Sans MS" pitchFamily="66" charset="0"/>
+              </a:rPr>
+              <a:t> yang </a:t>
+            </a:r>
+            <a:r>
+              <a:rPr lang="en-US" sz="2400" i="1" dirty="0" err="1">
+                <a:solidFill>
+                  <a:schemeClr val="tx1"/>
+                </a:solidFill>
+                <a:latin typeface="Comic Sans MS" pitchFamily="66" charset="0"/>
+              </a:rPr>
+              <a:t>harus</a:t>
+            </a:r>
+            <a:r>
+              <a:rPr lang="en-US" sz="2400" i="1" dirty="0">
+                <a:solidFill>
+                  <a:schemeClr val="tx1"/>
+                </a:solidFill>
+                <a:latin typeface="Comic Sans MS" pitchFamily="66" charset="0"/>
+              </a:rPr>
+              <a:t> </a:t>
+            </a:r>
+            <a:r>
+              <a:rPr lang="en-US" sz="2400" i="1" dirty="0" err="1">
+                <a:solidFill>
+                  <a:schemeClr val="tx1"/>
+                </a:solidFill>
+                <a:latin typeface="Comic Sans MS" pitchFamily="66" charset="0"/>
+              </a:rPr>
+              <a:t>dilakukan</a:t>
+            </a:r>
+            <a:r>
+              <a:rPr lang="en-US" sz="2400" i="1" dirty="0">
+                <a:solidFill>
+                  <a:schemeClr val="tx1"/>
+                </a:solidFill>
+                <a:latin typeface="Comic Sans MS" pitchFamily="66" charset="0"/>
+              </a:rPr>
+              <a:t> </a:t>
+            </a:r>
+            <a:r>
+              <a:rPr lang="en-US" sz="2400" i="1" dirty="0" err="1">
+                <a:solidFill>
+                  <a:schemeClr val="tx1"/>
+                </a:solidFill>
+                <a:latin typeface="Comic Sans MS" pitchFamily="66" charset="0"/>
+              </a:rPr>
+              <a:t>atau</a:t>
+            </a:r>
+            <a:r>
+              <a:rPr lang="en-US" sz="2400" i="1" dirty="0">
+                <a:solidFill>
+                  <a:schemeClr val="tx1"/>
+                </a:solidFill>
+                <a:latin typeface="Comic Sans MS" pitchFamily="66" charset="0"/>
+              </a:rPr>
+              <a:t> </a:t>
+            </a:r>
+            <a:r>
+              <a:rPr lang="en-US" sz="2400" i="1" dirty="0" err="1">
+                <a:solidFill>
+                  <a:schemeClr val="tx1"/>
+                </a:solidFill>
+                <a:latin typeface="Comic Sans MS" pitchFamily="66" charset="0"/>
+              </a:rPr>
+              <a:t>sebuah</a:t>
+            </a:r>
+            <a:r>
+              <a:rPr lang="en-US" sz="2400" i="1" dirty="0">
+                <a:solidFill>
+                  <a:schemeClr val="tx1"/>
+                </a:solidFill>
+                <a:latin typeface="Comic Sans MS" pitchFamily="66" charset="0"/>
+              </a:rPr>
+              <a:t> </a:t>
+            </a:r>
+            <a:r>
+              <a:rPr lang="en-US" sz="2400" i="1" dirty="0" err="1">
+                <a:solidFill>
+                  <a:schemeClr val="tx1"/>
+                </a:solidFill>
+                <a:latin typeface="Comic Sans MS" pitchFamily="66" charset="0"/>
+              </a:rPr>
+              <a:t>kualitas</a:t>
+            </a:r>
+            <a:r>
+              <a:rPr lang="en-US" sz="2400" i="1" dirty="0">
+                <a:solidFill>
+                  <a:schemeClr val="tx1"/>
+                </a:solidFill>
+                <a:latin typeface="Comic Sans MS" pitchFamily="66" charset="0"/>
+              </a:rPr>
+              <a:t> yang </a:t>
+            </a:r>
+            <a:r>
+              <a:rPr lang="en-US" sz="2400" i="1" dirty="0" err="1">
+                <a:solidFill>
+                  <a:schemeClr val="tx1"/>
+                </a:solidFill>
+                <a:latin typeface="Comic Sans MS" pitchFamily="66" charset="0"/>
+              </a:rPr>
+              <a:t>harus</a:t>
+            </a:r>
+            <a:r>
+              <a:rPr lang="en-US" sz="2400" i="1" dirty="0">
+                <a:solidFill>
+                  <a:schemeClr val="tx1"/>
+                </a:solidFill>
+                <a:latin typeface="Comic Sans MS" pitchFamily="66" charset="0"/>
+              </a:rPr>
+              <a:t> </a:t>
+            </a:r>
+            <a:r>
+              <a:rPr lang="en-US" sz="2400" i="1" dirty="0" err="1">
+                <a:solidFill>
+                  <a:schemeClr val="tx1"/>
+                </a:solidFill>
+                <a:latin typeface="Comic Sans MS" pitchFamily="66" charset="0"/>
+              </a:rPr>
+              <a:t>dimiliki</a:t>
+            </a:r>
+            <a:r>
+              <a:rPr lang="en-US" sz="2400" i="1" dirty="0">
+                <a:solidFill>
+                  <a:schemeClr val="tx1"/>
+                </a:solidFill>
+                <a:latin typeface="Comic Sans MS" pitchFamily="66" charset="0"/>
+              </a:rPr>
+              <a:t> </a:t>
+            </a:r>
+            <a:r>
+              <a:rPr lang="en-US" sz="2400" i="1" dirty="0" err="1">
+                <a:solidFill>
+                  <a:schemeClr val="tx1"/>
+                </a:solidFill>
+                <a:latin typeface="Comic Sans MS" pitchFamily="66" charset="0"/>
+              </a:rPr>
+              <a:t>produk</a:t>
+            </a:r>
+            <a:r>
+              <a:rPr lang="en-US" sz="2400" i="1" dirty="0">
+                <a:solidFill>
+                  <a:schemeClr val="tx1"/>
+                </a:solidFill>
+                <a:latin typeface="Comic Sans MS" pitchFamily="66" charset="0"/>
+              </a:rPr>
+              <a:t> </a:t>
+            </a:r>
+            <a:r>
+              <a:rPr lang="en-US" sz="2400" i="1" dirty="0" err="1">
+                <a:solidFill>
+                  <a:schemeClr val="tx1"/>
+                </a:solidFill>
+                <a:latin typeface="Comic Sans MS" pitchFamily="66" charset="0"/>
+              </a:rPr>
+              <a:t>tersebut</a:t>
+            </a:r>
+            <a:r>
+              <a:rPr lang="en-US" sz="2400" i="1" dirty="0">
+                <a:solidFill>
+                  <a:schemeClr val="tx1"/>
+                </a:solidFill>
+                <a:latin typeface="Comic Sans MS" pitchFamily="66" charset="0"/>
+              </a:rPr>
+              <a:t>” </a:t>
+            </a:r>
+            <a:r>
+              <a:rPr lang="en-US" sz="2400" dirty="0">
+                <a:solidFill>
+                  <a:schemeClr val="tx1"/>
+                </a:solidFill>
+                <a:latin typeface="Comic Sans MS" pitchFamily="66" charset="0"/>
+              </a:rPr>
+              <a:t>(Robertson99)</a:t>
+            </a:r>
+            <a:r>
+              <a:rPr lang="en-US" sz="2400" i="1" dirty="0">
+                <a:solidFill>
+                  <a:schemeClr val="tx1"/>
+                </a:solidFill>
+                <a:latin typeface="Comic Sans MS" pitchFamily="66" charset="0"/>
+              </a:rPr>
+              <a:t>.</a:t>
+            </a:r>
+          </a:p>
+          <a:p>
+            <a:pPr marL="45720" indent="0" algn="just">
+              <a:buNone/>
+            </a:pPr>
+            <a:endParaRPr lang="en-US" sz="2400" i="1" dirty="0">
+              <a:solidFill>
+                <a:schemeClr val="tx1"/>
+              </a:solidFill>
+              <a:latin typeface="Comic Sans MS" pitchFamily="66" charset="0"/>
+            </a:endParaRPr>
+          </a:p>
+          <a:p>
+            <a:pPr marL="45720" indent="0" algn="just">
+              <a:buNone/>
+            </a:pPr>
+            <a:r>
+              <a:rPr lang="en-US" sz="2400" i="1" dirty="0">
+                <a:solidFill>
+                  <a:schemeClr val="tx1"/>
+                </a:solidFill>
+                <a:latin typeface="Comic Sans MS" pitchFamily="66" charset="0"/>
+              </a:rPr>
+              <a:t>“</a:t>
+            </a:r>
+            <a:r>
+              <a:rPr lang="en-US" sz="2400" i="1" dirty="0" err="1">
+                <a:solidFill>
+                  <a:schemeClr val="tx1"/>
+                </a:solidFill>
+                <a:latin typeface="Comic Sans MS" pitchFamily="66" charset="0"/>
+              </a:rPr>
+              <a:t>Sebuah</a:t>
+            </a:r>
+            <a:r>
+              <a:rPr lang="en-US" sz="2400" i="1" dirty="0">
+                <a:solidFill>
+                  <a:schemeClr val="tx1"/>
+                </a:solidFill>
+                <a:latin typeface="Comic Sans MS" pitchFamily="66" charset="0"/>
+              </a:rPr>
+              <a:t> </a:t>
+            </a:r>
+            <a:r>
+              <a:rPr lang="en-US" sz="2400" i="1" dirty="0" err="1">
+                <a:solidFill>
+                  <a:schemeClr val="tx1"/>
+                </a:solidFill>
+                <a:latin typeface="Comic Sans MS" pitchFamily="66" charset="0"/>
+              </a:rPr>
+              <a:t>spesifikasi</a:t>
+            </a:r>
+            <a:r>
+              <a:rPr lang="en-US" sz="2400" i="1" dirty="0">
+                <a:solidFill>
+                  <a:schemeClr val="tx1"/>
+                </a:solidFill>
+                <a:latin typeface="Comic Sans MS" pitchFamily="66" charset="0"/>
+              </a:rPr>
+              <a:t> </a:t>
+            </a:r>
+            <a:r>
+              <a:rPr lang="en-US" sz="2400" i="1" dirty="0" err="1">
+                <a:solidFill>
+                  <a:schemeClr val="tx1"/>
+                </a:solidFill>
+                <a:latin typeface="Comic Sans MS" pitchFamily="66" charset="0"/>
+              </a:rPr>
+              <a:t>kebutuhan</a:t>
+            </a:r>
+            <a:r>
+              <a:rPr lang="en-US" sz="2400" i="1" dirty="0">
+                <a:solidFill>
+                  <a:schemeClr val="tx1"/>
+                </a:solidFill>
+                <a:latin typeface="Comic Sans MS" pitchFamily="66" charset="0"/>
+              </a:rPr>
+              <a:t> </a:t>
+            </a:r>
+            <a:r>
+              <a:rPr lang="en-US" sz="2400" i="1" dirty="0" err="1">
+                <a:solidFill>
+                  <a:schemeClr val="tx1"/>
+                </a:solidFill>
+                <a:latin typeface="Comic Sans MS" pitchFamily="66" charset="0"/>
+              </a:rPr>
+              <a:t>adalah</a:t>
+            </a:r>
+            <a:r>
+              <a:rPr lang="en-US" sz="2400" i="1" dirty="0">
+                <a:solidFill>
+                  <a:schemeClr val="tx1"/>
+                </a:solidFill>
+                <a:latin typeface="Comic Sans MS" pitchFamily="66" charset="0"/>
+              </a:rPr>
+              <a:t> </a:t>
+            </a:r>
+            <a:r>
+              <a:rPr lang="en-US" sz="2400" i="1" dirty="0" err="1">
+                <a:solidFill>
+                  <a:schemeClr val="tx1"/>
+                </a:solidFill>
+                <a:latin typeface="Comic Sans MS" pitchFamily="66" charset="0"/>
+              </a:rPr>
+              <a:t>bagaimana</a:t>
+            </a:r>
+            <a:r>
+              <a:rPr lang="en-US" sz="2400" i="1" dirty="0">
+                <a:solidFill>
+                  <a:schemeClr val="tx1"/>
+                </a:solidFill>
+                <a:latin typeface="Comic Sans MS" pitchFamily="66" charset="0"/>
+              </a:rPr>
+              <a:t> </a:t>
+            </a:r>
+            <a:r>
+              <a:rPr lang="en-US" sz="2400" i="1" dirty="0" err="1">
+                <a:solidFill>
+                  <a:schemeClr val="tx1"/>
+                </a:solidFill>
+                <a:latin typeface="Comic Sans MS" pitchFamily="66" charset="0"/>
+              </a:rPr>
+              <a:t>tujuan</a:t>
+            </a:r>
+            <a:r>
+              <a:rPr lang="en-US" sz="2400" i="1" dirty="0">
+                <a:solidFill>
+                  <a:schemeClr val="tx1"/>
+                </a:solidFill>
+                <a:latin typeface="Comic Sans MS" pitchFamily="66" charset="0"/>
+              </a:rPr>
+              <a:t> </a:t>
+            </a:r>
+            <a:r>
+              <a:rPr lang="en-US" sz="2400" i="1" dirty="0" err="1">
+                <a:solidFill>
+                  <a:schemeClr val="tx1"/>
+                </a:solidFill>
+                <a:latin typeface="Comic Sans MS" pitchFamily="66" charset="0"/>
+              </a:rPr>
+              <a:t>harus</a:t>
+            </a:r>
+            <a:r>
+              <a:rPr lang="en-US" sz="2400" i="1" dirty="0">
+                <a:solidFill>
+                  <a:schemeClr val="tx1"/>
+                </a:solidFill>
+                <a:latin typeface="Comic Sans MS" pitchFamily="66" charset="0"/>
+              </a:rPr>
+              <a:t> </a:t>
+            </a:r>
+            <a:r>
+              <a:rPr lang="en-US" sz="2400" i="1" dirty="0" err="1">
+                <a:solidFill>
+                  <a:schemeClr val="tx1"/>
+                </a:solidFill>
+                <a:latin typeface="Comic Sans MS" pitchFamily="66" charset="0"/>
+              </a:rPr>
+              <a:t>sesuai</a:t>
+            </a:r>
+            <a:r>
+              <a:rPr lang="en-US" sz="2400" i="1" dirty="0">
+                <a:solidFill>
+                  <a:schemeClr val="tx1"/>
+                </a:solidFill>
+                <a:latin typeface="Comic Sans MS" pitchFamily="66" charset="0"/>
+              </a:rPr>
+              <a:t> </a:t>
+            </a:r>
+            <a:r>
+              <a:rPr lang="en-US" sz="2400" i="1" dirty="0" err="1">
+                <a:solidFill>
+                  <a:schemeClr val="tx1"/>
+                </a:solidFill>
+                <a:latin typeface="Comic Sans MS" pitchFamily="66" charset="0"/>
+              </a:rPr>
+              <a:t>dengan</a:t>
+            </a:r>
+            <a:r>
+              <a:rPr lang="en-US" sz="2400" i="1" dirty="0">
+                <a:solidFill>
+                  <a:schemeClr val="tx1"/>
+                </a:solidFill>
+                <a:latin typeface="Comic Sans MS" pitchFamily="66" charset="0"/>
+              </a:rPr>
+              <a:t> </a:t>
+            </a:r>
+            <a:r>
+              <a:rPr lang="en-US" sz="2400" i="1" dirty="0" err="1">
+                <a:solidFill>
+                  <a:schemeClr val="tx1"/>
+                </a:solidFill>
+                <a:latin typeface="Comic Sans MS" pitchFamily="66" charset="0"/>
+              </a:rPr>
+              <a:t>sistem</a:t>
+            </a:r>
+            <a:r>
+              <a:rPr lang="en-US" sz="2400" i="1" dirty="0">
+                <a:solidFill>
+                  <a:schemeClr val="tx1"/>
+                </a:solidFill>
+                <a:latin typeface="Comic Sans MS" pitchFamily="66" charset="0"/>
+              </a:rPr>
+              <a:t> yang </a:t>
+            </a:r>
+            <a:r>
+              <a:rPr lang="en-US" sz="2400" i="1" dirty="0" err="1">
+                <a:solidFill>
+                  <a:schemeClr val="tx1"/>
+                </a:solidFill>
+                <a:latin typeface="Comic Sans MS" pitchFamily="66" charset="0"/>
+              </a:rPr>
+              <a:t>diusulkan</a:t>
+            </a:r>
+            <a:r>
+              <a:rPr lang="en-US" sz="2400" i="1" dirty="0">
+                <a:solidFill>
+                  <a:schemeClr val="tx1"/>
+                </a:solidFill>
+                <a:latin typeface="Comic Sans MS" pitchFamily="66" charset="0"/>
+              </a:rPr>
+              <a:t>” </a:t>
+            </a:r>
+            <a:r>
+              <a:rPr lang="en-US" sz="2400" dirty="0">
+                <a:solidFill>
+                  <a:schemeClr val="tx1"/>
+                </a:solidFill>
+                <a:latin typeface="Comic Sans MS" pitchFamily="66" charset="0"/>
+              </a:rPr>
+              <a:t>(Anton96).</a:t>
             </a:r>
           </a:p>
         </p:txBody>
@@ -10732,13 +9709,20 @@
     </p:spTree>
     <p:extLst>
       <p:ext uri="{BB962C8B-B14F-4D97-AF65-F5344CB8AC3E}">
-        <p14:creationId xmlns:p14="http://schemas.microsoft.com/office/powerpoint/2010/main" val="984611424"/>
+        <p14:creationId xmlns:p14="http://schemas.microsoft.com/office/powerpoint/2010/main" val="2979336302"/>
       </p:ext>
     </p:extLst>
   </p:cSld>
   <p:clrMapOvr>
     <a:masterClrMapping/>
   </p:clrMapOvr>
+  <p:timing>
+    <p:tnLst>
+      <p:par>
+        <p:cTn id="1" dur="indefinite" restart="never" nodeType="tmRoot"/>
+      </p:par>
+    </p:tnLst>
+  </p:timing>
 </p:sld>
 </file>
 
